--- a/Capstone Management.pptx
+++ b/Capstone Management.pptx
@@ -2,8 +2,11 @@
 <file path=ppt/presentation.xml><?xml version="1.0" encoding="utf-8"?>
 <p:presentation xmlns:a="http://schemas.openxmlformats.org/drawingml/2006/main" xmlns:r="http://schemas.openxmlformats.org/officeDocument/2006/relationships" xmlns:p="http://schemas.openxmlformats.org/presentationml/2006/main" saveSubsetFonts="1">
   <p:sldMasterIdLst>
-    <p:sldMasterId id="2147483648" r:id="rId1"/>
+    <p:sldMasterId id="2147483660" r:id="rId1"/>
   </p:sldMasterIdLst>
+  <p:notesMasterIdLst>
+    <p:notesMasterId r:id="rId15"/>
+  </p:notesMasterIdLst>
   <p:sldIdLst>
     <p:sldId id="256" r:id="rId2"/>
     <p:sldId id="258" r:id="rId3"/>
@@ -13,15 +16,19 @@
     <p:sldId id="262" r:id="rId7"/>
     <p:sldId id="264" r:id="rId8"/>
     <p:sldId id="265" r:id="rId9"/>
-    <p:sldId id="266" r:id="rId10"/>
+    <p:sldId id="274" r:id="rId10"/>
+    <p:sldId id="275" r:id="rId11"/>
+    <p:sldId id="268" r:id="rId12"/>
+    <p:sldId id="272" r:id="rId13"/>
+    <p:sldId id="273" r:id="rId14"/>
   </p:sldIdLst>
   <p:sldSz cx="12192000" cy="6858000"/>
   <p:notesSz cx="6858000" cy="9144000"/>
   <p:defaultTextStyle>
     <a:defPPr>
-      <a:defRPr lang="en-US"/>
+      <a:defRPr lang="ko-KR"/>
     </a:defPPr>
-    <a:lvl1pPr marL="0" algn="l" defTabSz="914400" rtl="0" eaLnBrk="1" latinLnBrk="0" hangingPunct="1">
+    <a:lvl1pPr marL="0" algn="l" defTabSz="914400" rtl="0" eaLnBrk="1" latinLnBrk="1" hangingPunct="1">
       <a:defRPr sz="1800" kern="1200">
         <a:solidFill>
           <a:schemeClr val="tx1"/>
@@ -31,7 +38,7 @@
         <a:cs typeface="+mn-cs"/>
       </a:defRPr>
     </a:lvl1pPr>
-    <a:lvl2pPr marL="457200" algn="l" defTabSz="914400" rtl="0" eaLnBrk="1" latinLnBrk="0" hangingPunct="1">
+    <a:lvl2pPr marL="457200" algn="l" defTabSz="914400" rtl="0" eaLnBrk="1" latinLnBrk="1" hangingPunct="1">
       <a:defRPr sz="1800" kern="1200">
         <a:solidFill>
           <a:schemeClr val="tx1"/>
@@ -41,7 +48,7 @@
         <a:cs typeface="+mn-cs"/>
       </a:defRPr>
     </a:lvl2pPr>
-    <a:lvl3pPr marL="914400" algn="l" defTabSz="914400" rtl="0" eaLnBrk="1" latinLnBrk="0" hangingPunct="1">
+    <a:lvl3pPr marL="914400" algn="l" defTabSz="914400" rtl="0" eaLnBrk="1" latinLnBrk="1" hangingPunct="1">
       <a:defRPr sz="1800" kern="1200">
         <a:solidFill>
           <a:schemeClr val="tx1"/>
@@ -51,7 +58,7 @@
         <a:cs typeface="+mn-cs"/>
       </a:defRPr>
     </a:lvl3pPr>
-    <a:lvl4pPr marL="1371600" algn="l" defTabSz="914400" rtl="0" eaLnBrk="1" latinLnBrk="0" hangingPunct="1">
+    <a:lvl4pPr marL="1371600" algn="l" defTabSz="914400" rtl="0" eaLnBrk="1" latinLnBrk="1" hangingPunct="1">
       <a:defRPr sz="1800" kern="1200">
         <a:solidFill>
           <a:schemeClr val="tx1"/>
@@ -61,7 +68,7 @@
         <a:cs typeface="+mn-cs"/>
       </a:defRPr>
     </a:lvl4pPr>
-    <a:lvl5pPr marL="1828800" algn="l" defTabSz="914400" rtl="0" eaLnBrk="1" latinLnBrk="0" hangingPunct="1">
+    <a:lvl5pPr marL="1828800" algn="l" defTabSz="914400" rtl="0" eaLnBrk="1" latinLnBrk="1" hangingPunct="1">
       <a:defRPr sz="1800" kern="1200">
         <a:solidFill>
           <a:schemeClr val="tx1"/>
@@ -71,7 +78,7 @@
         <a:cs typeface="+mn-cs"/>
       </a:defRPr>
     </a:lvl5pPr>
-    <a:lvl6pPr marL="2286000" algn="l" defTabSz="914400" rtl="0" eaLnBrk="1" latinLnBrk="0" hangingPunct="1">
+    <a:lvl6pPr marL="2286000" algn="l" defTabSz="914400" rtl="0" eaLnBrk="1" latinLnBrk="1" hangingPunct="1">
       <a:defRPr sz="1800" kern="1200">
         <a:solidFill>
           <a:schemeClr val="tx1"/>
@@ -81,7 +88,7 @@
         <a:cs typeface="+mn-cs"/>
       </a:defRPr>
     </a:lvl6pPr>
-    <a:lvl7pPr marL="2743200" algn="l" defTabSz="914400" rtl="0" eaLnBrk="1" latinLnBrk="0" hangingPunct="1">
+    <a:lvl7pPr marL="2743200" algn="l" defTabSz="914400" rtl="0" eaLnBrk="1" latinLnBrk="1" hangingPunct="1">
       <a:defRPr sz="1800" kern="1200">
         <a:solidFill>
           <a:schemeClr val="tx1"/>
@@ -91,7 +98,7 @@
         <a:cs typeface="+mn-cs"/>
       </a:defRPr>
     </a:lvl7pPr>
-    <a:lvl8pPr marL="3200400" algn="l" defTabSz="914400" rtl="0" eaLnBrk="1" latinLnBrk="0" hangingPunct="1">
+    <a:lvl8pPr marL="3200400" algn="l" defTabSz="914400" rtl="0" eaLnBrk="1" latinLnBrk="1" hangingPunct="1">
       <a:defRPr sz="1800" kern="1200">
         <a:solidFill>
           <a:schemeClr val="tx1"/>
@@ -101,7 +108,7 @@
         <a:cs typeface="+mn-cs"/>
       </a:defRPr>
     </a:lvl8pPr>
-    <a:lvl9pPr marL="3657600" algn="l" defTabSz="914400" rtl="0" eaLnBrk="1" latinLnBrk="0" hangingPunct="1">
+    <a:lvl9pPr marL="3657600" algn="l" defTabSz="914400" rtl="0" eaLnBrk="1" latinLnBrk="1" hangingPunct="1">
       <a:defRPr sz="1800" kern="1200">
         <a:solidFill>
           <a:schemeClr val="tx1"/>
@@ -125,18 +132,34 @@
             <p14:sldId id="262"/>
             <p14:sldId id="264"/>
             <p14:sldId id="265"/>
-            <p14:sldId id="266"/>
+            <p14:sldId id="274"/>
+            <p14:sldId id="275"/>
+            <p14:sldId id="268"/>
+            <p14:sldId id="272"/>
+            <p14:sldId id="273"/>
           </p14:sldIdLst>
         </p14:section>
       </p14:sectionLst>
+    </p:ext>
+    <p:ext uri="{EFAFB233-063F-42B5-8137-9DF3F51BA10A}">
+      <p15:sldGuideLst xmlns:p15="http://schemas.microsoft.com/office/powerpoint/2012/main"/>
     </p:ext>
   </p:extLst>
 </p:presentation>
 </file>
 
-<file path=ppt/slideLayouts/slideLayout1.xml><?xml version="1.0" encoding="utf-8"?>
-<p:sldLayout xmlns:a="http://schemas.openxmlformats.org/drawingml/2006/main" xmlns:r="http://schemas.openxmlformats.org/officeDocument/2006/relationships" xmlns:p="http://schemas.openxmlformats.org/presentationml/2006/main" type="title" preserve="1">
-  <p:cSld name="Title Slide">
+<file path=ppt/revisionInfo.xml><?xml version="1.0" encoding="utf-8"?>
+<p1510:revInfo xmlns:a="http://schemas.openxmlformats.org/drawingml/2006/main" xmlns:r="http://schemas.openxmlformats.org/officeDocument/2006/relationships" xmlns:p1510="http://schemas.microsoft.com/office/powerpoint/2015/10/main"/>
+</file>
+
+<file path=ppt/notesMasters/notesMaster1.xml><?xml version="1.0" encoding="utf-8"?>
+<p:notesMaster xmlns:a="http://schemas.openxmlformats.org/drawingml/2006/main" xmlns:r="http://schemas.openxmlformats.org/officeDocument/2006/relationships" xmlns:p="http://schemas.openxmlformats.org/presentationml/2006/main">
+  <p:cSld>
+    <p:bg>
+      <p:bgRef idx="1001">
+        <a:schemeClr val="bg1"/>
+      </p:bgRef>
+    </p:bg>
     <p:spTree>
       <p:nvGrpSpPr>
         <p:cNvPr id="1" name=""/>
@@ -153,7 +176,357 @@
       </p:grpSpPr>
       <p:sp>
         <p:nvSpPr>
-          <p:cNvPr id="2" name="Title 1"/>
+          <p:cNvPr id="2" name="머리글 개체 틀 1"/>
+          <p:cNvSpPr>
+            <a:spLocks noGrp="1"/>
+          </p:cNvSpPr>
+          <p:nvPr>
+            <p:ph type="hdr" sz="quarter"/>
+          </p:nvPr>
+        </p:nvSpPr>
+        <p:spPr>
+          <a:xfrm>
+            <a:off x="0" y="0"/>
+            <a:ext cx="2971800" cy="458788"/>
+          </a:xfrm>
+          <a:prstGeom prst="rect">
+            <a:avLst/>
+          </a:prstGeom>
+        </p:spPr>
+        <p:txBody>
+          <a:bodyPr vert="horz" lIns="91440" tIns="45720" rIns="91440" bIns="45720" rtlCol="0"/>
+          <a:lstStyle>
+            <a:lvl1pPr algn="l">
+              <a:defRPr sz="1200"/>
+            </a:lvl1pPr>
+          </a:lstStyle>
+          <a:p>
+            <a:endParaRPr lang="ko-KR" altLang="en-US"/>
+          </a:p>
+        </p:txBody>
+      </p:sp>
+      <p:sp>
+        <p:nvSpPr>
+          <p:cNvPr id="3" name="날짜 개체 틀 2"/>
+          <p:cNvSpPr>
+            <a:spLocks noGrp="1"/>
+          </p:cNvSpPr>
+          <p:nvPr>
+            <p:ph type="dt" idx="1"/>
+          </p:nvPr>
+        </p:nvSpPr>
+        <p:spPr>
+          <a:xfrm>
+            <a:off x="3884613" y="0"/>
+            <a:ext cx="2971800" cy="458788"/>
+          </a:xfrm>
+          <a:prstGeom prst="rect">
+            <a:avLst/>
+          </a:prstGeom>
+        </p:spPr>
+        <p:txBody>
+          <a:bodyPr vert="horz" lIns="91440" tIns="45720" rIns="91440" bIns="45720" rtlCol="0"/>
+          <a:lstStyle>
+            <a:lvl1pPr algn="r">
+              <a:defRPr sz="1200"/>
+            </a:lvl1pPr>
+          </a:lstStyle>
+          <a:p>
+            <a:fld id="{C131E0A1-02BE-4323-B1B6-196BBA2DD107}" type="datetimeFigureOut">
+              <a:rPr lang="ko-KR" altLang="en-US" smtClean="0"/>
+              <a:t>2017-11-14</a:t>
+            </a:fld>
+            <a:endParaRPr lang="ko-KR" altLang="en-US"/>
+          </a:p>
+        </p:txBody>
+      </p:sp>
+      <p:sp>
+        <p:nvSpPr>
+          <p:cNvPr id="4" name="슬라이드 이미지 개체 틀 3"/>
+          <p:cNvSpPr>
+            <a:spLocks noGrp="1" noRot="1" noChangeAspect="1"/>
+          </p:cNvSpPr>
+          <p:nvPr>
+            <p:ph type="sldImg" idx="2"/>
+          </p:nvPr>
+        </p:nvSpPr>
+        <p:spPr>
+          <a:xfrm>
+            <a:off x="685800" y="1143000"/>
+            <a:ext cx="5486400" cy="3086100"/>
+          </a:xfrm>
+          <a:prstGeom prst="rect">
+            <a:avLst/>
+          </a:prstGeom>
+          <a:noFill/>
+          <a:ln w="12700">
+            <a:solidFill>
+              <a:prstClr val="black"/>
+            </a:solidFill>
+          </a:ln>
+        </p:spPr>
+        <p:txBody>
+          <a:bodyPr vert="horz" lIns="91440" tIns="45720" rIns="91440" bIns="45720" rtlCol="0" anchor="ctr"/>
+          <a:lstStyle/>
+          <a:p>
+            <a:endParaRPr lang="ko-KR" altLang="en-US"/>
+          </a:p>
+        </p:txBody>
+      </p:sp>
+      <p:sp>
+        <p:nvSpPr>
+          <p:cNvPr id="5" name="슬라이드 노트 개체 틀 4"/>
+          <p:cNvSpPr>
+            <a:spLocks noGrp="1"/>
+          </p:cNvSpPr>
+          <p:nvPr>
+            <p:ph type="body" sz="quarter" idx="3"/>
+          </p:nvPr>
+        </p:nvSpPr>
+        <p:spPr>
+          <a:xfrm>
+            <a:off x="685800" y="4400550"/>
+            <a:ext cx="5486400" cy="3600450"/>
+          </a:xfrm>
+          <a:prstGeom prst="rect">
+            <a:avLst/>
+          </a:prstGeom>
+        </p:spPr>
+        <p:txBody>
+          <a:bodyPr vert="horz" lIns="91440" tIns="45720" rIns="91440" bIns="45720" rtlCol="0"/>
+          <a:lstStyle/>
+          <a:p>
+            <a:pPr lvl="0"/>
+            <a:r>
+              <a:rPr lang="ko-KR" altLang="en-US"/>
+              <a:t>마스터 텍스트 스타일 편집</a:t>
+            </a:r>
+          </a:p>
+          <a:p>
+            <a:pPr lvl="1"/>
+            <a:r>
+              <a:rPr lang="ko-KR" altLang="en-US"/>
+              <a:t>둘째 수준</a:t>
+            </a:r>
+          </a:p>
+          <a:p>
+            <a:pPr lvl="2"/>
+            <a:r>
+              <a:rPr lang="ko-KR" altLang="en-US"/>
+              <a:t>셋째 수준</a:t>
+            </a:r>
+          </a:p>
+          <a:p>
+            <a:pPr lvl="3"/>
+            <a:r>
+              <a:rPr lang="ko-KR" altLang="en-US"/>
+              <a:t>넷째 수준</a:t>
+            </a:r>
+          </a:p>
+          <a:p>
+            <a:pPr lvl="4"/>
+            <a:r>
+              <a:rPr lang="ko-KR" altLang="en-US"/>
+              <a:t>다섯째 수준</a:t>
+            </a:r>
+          </a:p>
+        </p:txBody>
+      </p:sp>
+      <p:sp>
+        <p:nvSpPr>
+          <p:cNvPr id="6" name="바닥글 개체 틀 5"/>
+          <p:cNvSpPr>
+            <a:spLocks noGrp="1"/>
+          </p:cNvSpPr>
+          <p:nvPr>
+            <p:ph type="ftr" sz="quarter" idx="4"/>
+          </p:nvPr>
+        </p:nvSpPr>
+        <p:spPr>
+          <a:xfrm>
+            <a:off x="0" y="8685213"/>
+            <a:ext cx="2971800" cy="458787"/>
+          </a:xfrm>
+          <a:prstGeom prst="rect">
+            <a:avLst/>
+          </a:prstGeom>
+        </p:spPr>
+        <p:txBody>
+          <a:bodyPr vert="horz" lIns="91440" tIns="45720" rIns="91440" bIns="45720" rtlCol="0" anchor="b"/>
+          <a:lstStyle>
+            <a:lvl1pPr algn="l">
+              <a:defRPr sz="1200"/>
+            </a:lvl1pPr>
+          </a:lstStyle>
+          <a:p>
+            <a:endParaRPr lang="ko-KR" altLang="en-US"/>
+          </a:p>
+        </p:txBody>
+      </p:sp>
+      <p:sp>
+        <p:nvSpPr>
+          <p:cNvPr id="7" name="슬라이드 번호 개체 틀 6"/>
+          <p:cNvSpPr>
+            <a:spLocks noGrp="1"/>
+          </p:cNvSpPr>
+          <p:nvPr>
+            <p:ph type="sldNum" sz="quarter" idx="5"/>
+          </p:nvPr>
+        </p:nvSpPr>
+        <p:spPr>
+          <a:xfrm>
+            <a:off x="3884613" y="8685213"/>
+            <a:ext cx="2971800" cy="458787"/>
+          </a:xfrm>
+          <a:prstGeom prst="rect">
+            <a:avLst/>
+          </a:prstGeom>
+        </p:spPr>
+        <p:txBody>
+          <a:bodyPr vert="horz" lIns="91440" tIns="45720" rIns="91440" bIns="45720" rtlCol="0" anchor="b"/>
+          <a:lstStyle>
+            <a:lvl1pPr algn="r">
+              <a:defRPr sz="1200"/>
+            </a:lvl1pPr>
+          </a:lstStyle>
+          <a:p>
+            <a:fld id="{4189136A-773F-40D8-AB32-4CF8B80835E2}" type="slidenum">
+              <a:rPr lang="ko-KR" altLang="en-US" smtClean="0"/>
+              <a:t>‹#›</a:t>
+            </a:fld>
+            <a:endParaRPr lang="ko-KR" altLang="en-US"/>
+          </a:p>
+        </p:txBody>
+      </p:sp>
+    </p:spTree>
+    <p:extLst>
+      <p:ext uri="{BB962C8B-B14F-4D97-AF65-F5344CB8AC3E}">
+        <p14:creationId xmlns:p14="http://schemas.microsoft.com/office/powerpoint/2010/main" val="2124750255"/>
+      </p:ext>
+    </p:extLst>
+  </p:cSld>
+  <p:clrMap bg1="lt1" tx1="dk1" bg2="lt2" tx2="dk2" accent1="accent1" accent2="accent2" accent3="accent3" accent4="accent4" accent5="accent5" accent6="accent6" hlink="hlink" folHlink="folHlink"/>
+  <p:notesStyle>
+    <a:lvl1pPr marL="0" algn="l" defTabSz="914400" rtl="0" eaLnBrk="1" latinLnBrk="1" hangingPunct="1">
+      <a:defRPr sz="1200" kern="1200">
+        <a:solidFill>
+          <a:schemeClr val="tx1"/>
+        </a:solidFill>
+        <a:latin typeface="+mn-lt"/>
+        <a:ea typeface="+mn-ea"/>
+        <a:cs typeface="+mn-cs"/>
+      </a:defRPr>
+    </a:lvl1pPr>
+    <a:lvl2pPr marL="457200" algn="l" defTabSz="914400" rtl="0" eaLnBrk="1" latinLnBrk="1" hangingPunct="1">
+      <a:defRPr sz="1200" kern="1200">
+        <a:solidFill>
+          <a:schemeClr val="tx1"/>
+        </a:solidFill>
+        <a:latin typeface="+mn-lt"/>
+        <a:ea typeface="+mn-ea"/>
+        <a:cs typeface="+mn-cs"/>
+      </a:defRPr>
+    </a:lvl2pPr>
+    <a:lvl3pPr marL="914400" algn="l" defTabSz="914400" rtl="0" eaLnBrk="1" latinLnBrk="1" hangingPunct="1">
+      <a:defRPr sz="1200" kern="1200">
+        <a:solidFill>
+          <a:schemeClr val="tx1"/>
+        </a:solidFill>
+        <a:latin typeface="+mn-lt"/>
+        <a:ea typeface="+mn-ea"/>
+        <a:cs typeface="+mn-cs"/>
+      </a:defRPr>
+    </a:lvl3pPr>
+    <a:lvl4pPr marL="1371600" algn="l" defTabSz="914400" rtl="0" eaLnBrk="1" latinLnBrk="1" hangingPunct="1">
+      <a:defRPr sz="1200" kern="1200">
+        <a:solidFill>
+          <a:schemeClr val="tx1"/>
+        </a:solidFill>
+        <a:latin typeface="+mn-lt"/>
+        <a:ea typeface="+mn-ea"/>
+        <a:cs typeface="+mn-cs"/>
+      </a:defRPr>
+    </a:lvl4pPr>
+    <a:lvl5pPr marL="1828800" algn="l" defTabSz="914400" rtl="0" eaLnBrk="1" latinLnBrk="1" hangingPunct="1">
+      <a:defRPr sz="1200" kern="1200">
+        <a:solidFill>
+          <a:schemeClr val="tx1"/>
+        </a:solidFill>
+        <a:latin typeface="+mn-lt"/>
+        <a:ea typeface="+mn-ea"/>
+        <a:cs typeface="+mn-cs"/>
+      </a:defRPr>
+    </a:lvl5pPr>
+    <a:lvl6pPr marL="2286000" algn="l" defTabSz="914400" rtl="0" eaLnBrk="1" latinLnBrk="1" hangingPunct="1">
+      <a:defRPr sz="1200" kern="1200">
+        <a:solidFill>
+          <a:schemeClr val="tx1"/>
+        </a:solidFill>
+        <a:latin typeface="+mn-lt"/>
+        <a:ea typeface="+mn-ea"/>
+        <a:cs typeface="+mn-cs"/>
+      </a:defRPr>
+    </a:lvl6pPr>
+    <a:lvl7pPr marL="2743200" algn="l" defTabSz="914400" rtl="0" eaLnBrk="1" latinLnBrk="1" hangingPunct="1">
+      <a:defRPr sz="1200" kern="1200">
+        <a:solidFill>
+          <a:schemeClr val="tx1"/>
+        </a:solidFill>
+        <a:latin typeface="+mn-lt"/>
+        <a:ea typeface="+mn-ea"/>
+        <a:cs typeface="+mn-cs"/>
+      </a:defRPr>
+    </a:lvl7pPr>
+    <a:lvl8pPr marL="3200400" algn="l" defTabSz="914400" rtl="0" eaLnBrk="1" latinLnBrk="1" hangingPunct="1">
+      <a:defRPr sz="1200" kern="1200">
+        <a:solidFill>
+          <a:schemeClr val="tx1"/>
+        </a:solidFill>
+        <a:latin typeface="+mn-lt"/>
+        <a:ea typeface="+mn-ea"/>
+        <a:cs typeface="+mn-cs"/>
+      </a:defRPr>
+    </a:lvl8pPr>
+    <a:lvl9pPr marL="3657600" algn="l" defTabSz="914400" rtl="0" eaLnBrk="1" latinLnBrk="1" hangingPunct="1">
+      <a:defRPr sz="1200" kern="1200">
+        <a:solidFill>
+          <a:schemeClr val="tx1"/>
+        </a:solidFill>
+        <a:latin typeface="+mn-lt"/>
+        <a:ea typeface="+mn-ea"/>
+        <a:cs typeface="+mn-cs"/>
+      </a:defRPr>
+    </a:lvl9pPr>
+  </p:notesStyle>
+</p:notesMaster>
+</file>
+
+<file path=ppt/slideLayouts/slideLayout1.xml><?xml version="1.0" encoding="utf-8"?>
+<p:sldLayout xmlns:a="http://schemas.openxmlformats.org/drawingml/2006/main" xmlns:r="http://schemas.openxmlformats.org/officeDocument/2006/relationships" xmlns:p="http://schemas.openxmlformats.org/presentationml/2006/main" type="title" preserve="1">
+  <p:cSld name="제목 슬라이드">
+    <p:spTree>
+      <p:nvGrpSpPr>
+        <p:cNvPr id="1" name=""/>
+        <p:cNvGrpSpPr/>
+        <p:nvPr/>
+      </p:nvGrpSpPr>
+      <p:grpSpPr>
+        <a:xfrm>
+          <a:off x="0" y="0"/>
+          <a:ext cx="0" cy="0"/>
+          <a:chOff x="0" y="0"/>
+          <a:chExt cx="0" cy="0"/>
+        </a:xfrm>
+      </p:grpSpPr>
+      <p:sp>
+        <p:nvSpPr>
+          <p:cNvPr id="2" name="제목 1">
+            <a:extLst>
+              <a:ext uri="{FF2B5EF4-FFF2-40B4-BE49-F238E27FC236}">
+                <a16:creationId xmlns:a16="http://schemas.microsoft.com/office/drawing/2014/main" id="{6489D0AF-767D-42AF-A1C8-A9A834F68D08}"/>
+              </a:ext>
+            </a:extLst>
+          </p:cNvPr>
           <p:cNvSpPr>
             <a:spLocks noGrp="1"/>
           </p:cNvSpPr>
@@ -176,16 +549,21 @@
           </a:lstStyle>
           <a:p>
             <a:r>
-              <a:rPr lang="en-US" smtClean="0"/>
-              <a:t>Click to edit Master title style</a:t>
-            </a:r>
-            <a:endParaRPr lang="en-AU"/>
-          </a:p>
-        </p:txBody>
-      </p:sp>
-      <p:sp>
-        <p:nvSpPr>
-          <p:cNvPr id="3" name="Subtitle 2"/>
+              <a:rPr lang="ko-KR" altLang="en-US"/>
+              <a:t>마스터 제목 스타일 편집</a:t>
+            </a:r>
+          </a:p>
+        </p:txBody>
+      </p:sp>
+      <p:sp>
+        <p:nvSpPr>
+          <p:cNvPr id="3" name="부제목 2">
+            <a:extLst>
+              <a:ext uri="{FF2B5EF4-FFF2-40B4-BE49-F238E27FC236}">
+                <a16:creationId xmlns:a16="http://schemas.microsoft.com/office/drawing/2014/main" id="{A291D5EF-61BE-49A9-B47D-B511E7ADCBEF}"/>
+              </a:ext>
+            </a:extLst>
+          </p:cNvPr>
           <p:cNvSpPr>
             <a:spLocks noGrp="1"/>
           </p:cNvSpPr>
@@ -241,16 +619,21 @@
           </a:lstStyle>
           <a:p>
             <a:r>
-              <a:rPr lang="en-US" smtClean="0"/>
-              <a:t>Click to edit Master subtitle style</a:t>
-            </a:r>
-            <a:endParaRPr lang="en-AU"/>
-          </a:p>
-        </p:txBody>
-      </p:sp>
-      <p:sp>
-        <p:nvSpPr>
-          <p:cNvPr id="4" name="Date Placeholder 3"/>
+              <a:rPr lang="ko-KR" altLang="en-US"/>
+              <a:t>클릭하여 마스터 부제목 스타일 편집</a:t>
+            </a:r>
+          </a:p>
+        </p:txBody>
+      </p:sp>
+      <p:sp>
+        <p:nvSpPr>
+          <p:cNvPr id="4" name="날짜 개체 틀 3">
+            <a:extLst>
+              <a:ext uri="{FF2B5EF4-FFF2-40B4-BE49-F238E27FC236}">
+                <a16:creationId xmlns:a16="http://schemas.microsoft.com/office/drawing/2014/main" id="{826249F4-3D8F-462C-AB40-AF51F8758FDF}"/>
+              </a:ext>
+            </a:extLst>
+          </p:cNvPr>
           <p:cNvSpPr>
             <a:spLocks noGrp="1"/>
           </p:cNvSpPr>
@@ -273,7 +656,13 @@
       </p:sp>
       <p:sp>
         <p:nvSpPr>
-          <p:cNvPr id="5" name="Footer Placeholder 4"/>
+          <p:cNvPr id="5" name="바닥글 개체 틀 4">
+            <a:extLst>
+              <a:ext uri="{FF2B5EF4-FFF2-40B4-BE49-F238E27FC236}">
+                <a16:creationId xmlns:a16="http://schemas.microsoft.com/office/drawing/2014/main" id="{79DF99A5-8779-4C84-A69D-CDAB91D56F20}"/>
+              </a:ext>
+            </a:extLst>
+          </p:cNvPr>
           <p:cNvSpPr>
             <a:spLocks noGrp="1"/>
           </p:cNvSpPr>
@@ -292,7 +681,13 @@
       </p:sp>
       <p:sp>
         <p:nvSpPr>
-          <p:cNvPr id="6" name="Slide Number Placeholder 5"/>
+          <p:cNvPr id="6" name="슬라이드 번호 개체 틀 5">
+            <a:extLst>
+              <a:ext uri="{FF2B5EF4-FFF2-40B4-BE49-F238E27FC236}">
+                <a16:creationId xmlns:a16="http://schemas.microsoft.com/office/drawing/2014/main" id="{00A584F3-45ED-46B4-A880-ED87275E0DDB}"/>
+              </a:ext>
+            </a:extLst>
+          </p:cNvPr>
           <p:cNvSpPr>
             <a:spLocks noGrp="1"/>
           </p:cNvSpPr>
@@ -316,7 +711,7 @@
     </p:spTree>
     <p:extLst>
       <p:ext uri="{BB962C8B-B14F-4D97-AF65-F5344CB8AC3E}">
-        <p14:creationId xmlns:p14="http://schemas.microsoft.com/office/powerpoint/2010/main" val="3240872075"/>
+        <p14:creationId xmlns:p14="http://schemas.microsoft.com/office/powerpoint/2010/main" val="3784213963"/>
       </p:ext>
     </p:extLst>
   </p:cSld>
@@ -328,7 +723,7 @@
 
 <file path=ppt/slideLayouts/slideLayout10.xml><?xml version="1.0" encoding="utf-8"?>
 <p:sldLayout xmlns:a="http://schemas.openxmlformats.org/drawingml/2006/main" xmlns:r="http://schemas.openxmlformats.org/officeDocument/2006/relationships" xmlns:p="http://schemas.openxmlformats.org/presentationml/2006/main" type="vertTx" preserve="1">
-  <p:cSld name="Title and Vertical Text">
+  <p:cSld name="제목 및 세로 텍스트">
     <p:spTree>
       <p:nvGrpSpPr>
         <p:cNvPr id="1" name=""/>
@@ -345,7 +740,13 @@
       </p:grpSpPr>
       <p:sp>
         <p:nvSpPr>
-          <p:cNvPr id="2" name="Title 1"/>
+          <p:cNvPr id="2" name="제목 1">
+            <a:extLst>
+              <a:ext uri="{FF2B5EF4-FFF2-40B4-BE49-F238E27FC236}">
+                <a16:creationId xmlns:a16="http://schemas.microsoft.com/office/drawing/2014/main" id="{457B9075-B494-4F2B-ABD8-419DFFB5FB67}"/>
+              </a:ext>
+            </a:extLst>
+          </p:cNvPr>
           <p:cNvSpPr>
             <a:spLocks noGrp="1"/>
           </p:cNvSpPr>
@@ -359,16 +760,21 @@
           <a:lstStyle/>
           <a:p>
             <a:r>
-              <a:rPr lang="en-US" smtClean="0"/>
-              <a:t>Click to edit Master title style</a:t>
-            </a:r>
-            <a:endParaRPr lang="en-AU"/>
-          </a:p>
-        </p:txBody>
-      </p:sp>
-      <p:sp>
-        <p:nvSpPr>
-          <p:cNvPr id="3" name="Vertical Text Placeholder 2"/>
+              <a:rPr lang="ko-KR" altLang="en-US"/>
+              <a:t>마스터 제목 스타일 편집</a:t>
+            </a:r>
+          </a:p>
+        </p:txBody>
+      </p:sp>
+      <p:sp>
+        <p:nvSpPr>
+          <p:cNvPr id="3" name="세로 텍스트 개체 틀 2">
+            <a:extLst>
+              <a:ext uri="{FF2B5EF4-FFF2-40B4-BE49-F238E27FC236}">
+                <a16:creationId xmlns:a16="http://schemas.microsoft.com/office/drawing/2014/main" id="{0696FB9B-102E-4571-8E08-5F9E8993B40B}"/>
+              </a:ext>
+            </a:extLst>
+          </p:cNvPr>
           <p:cNvSpPr>
             <a:spLocks noGrp="1"/>
           </p:cNvSpPr>
@@ -383,44 +789,49 @@
           <a:p>
             <a:pPr lvl="0"/>
             <a:r>
-              <a:rPr lang="en-US" smtClean="0"/>
-              <a:t>Click to edit Master text styles</a:t>
+              <a:rPr lang="ko-KR" altLang="en-US"/>
+              <a:t>마스터 텍스트 스타일 편집</a:t>
             </a:r>
           </a:p>
           <a:p>
             <a:pPr lvl="1"/>
             <a:r>
-              <a:rPr lang="en-US" smtClean="0"/>
-              <a:t>Second level</a:t>
+              <a:rPr lang="ko-KR" altLang="en-US"/>
+              <a:t>둘째 수준</a:t>
             </a:r>
           </a:p>
           <a:p>
             <a:pPr lvl="2"/>
             <a:r>
-              <a:rPr lang="en-US" smtClean="0"/>
-              <a:t>Third level</a:t>
+              <a:rPr lang="ko-KR" altLang="en-US"/>
+              <a:t>셋째 수준</a:t>
             </a:r>
           </a:p>
           <a:p>
             <a:pPr lvl="3"/>
             <a:r>
-              <a:rPr lang="en-US" smtClean="0"/>
-              <a:t>Fourth level</a:t>
+              <a:rPr lang="ko-KR" altLang="en-US"/>
+              <a:t>넷째 수준</a:t>
             </a:r>
           </a:p>
           <a:p>
             <a:pPr lvl="4"/>
             <a:r>
-              <a:rPr lang="en-US" smtClean="0"/>
-              <a:t>Fifth level</a:t>
-            </a:r>
-            <a:endParaRPr lang="en-AU"/>
-          </a:p>
-        </p:txBody>
-      </p:sp>
-      <p:sp>
-        <p:nvSpPr>
-          <p:cNvPr id="4" name="Date Placeholder 3"/>
+              <a:rPr lang="ko-KR" altLang="en-US"/>
+              <a:t>다섯째 수준</a:t>
+            </a:r>
+          </a:p>
+        </p:txBody>
+      </p:sp>
+      <p:sp>
+        <p:nvSpPr>
+          <p:cNvPr id="4" name="날짜 개체 틀 3">
+            <a:extLst>
+              <a:ext uri="{FF2B5EF4-FFF2-40B4-BE49-F238E27FC236}">
+                <a16:creationId xmlns:a16="http://schemas.microsoft.com/office/drawing/2014/main" id="{221ADF1D-A935-4BAB-B62A-FCBB730EF5A3}"/>
+              </a:ext>
+            </a:extLst>
+          </p:cNvPr>
           <p:cNvSpPr>
             <a:spLocks noGrp="1"/>
           </p:cNvSpPr>
@@ -443,7 +854,13 @@
       </p:sp>
       <p:sp>
         <p:nvSpPr>
-          <p:cNvPr id="5" name="Footer Placeholder 4"/>
+          <p:cNvPr id="5" name="바닥글 개체 틀 4">
+            <a:extLst>
+              <a:ext uri="{FF2B5EF4-FFF2-40B4-BE49-F238E27FC236}">
+                <a16:creationId xmlns:a16="http://schemas.microsoft.com/office/drawing/2014/main" id="{FE7B8EF8-8FF8-4855-A705-197DEAA14F33}"/>
+              </a:ext>
+            </a:extLst>
+          </p:cNvPr>
           <p:cNvSpPr>
             <a:spLocks noGrp="1"/>
           </p:cNvSpPr>
@@ -462,7 +879,13 @@
       </p:sp>
       <p:sp>
         <p:nvSpPr>
-          <p:cNvPr id="6" name="Slide Number Placeholder 5"/>
+          <p:cNvPr id="6" name="슬라이드 번호 개체 틀 5">
+            <a:extLst>
+              <a:ext uri="{FF2B5EF4-FFF2-40B4-BE49-F238E27FC236}">
+                <a16:creationId xmlns:a16="http://schemas.microsoft.com/office/drawing/2014/main" id="{F7AD6F69-8463-4FD1-90AE-8E09EF65D802}"/>
+              </a:ext>
+            </a:extLst>
+          </p:cNvPr>
           <p:cNvSpPr>
             <a:spLocks noGrp="1"/>
           </p:cNvSpPr>
@@ -486,7 +909,7 @@
     </p:spTree>
     <p:extLst>
       <p:ext uri="{BB962C8B-B14F-4D97-AF65-F5344CB8AC3E}">
-        <p14:creationId xmlns:p14="http://schemas.microsoft.com/office/powerpoint/2010/main" val="2274020411"/>
+        <p14:creationId xmlns:p14="http://schemas.microsoft.com/office/powerpoint/2010/main" val="274619485"/>
       </p:ext>
     </p:extLst>
   </p:cSld>
@@ -498,7 +921,7 @@
 
 <file path=ppt/slideLayouts/slideLayout11.xml><?xml version="1.0" encoding="utf-8"?>
 <p:sldLayout xmlns:a="http://schemas.openxmlformats.org/drawingml/2006/main" xmlns:r="http://schemas.openxmlformats.org/officeDocument/2006/relationships" xmlns:p="http://schemas.openxmlformats.org/presentationml/2006/main" type="vertTitleAndTx" preserve="1">
-  <p:cSld name="Vertical Title and Text">
+  <p:cSld name="세로 제목 및 텍스트">
     <p:spTree>
       <p:nvGrpSpPr>
         <p:cNvPr id="1" name=""/>
@@ -515,7 +938,13 @@
       </p:grpSpPr>
       <p:sp>
         <p:nvSpPr>
-          <p:cNvPr id="2" name="Vertical Title 1"/>
+          <p:cNvPr id="2" name="세로 제목 1">
+            <a:extLst>
+              <a:ext uri="{FF2B5EF4-FFF2-40B4-BE49-F238E27FC236}">
+                <a16:creationId xmlns:a16="http://schemas.microsoft.com/office/drawing/2014/main" id="{839A4347-9FD3-4E17-B118-4D805177FA1C}"/>
+              </a:ext>
+            </a:extLst>
+          </p:cNvPr>
           <p:cNvSpPr>
             <a:spLocks noGrp="1"/>
           </p:cNvSpPr>
@@ -534,16 +963,21 @@
           <a:lstStyle/>
           <a:p>
             <a:r>
-              <a:rPr lang="en-US" smtClean="0"/>
-              <a:t>Click to edit Master title style</a:t>
-            </a:r>
-            <a:endParaRPr lang="en-AU"/>
-          </a:p>
-        </p:txBody>
-      </p:sp>
-      <p:sp>
-        <p:nvSpPr>
-          <p:cNvPr id="3" name="Vertical Text Placeholder 2"/>
+              <a:rPr lang="ko-KR" altLang="en-US"/>
+              <a:t>마스터 제목 스타일 편집</a:t>
+            </a:r>
+          </a:p>
+        </p:txBody>
+      </p:sp>
+      <p:sp>
+        <p:nvSpPr>
+          <p:cNvPr id="3" name="세로 텍스트 개체 틀 2">
+            <a:extLst>
+              <a:ext uri="{FF2B5EF4-FFF2-40B4-BE49-F238E27FC236}">
+                <a16:creationId xmlns:a16="http://schemas.microsoft.com/office/drawing/2014/main" id="{C4442E74-8069-4B9A-895D-15914129CDE0}"/>
+              </a:ext>
+            </a:extLst>
+          </p:cNvPr>
           <p:cNvSpPr>
             <a:spLocks noGrp="1"/>
           </p:cNvSpPr>
@@ -563,44 +997,49 @@
           <a:p>
             <a:pPr lvl="0"/>
             <a:r>
-              <a:rPr lang="en-US" smtClean="0"/>
-              <a:t>Click to edit Master text styles</a:t>
+              <a:rPr lang="ko-KR" altLang="en-US"/>
+              <a:t>마스터 텍스트 스타일 편집</a:t>
             </a:r>
           </a:p>
           <a:p>
             <a:pPr lvl="1"/>
             <a:r>
-              <a:rPr lang="en-US" smtClean="0"/>
-              <a:t>Second level</a:t>
+              <a:rPr lang="ko-KR" altLang="en-US"/>
+              <a:t>둘째 수준</a:t>
             </a:r>
           </a:p>
           <a:p>
             <a:pPr lvl="2"/>
             <a:r>
-              <a:rPr lang="en-US" smtClean="0"/>
-              <a:t>Third level</a:t>
+              <a:rPr lang="ko-KR" altLang="en-US"/>
+              <a:t>셋째 수준</a:t>
             </a:r>
           </a:p>
           <a:p>
             <a:pPr lvl="3"/>
             <a:r>
-              <a:rPr lang="en-US" smtClean="0"/>
-              <a:t>Fourth level</a:t>
+              <a:rPr lang="ko-KR" altLang="en-US"/>
+              <a:t>넷째 수준</a:t>
             </a:r>
           </a:p>
           <a:p>
             <a:pPr lvl="4"/>
             <a:r>
-              <a:rPr lang="en-US" smtClean="0"/>
-              <a:t>Fifth level</a:t>
-            </a:r>
-            <a:endParaRPr lang="en-AU"/>
-          </a:p>
-        </p:txBody>
-      </p:sp>
-      <p:sp>
-        <p:nvSpPr>
-          <p:cNvPr id="4" name="Date Placeholder 3"/>
+              <a:rPr lang="ko-KR" altLang="en-US"/>
+              <a:t>다섯째 수준</a:t>
+            </a:r>
+          </a:p>
+        </p:txBody>
+      </p:sp>
+      <p:sp>
+        <p:nvSpPr>
+          <p:cNvPr id="4" name="날짜 개체 틀 3">
+            <a:extLst>
+              <a:ext uri="{FF2B5EF4-FFF2-40B4-BE49-F238E27FC236}">
+                <a16:creationId xmlns:a16="http://schemas.microsoft.com/office/drawing/2014/main" id="{D1E2B5DB-5DEA-4DA1-A388-1E1C39732426}"/>
+              </a:ext>
+            </a:extLst>
+          </p:cNvPr>
           <p:cNvSpPr>
             <a:spLocks noGrp="1"/>
           </p:cNvSpPr>
@@ -623,7 +1062,13 @@
       </p:sp>
       <p:sp>
         <p:nvSpPr>
-          <p:cNvPr id="5" name="Footer Placeholder 4"/>
+          <p:cNvPr id="5" name="바닥글 개체 틀 4">
+            <a:extLst>
+              <a:ext uri="{FF2B5EF4-FFF2-40B4-BE49-F238E27FC236}">
+                <a16:creationId xmlns:a16="http://schemas.microsoft.com/office/drawing/2014/main" id="{A4EE676C-8698-44B0-8366-C4EF1D0AF651}"/>
+              </a:ext>
+            </a:extLst>
+          </p:cNvPr>
           <p:cNvSpPr>
             <a:spLocks noGrp="1"/>
           </p:cNvSpPr>
@@ -642,7 +1087,13 @@
       </p:sp>
       <p:sp>
         <p:nvSpPr>
-          <p:cNvPr id="6" name="Slide Number Placeholder 5"/>
+          <p:cNvPr id="6" name="슬라이드 번호 개체 틀 5">
+            <a:extLst>
+              <a:ext uri="{FF2B5EF4-FFF2-40B4-BE49-F238E27FC236}">
+                <a16:creationId xmlns:a16="http://schemas.microsoft.com/office/drawing/2014/main" id="{854B4007-6D1E-4A2D-865A-C000C183DEE1}"/>
+              </a:ext>
+            </a:extLst>
+          </p:cNvPr>
           <p:cNvSpPr>
             <a:spLocks noGrp="1"/>
           </p:cNvSpPr>
@@ -666,7 +1117,7 @@
     </p:spTree>
     <p:extLst>
       <p:ext uri="{BB962C8B-B14F-4D97-AF65-F5344CB8AC3E}">
-        <p14:creationId xmlns:p14="http://schemas.microsoft.com/office/powerpoint/2010/main" val="1114950325"/>
+        <p14:creationId xmlns:p14="http://schemas.microsoft.com/office/powerpoint/2010/main" val="1636309113"/>
       </p:ext>
     </p:extLst>
   </p:cSld>
@@ -678,7 +1129,7 @@
 
 <file path=ppt/slideLayouts/slideLayout2.xml><?xml version="1.0" encoding="utf-8"?>
 <p:sldLayout xmlns:a="http://schemas.openxmlformats.org/drawingml/2006/main" xmlns:r="http://schemas.openxmlformats.org/officeDocument/2006/relationships" xmlns:p="http://schemas.openxmlformats.org/presentationml/2006/main" type="obj" preserve="1">
-  <p:cSld name="Title and Content">
+  <p:cSld name="제목 및 내용">
     <p:spTree>
       <p:nvGrpSpPr>
         <p:cNvPr id="1" name=""/>
@@ -695,7 +1146,13 @@
       </p:grpSpPr>
       <p:sp>
         <p:nvSpPr>
-          <p:cNvPr id="2" name="Title 1"/>
+          <p:cNvPr id="2" name="제목 1">
+            <a:extLst>
+              <a:ext uri="{FF2B5EF4-FFF2-40B4-BE49-F238E27FC236}">
+                <a16:creationId xmlns:a16="http://schemas.microsoft.com/office/drawing/2014/main" id="{D809C82A-1B74-4D29-A68F-56332E8AFDCC}"/>
+              </a:ext>
+            </a:extLst>
+          </p:cNvPr>
           <p:cNvSpPr>
             <a:spLocks noGrp="1"/>
           </p:cNvSpPr>
@@ -709,16 +1166,21 @@
           <a:lstStyle/>
           <a:p>
             <a:r>
-              <a:rPr lang="en-US" smtClean="0"/>
-              <a:t>Click to edit Master title style</a:t>
-            </a:r>
-            <a:endParaRPr lang="en-AU"/>
-          </a:p>
-        </p:txBody>
-      </p:sp>
-      <p:sp>
-        <p:nvSpPr>
-          <p:cNvPr id="3" name="Content Placeholder 2"/>
+              <a:rPr lang="ko-KR" altLang="en-US"/>
+              <a:t>마스터 제목 스타일 편집</a:t>
+            </a:r>
+          </a:p>
+        </p:txBody>
+      </p:sp>
+      <p:sp>
+        <p:nvSpPr>
+          <p:cNvPr id="3" name="내용 개체 틀 2">
+            <a:extLst>
+              <a:ext uri="{FF2B5EF4-FFF2-40B4-BE49-F238E27FC236}">
+                <a16:creationId xmlns:a16="http://schemas.microsoft.com/office/drawing/2014/main" id="{58665832-17A5-4810-86B7-F8826C335793}"/>
+              </a:ext>
+            </a:extLst>
+          </p:cNvPr>
           <p:cNvSpPr>
             <a:spLocks noGrp="1"/>
           </p:cNvSpPr>
@@ -733,44 +1195,49 @@
           <a:p>
             <a:pPr lvl="0"/>
             <a:r>
-              <a:rPr lang="en-US" smtClean="0"/>
-              <a:t>Click to edit Master text styles</a:t>
+              <a:rPr lang="ko-KR" altLang="en-US"/>
+              <a:t>마스터 텍스트 스타일 편집</a:t>
             </a:r>
           </a:p>
           <a:p>
             <a:pPr lvl="1"/>
             <a:r>
-              <a:rPr lang="en-US" smtClean="0"/>
-              <a:t>Second level</a:t>
+              <a:rPr lang="ko-KR" altLang="en-US"/>
+              <a:t>둘째 수준</a:t>
             </a:r>
           </a:p>
           <a:p>
             <a:pPr lvl="2"/>
             <a:r>
-              <a:rPr lang="en-US" smtClean="0"/>
-              <a:t>Third level</a:t>
+              <a:rPr lang="ko-KR" altLang="en-US"/>
+              <a:t>셋째 수준</a:t>
             </a:r>
           </a:p>
           <a:p>
             <a:pPr lvl="3"/>
             <a:r>
-              <a:rPr lang="en-US" smtClean="0"/>
-              <a:t>Fourth level</a:t>
+              <a:rPr lang="ko-KR" altLang="en-US"/>
+              <a:t>넷째 수준</a:t>
             </a:r>
           </a:p>
           <a:p>
             <a:pPr lvl="4"/>
             <a:r>
-              <a:rPr lang="en-US" smtClean="0"/>
-              <a:t>Fifth level</a:t>
-            </a:r>
-            <a:endParaRPr lang="en-AU"/>
-          </a:p>
-        </p:txBody>
-      </p:sp>
-      <p:sp>
-        <p:nvSpPr>
-          <p:cNvPr id="4" name="Date Placeholder 3"/>
+              <a:rPr lang="ko-KR" altLang="en-US"/>
+              <a:t>다섯째 수준</a:t>
+            </a:r>
+          </a:p>
+        </p:txBody>
+      </p:sp>
+      <p:sp>
+        <p:nvSpPr>
+          <p:cNvPr id="4" name="날짜 개체 틀 3">
+            <a:extLst>
+              <a:ext uri="{FF2B5EF4-FFF2-40B4-BE49-F238E27FC236}">
+                <a16:creationId xmlns:a16="http://schemas.microsoft.com/office/drawing/2014/main" id="{94976548-9E2F-4CFE-86D2-C8098FEC5429}"/>
+              </a:ext>
+            </a:extLst>
+          </p:cNvPr>
           <p:cNvSpPr>
             <a:spLocks noGrp="1"/>
           </p:cNvSpPr>
@@ -793,7 +1260,13 @@
       </p:sp>
       <p:sp>
         <p:nvSpPr>
-          <p:cNvPr id="5" name="Footer Placeholder 4"/>
+          <p:cNvPr id="5" name="바닥글 개체 틀 4">
+            <a:extLst>
+              <a:ext uri="{FF2B5EF4-FFF2-40B4-BE49-F238E27FC236}">
+                <a16:creationId xmlns:a16="http://schemas.microsoft.com/office/drawing/2014/main" id="{FE41808E-2E7F-4394-9D94-80BBCB68300E}"/>
+              </a:ext>
+            </a:extLst>
+          </p:cNvPr>
           <p:cNvSpPr>
             <a:spLocks noGrp="1"/>
           </p:cNvSpPr>
@@ -812,7 +1285,13 @@
       </p:sp>
       <p:sp>
         <p:nvSpPr>
-          <p:cNvPr id="6" name="Slide Number Placeholder 5"/>
+          <p:cNvPr id="6" name="슬라이드 번호 개체 틀 5">
+            <a:extLst>
+              <a:ext uri="{FF2B5EF4-FFF2-40B4-BE49-F238E27FC236}">
+                <a16:creationId xmlns:a16="http://schemas.microsoft.com/office/drawing/2014/main" id="{89E23A37-819C-4CE3-BF24-203B33A7C8E0}"/>
+              </a:ext>
+            </a:extLst>
+          </p:cNvPr>
           <p:cNvSpPr>
             <a:spLocks noGrp="1"/>
           </p:cNvSpPr>
@@ -836,7 +1315,7 @@
     </p:spTree>
     <p:extLst>
       <p:ext uri="{BB962C8B-B14F-4D97-AF65-F5344CB8AC3E}">
-        <p14:creationId xmlns:p14="http://schemas.microsoft.com/office/powerpoint/2010/main" val="1409894872"/>
+        <p14:creationId xmlns:p14="http://schemas.microsoft.com/office/powerpoint/2010/main" val="2763951994"/>
       </p:ext>
     </p:extLst>
   </p:cSld>
@@ -848,7 +1327,7 @@
 
 <file path=ppt/slideLayouts/slideLayout3.xml><?xml version="1.0" encoding="utf-8"?>
 <p:sldLayout xmlns:a="http://schemas.openxmlformats.org/drawingml/2006/main" xmlns:r="http://schemas.openxmlformats.org/officeDocument/2006/relationships" xmlns:p="http://schemas.openxmlformats.org/presentationml/2006/main" type="secHead" preserve="1">
-  <p:cSld name="Section Header">
+  <p:cSld name="구역 머리글">
     <p:spTree>
       <p:nvGrpSpPr>
         <p:cNvPr id="1" name=""/>
@@ -865,7 +1344,13 @@
       </p:grpSpPr>
       <p:sp>
         <p:nvSpPr>
-          <p:cNvPr id="2" name="Title 1"/>
+          <p:cNvPr id="2" name="제목 1">
+            <a:extLst>
+              <a:ext uri="{FF2B5EF4-FFF2-40B4-BE49-F238E27FC236}">
+                <a16:creationId xmlns:a16="http://schemas.microsoft.com/office/drawing/2014/main" id="{9920F018-96AC-4FAE-AF70-DD6C27AB18C4}"/>
+              </a:ext>
+            </a:extLst>
+          </p:cNvPr>
           <p:cNvSpPr>
             <a:spLocks noGrp="1"/>
           </p:cNvSpPr>
@@ -888,16 +1373,21 @@
           </a:lstStyle>
           <a:p>
             <a:r>
-              <a:rPr lang="en-US" smtClean="0"/>
-              <a:t>Click to edit Master title style</a:t>
-            </a:r>
-            <a:endParaRPr lang="en-AU"/>
-          </a:p>
-        </p:txBody>
-      </p:sp>
-      <p:sp>
-        <p:nvSpPr>
-          <p:cNvPr id="3" name="Text Placeholder 2"/>
+              <a:rPr lang="ko-KR" altLang="en-US"/>
+              <a:t>마스터 제목 스타일 편집</a:t>
+            </a:r>
+          </a:p>
+        </p:txBody>
+      </p:sp>
+      <p:sp>
+        <p:nvSpPr>
+          <p:cNvPr id="3" name="텍스트 개체 틀 2">
+            <a:extLst>
+              <a:ext uri="{FF2B5EF4-FFF2-40B4-BE49-F238E27FC236}">
+                <a16:creationId xmlns:a16="http://schemas.microsoft.com/office/drawing/2014/main" id="{29E006F2-801A-4C74-842A-342CF97A9942}"/>
+              </a:ext>
+            </a:extLst>
+          </p:cNvPr>
           <p:cNvSpPr>
             <a:spLocks noGrp="1"/>
           </p:cNvSpPr>
@@ -1008,15 +1498,21 @@
           <a:p>
             <a:pPr lvl="0"/>
             <a:r>
-              <a:rPr lang="en-US" smtClean="0"/>
-              <a:t>Click to edit Master text styles</a:t>
-            </a:r>
-          </a:p>
-        </p:txBody>
-      </p:sp>
-      <p:sp>
-        <p:nvSpPr>
-          <p:cNvPr id="4" name="Date Placeholder 3"/>
+              <a:rPr lang="ko-KR" altLang="en-US"/>
+              <a:t>마스터 텍스트 스타일 편집</a:t>
+            </a:r>
+          </a:p>
+        </p:txBody>
+      </p:sp>
+      <p:sp>
+        <p:nvSpPr>
+          <p:cNvPr id="4" name="날짜 개체 틀 3">
+            <a:extLst>
+              <a:ext uri="{FF2B5EF4-FFF2-40B4-BE49-F238E27FC236}">
+                <a16:creationId xmlns:a16="http://schemas.microsoft.com/office/drawing/2014/main" id="{44A2C310-39A7-4523-BB0D-1846A33609E3}"/>
+              </a:ext>
+            </a:extLst>
+          </p:cNvPr>
           <p:cNvSpPr>
             <a:spLocks noGrp="1"/>
           </p:cNvSpPr>
@@ -1039,7 +1535,13 @@
       </p:sp>
       <p:sp>
         <p:nvSpPr>
-          <p:cNvPr id="5" name="Footer Placeholder 4"/>
+          <p:cNvPr id="5" name="바닥글 개체 틀 4">
+            <a:extLst>
+              <a:ext uri="{FF2B5EF4-FFF2-40B4-BE49-F238E27FC236}">
+                <a16:creationId xmlns:a16="http://schemas.microsoft.com/office/drawing/2014/main" id="{BECD8960-9236-47D7-8370-0AE44DB5BA57}"/>
+              </a:ext>
+            </a:extLst>
+          </p:cNvPr>
           <p:cNvSpPr>
             <a:spLocks noGrp="1"/>
           </p:cNvSpPr>
@@ -1058,7 +1560,13 @@
       </p:sp>
       <p:sp>
         <p:nvSpPr>
-          <p:cNvPr id="6" name="Slide Number Placeholder 5"/>
+          <p:cNvPr id="6" name="슬라이드 번호 개체 틀 5">
+            <a:extLst>
+              <a:ext uri="{FF2B5EF4-FFF2-40B4-BE49-F238E27FC236}">
+                <a16:creationId xmlns:a16="http://schemas.microsoft.com/office/drawing/2014/main" id="{FEF65AE8-57C0-49F8-A024-2B77BF5C1E70}"/>
+              </a:ext>
+            </a:extLst>
+          </p:cNvPr>
           <p:cNvSpPr>
             <a:spLocks noGrp="1"/>
           </p:cNvSpPr>
@@ -1082,7 +1590,7 @@
     </p:spTree>
     <p:extLst>
       <p:ext uri="{BB962C8B-B14F-4D97-AF65-F5344CB8AC3E}">
-        <p14:creationId xmlns:p14="http://schemas.microsoft.com/office/powerpoint/2010/main" val="177926390"/>
+        <p14:creationId xmlns:p14="http://schemas.microsoft.com/office/powerpoint/2010/main" val="3111202291"/>
       </p:ext>
     </p:extLst>
   </p:cSld>
@@ -1094,7 +1602,7 @@
 
 <file path=ppt/slideLayouts/slideLayout4.xml><?xml version="1.0" encoding="utf-8"?>
 <p:sldLayout xmlns:a="http://schemas.openxmlformats.org/drawingml/2006/main" xmlns:r="http://schemas.openxmlformats.org/officeDocument/2006/relationships" xmlns:p="http://schemas.openxmlformats.org/presentationml/2006/main" type="twoObj" preserve="1">
-  <p:cSld name="Two Content">
+  <p:cSld name="콘텐츠 2개">
     <p:spTree>
       <p:nvGrpSpPr>
         <p:cNvPr id="1" name=""/>
@@ -1111,7 +1619,13 @@
       </p:grpSpPr>
       <p:sp>
         <p:nvSpPr>
-          <p:cNvPr id="2" name="Title 1"/>
+          <p:cNvPr id="2" name="제목 1">
+            <a:extLst>
+              <a:ext uri="{FF2B5EF4-FFF2-40B4-BE49-F238E27FC236}">
+                <a16:creationId xmlns:a16="http://schemas.microsoft.com/office/drawing/2014/main" id="{6FBA77C9-18DE-4486-9A79-73D9DDFBB2B7}"/>
+              </a:ext>
+            </a:extLst>
+          </p:cNvPr>
           <p:cNvSpPr>
             <a:spLocks noGrp="1"/>
           </p:cNvSpPr>
@@ -1125,16 +1639,21 @@
           <a:lstStyle/>
           <a:p>
             <a:r>
-              <a:rPr lang="en-US" smtClean="0"/>
-              <a:t>Click to edit Master title style</a:t>
-            </a:r>
-            <a:endParaRPr lang="en-AU"/>
-          </a:p>
-        </p:txBody>
-      </p:sp>
-      <p:sp>
-        <p:nvSpPr>
-          <p:cNvPr id="3" name="Content Placeholder 2"/>
+              <a:rPr lang="ko-KR" altLang="en-US"/>
+              <a:t>마스터 제목 스타일 편집</a:t>
+            </a:r>
+          </a:p>
+        </p:txBody>
+      </p:sp>
+      <p:sp>
+        <p:nvSpPr>
+          <p:cNvPr id="3" name="내용 개체 틀 2">
+            <a:extLst>
+              <a:ext uri="{FF2B5EF4-FFF2-40B4-BE49-F238E27FC236}">
+                <a16:creationId xmlns:a16="http://schemas.microsoft.com/office/drawing/2014/main" id="{EA29C7CA-8093-415D-969F-8A0604A296DA}"/>
+              </a:ext>
+            </a:extLst>
+          </p:cNvPr>
           <p:cNvSpPr>
             <a:spLocks noGrp="1"/>
           </p:cNvSpPr>
@@ -1154,44 +1673,49 @@
           <a:p>
             <a:pPr lvl="0"/>
             <a:r>
-              <a:rPr lang="en-US" smtClean="0"/>
-              <a:t>Click to edit Master text styles</a:t>
+              <a:rPr lang="ko-KR" altLang="en-US"/>
+              <a:t>마스터 텍스트 스타일 편집</a:t>
             </a:r>
           </a:p>
           <a:p>
             <a:pPr lvl="1"/>
             <a:r>
-              <a:rPr lang="en-US" smtClean="0"/>
-              <a:t>Second level</a:t>
+              <a:rPr lang="ko-KR" altLang="en-US"/>
+              <a:t>둘째 수준</a:t>
             </a:r>
           </a:p>
           <a:p>
             <a:pPr lvl="2"/>
             <a:r>
-              <a:rPr lang="en-US" smtClean="0"/>
-              <a:t>Third level</a:t>
+              <a:rPr lang="ko-KR" altLang="en-US"/>
+              <a:t>셋째 수준</a:t>
             </a:r>
           </a:p>
           <a:p>
             <a:pPr lvl="3"/>
             <a:r>
-              <a:rPr lang="en-US" smtClean="0"/>
-              <a:t>Fourth level</a:t>
+              <a:rPr lang="ko-KR" altLang="en-US"/>
+              <a:t>넷째 수준</a:t>
             </a:r>
           </a:p>
           <a:p>
             <a:pPr lvl="4"/>
             <a:r>
-              <a:rPr lang="en-US" smtClean="0"/>
-              <a:t>Fifth level</a:t>
-            </a:r>
-            <a:endParaRPr lang="en-AU"/>
-          </a:p>
-        </p:txBody>
-      </p:sp>
-      <p:sp>
-        <p:nvSpPr>
-          <p:cNvPr id="4" name="Content Placeholder 3"/>
+              <a:rPr lang="ko-KR" altLang="en-US"/>
+              <a:t>다섯째 수준</a:t>
+            </a:r>
+          </a:p>
+        </p:txBody>
+      </p:sp>
+      <p:sp>
+        <p:nvSpPr>
+          <p:cNvPr id="4" name="내용 개체 틀 3">
+            <a:extLst>
+              <a:ext uri="{FF2B5EF4-FFF2-40B4-BE49-F238E27FC236}">
+                <a16:creationId xmlns:a16="http://schemas.microsoft.com/office/drawing/2014/main" id="{2D028F26-0B8F-4832-A911-4F8BE55D07A0}"/>
+              </a:ext>
+            </a:extLst>
+          </p:cNvPr>
           <p:cNvSpPr>
             <a:spLocks noGrp="1"/>
           </p:cNvSpPr>
@@ -1211,44 +1735,49 @@
           <a:p>
             <a:pPr lvl="0"/>
             <a:r>
-              <a:rPr lang="en-US" smtClean="0"/>
-              <a:t>Click to edit Master text styles</a:t>
+              <a:rPr lang="ko-KR" altLang="en-US"/>
+              <a:t>마스터 텍스트 스타일 편집</a:t>
             </a:r>
           </a:p>
           <a:p>
             <a:pPr lvl="1"/>
             <a:r>
-              <a:rPr lang="en-US" smtClean="0"/>
-              <a:t>Second level</a:t>
+              <a:rPr lang="ko-KR" altLang="en-US"/>
+              <a:t>둘째 수준</a:t>
             </a:r>
           </a:p>
           <a:p>
             <a:pPr lvl="2"/>
             <a:r>
-              <a:rPr lang="en-US" smtClean="0"/>
-              <a:t>Third level</a:t>
+              <a:rPr lang="ko-KR" altLang="en-US"/>
+              <a:t>셋째 수준</a:t>
             </a:r>
           </a:p>
           <a:p>
             <a:pPr lvl="3"/>
             <a:r>
-              <a:rPr lang="en-US" smtClean="0"/>
-              <a:t>Fourth level</a:t>
+              <a:rPr lang="ko-KR" altLang="en-US"/>
+              <a:t>넷째 수준</a:t>
             </a:r>
           </a:p>
           <a:p>
             <a:pPr lvl="4"/>
             <a:r>
-              <a:rPr lang="en-US" smtClean="0"/>
-              <a:t>Fifth level</a:t>
-            </a:r>
-            <a:endParaRPr lang="en-AU"/>
-          </a:p>
-        </p:txBody>
-      </p:sp>
-      <p:sp>
-        <p:nvSpPr>
-          <p:cNvPr id="5" name="Date Placeholder 4"/>
+              <a:rPr lang="ko-KR" altLang="en-US"/>
+              <a:t>다섯째 수준</a:t>
+            </a:r>
+          </a:p>
+        </p:txBody>
+      </p:sp>
+      <p:sp>
+        <p:nvSpPr>
+          <p:cNvPr id="5" name="날짜 개체 틀 4">
+            <a:extLst>
+              <a:ext uri="{FF2B5EF4-FFF2-40B4-BE49-F238E27FC236}">
+                <a16:creationId xmlns:a16="http://schemas.microsoft.com/office/drawing/2014/main" id="{8DA035A3-2BB3-4860-90FD-A2622CFC51D6}"/>
+              </a:ext>
+            </a:extLst>
+          </p:cNvPr>
           <p:cNvSpPr>
             <a:spLocks noGrp="1"/>
           </p:cNvSpPr>
@@ -1271,7 +1800,13 @@
       </p:sp>
       <p:sp>
         <p:nvSpPr>
-          <p:cNvPr id="6" name="Footer Placeholder 5"/>
+          <p:cNvPr id="6" name="바닥글 개체 틀 5">
+            <a:extLst>
+              <a:ext uri="{FF2B5EF4-FFF2-40B4-BE49-F238E27FC236}">
+                <a16:creationId xmlns:a16="http://schemas.microsoft.com/office/drawing/2014/main" id="{496C00ED-C8B5-49F0-9097-4EC91D50CF32}"/>
+              </a:ext>
+            </a:extLst>
+          </p:cNvPr>
           <p:cNvSpPr>
             <a:spLocks noGrp="1"/>
           </p:cNvSpPr>
@@ -1290,7 +1825,13 @@
       </p:sp>
       <p:sp>
         <p:nvSpPr>
-          <p:cNvPr id="7" name="Slide Number Placeholder 6"/>
+          <p:cNvPr id="7" name="슬라이드 번호 개체 틀 6">
+            <a:extLst>
+              <a:ext uri="{FF2B5EF4-FFF2-40B4-BE49-F238E27FC236}">
+                <a16:creationId xmlns:a16="http://schemas.microsoft.com/office/drawing/2014/main" id="{C391E728-5ECD-48E2-9C4B-5C4F15950FDC}"/>
+              </a:ext>
+            </a:extLst>
+          </p:cNvPr>
           <p:cNvSpPr>
             <a:spLocks noGrp="1"/>
           </p:cNvSpPr>
@@ -1314,7 +1855,7 @@
     </p:spTree>
     <p:extLst>
       <p:ext uri="{BB962C8B-B14F-4D97-AF65-F5344CB8AC3E}">
-        <p14:creationId xmlns:p14="http://schemas.microsoft.com/office/powerpoint/2010/main" val="2672748996"/>
+        <p14:creationId xmlns:p14="http://schemas.microsoft.com/office/powerpoint/2010/main" val="2379482261"/>
       </p:ext>
     </p:extLst>
   </p:cSld>
@@ -1326,7 +1867,7 @@
 
 <file path=ppt/slideLayouts/slideLayout5.xml><?xml version="1.0" encoding="utf-8"?>
 <p:sldLayout xmlns:a="http://schemas.openxmlformats.org/drawingml/2006/main" xmlns:r="http://schemas.openxmlformats.org/officeDocument/2006/relationships" xmlns:p="http://schemas.openxmlformats.org/presentationml/2006/main" type="twoTxTwoObj" preserve="1">
-  <p:cSld name="Comparison">
+  <p:cSld name="비교">
     <p:spTree>
       <p:nvGrpSpPr>
         <p:cNvPr id="1" name=""/>
@@ -1343,7 +1884,13 @@
       </p:grpSpPr>
       <p:sp>
         <p:nvSpPr>
-          <p:cNvPr id="2" name="Title 1"/>
+          <p:cNvPr id="2" name="제목 1">
+            <a:extLst>
+              <a:ext uri="{FF2B5EF4-FFF2-40B4-BE49-F238E27FC236}">
+                <a16:creationId xmlns:a16="http://schemas.microsoft.com/office/drawing/2014/main" id="{45558277-BCC6-47D5-8032-D6CA4AFA1256}"/>
+              </a:ext>
+            </a:extLst>
+          </p:cNvPr>
           <p:cNvSpPr>
             <a:spLocks noGrp="1"/>
           </p:cNvSpPr>
@@ -1362,16 +1909,21 @@
           <a:lstStyle/>
           <a:p>
             <a:r>
-              <a:rPr lang="en-US" smtClean="0"/>
-              <a:t>Click to edit Master title style</a:t>
-            </a:r>
-            <a:endParaRPr lang="en-AU"/>
-          </a:p>
-        </p:txBody>
-      </p:sp>
-      <p:sp>
-        <p:nvSpPr>
-          <p:cNvPr id="3" name="Text Placeholder 2"/>
+              <a:rPr lang="ko-KR" altLang="en-US"/>
+              <a:t>마스터 제목 스타일 편집</a:t>
+            </a:r>
+          </a:p>
+        </p:txBody>
+      </p:sp>
+      <p:sp>
+        <p:nvSpPr>
+          <p:cNvPr id="3" name="텍스트 개체 틀 2">
+            <a:extLst>
+              <a:ext uri="{FF2B5EF4-FFF2-40B4-BE49-F238E27FC236}">
+                <a16:creationId xmlns:a16="http://schemas.microsoft.com/office/drawing/2014/main" id="{C6D45185-EB91-41DF-B1BD-8DD8697C92F2}"/>
+              </a:ext>
+            </a:extLst>
+          </p:cNvPr>
           <p:cNvSpPr>
             <a:spLocks noGrp="1"/>
           </p:cNvSpPr>
@@ -1428,15 +1980,21 @@
           <a:p>
             <a:pPr lvl="0"/>
             <a:r>
-              <a:rPr lang="en-US" smtClean="0"/>
-              <a:t>Click to edit Master text styles</a:t>
-            </a:r>
-          </a:p>
-        </p:txBody>
-      </p:sp>
-      <p:sp>
-        <p:nvSpPr>
-          <p:cNvPr id="4" name="Content Placeholder 3"/>
+              <a:rPr lang="ko-KR" altLang="en-US"/>
+              <a:t>마스터 텍스트 스타일 편집</a:t>
+            </a:r>
+          </a:p>
+        </p:txBody>
+      </p:sp>
+      <p:sp>
+        <p:nvSpPr>
+          <p:cNvPr id="4" name="내용 개체 틀 3">
+            <a:extLst>
+              <a:ext uri="{FF2B5EF4-FFF2-40B4-BE49-F238E27FC236}">
+                <a16:creationId xmlns:a16="http://schemas.microsoft.com/office/drawing/2014/main" id="{F4B21F18-E445-45BC-91C7-41281DE9DF9B}"/>
+              </a:ext>
+            </a:extLst>
+          </p:cNvPr>
           <p:cNvSpPr>
             <a:spLocks noGrp="1"/>
           </p:cNvSpPr>
@@ -1456,44 +2014,49 @@
           <a:p>
             <a:pPr lvl="0"/>
             <a:r>
-              <a:rPr lang="en-US" smtClean="0"/>
-              <a:t>Click to edit Master text styles</a:t>
+              <a:rPr lang="ko-KR" altLang="en-US"/>
+              <a:t>마스터 텍스트 스타일 편집</a:t>
             </a:r>
           </a:p>
           <a:p>
             <a:pPr lvl="1"/>
             <a:r>
-              <a:rPr lang="en-US" smtClean="0"/>
-              <a:t>Second level</a:t>
+              <a:rPr lang="ko-KR" altLang="en-US"/>
+              <a:t>둘째 수준</a:t>
             </a:r>
           </a:p>
           <a:p>
             <a:pPr lvl="2"/>
             <a:r>
-              <a:rPr lang="en-US" smtClean="0"/>
-              <a:t>Third level</a:t>
+              <a:rPr lang="ko-KR" altLang="en-US"/>
+              <a:t>셋째 수준</a:t>
             </a:r>
           </a:p>
           <a:p>
             <a:pPr lvl="3"/>
             <a:r>
-              <a:rPr lang="en-US" smtClean="0"/>
-              <a:t>Fourth level</a:t>
+              <a:rPr lang="ko-KR" altLang="en-US"/>
+              <a:t>넷째 수준</a:t>
             </a:r>
           </a:p>
           <a:p>
             <a:pPr lvl="4"/>
             <a:r>
-              <a:rPr lang="en-US" smtClean="0"/>
-              <a:t>Fifth level</a:t>
-            </a:r>
-            <a:endParaRPr lang="en-AU"/>
-          </a:p>
-        </p:txBody>
-      </p:sp>
-      <p:sp>
-        <p:nvSpPr>
-          <p:cNvPr id="5" name="Text Placeholder 4"/>
+              <a:rPr lang="ko-KR" altLang="en-US"/>
+              <a:t>다섯째 수준</a:t>
+            </a:r>
+          </a:p>
+        </p:txBody>
+      </p:sp>
+      <p:sp>
+        <p:nvSpPr>
+          <p:cNvPr id="5" name="텍스트 개체 틀 4">
+            <a:extLst>
+              <a:ext uri="{FF2B5EF4-FFF2-40B4-BE49-F238E27FC236}">
+                <a16:creationId xmlns:a16="http://schemas.microsoft.com/office/drawing/2014/main" id="{DD0A7137-6150-4AA4-9317-8F429A9555B6}"/>
+              </a:ext>
+            </a:extLst>
+          </p:cNvPr>
           <p:cNvSpPr>
             <a:spLocks noGrp="1"/>
           </p:cNvSpPr>
@@ -1550,15 +2113,21 @@
           <a:p>
             <a:pPr lvl="0"/>
             <a:r>
-              <a:rPr lang="en-US" smtClean="0"/>
-              <a:t>Click to edit Master text styles</a:t>
-            </a:r>
-          </a:p>
-        </p:txBody>
-      </p:sp>
-      <p:sp>
-        <p:nvSpPr>
-          <p:cNvPr id="6" name="Content Placeholder 5"/>
+              <a:rPr lang="ko-KR" altLang="en-US"/>
+              <a:t>마스터 텍스트 스타일 편집</a:t>
+            </a:r>
+          </a:p>
+        </p:txBody>
+      </p:sp>
+      <p:sp>
+        <p:nvSpPr>
+          <p:cNvPr id="6" name="내용 개체 틀 5">
+            <a:extLst>
+              <a:ext uri="{FF2B5EF4-FFF2-40B4-BE49-F238E27FC236}">
+                <a16:creationId xmlns:a16="http://schemas.microsoft.com/office/drawing/2014/main" id="{8E0EF170-C848-4AE1-B9A4-DC64BFBAF530}"/>
+              </a:ext>
+            </a:extLst>
+          </p:cNvPr>
           <p:cNvSpPr>
             <a:spLocks noGrp="1"/>
           </p:cNvSpPr>
@@ -1578,44 +2147,49 @@
           <a:p>
             <a:pPr lvl="0"/>
             <a:r>
-              <a:rPr lang="en-US" smtClean="0"/>
-              <a:t>Click to edit Master text styles</a:t>
+              <a:rPr lang="ko-KR" altLang="en-US"/>
+              <a:t>마스터 텍스트 스타일 편집</a:t>
             </a:r>
           </a:p>
           <a:p>
             <a:pPr lvl="1"/>
             <a:r>
-              <a:rPr lang="en-US" smtClean="0"/>
-              <a:t>Second level</a:t>
+              <a:rPr lang="ko-KR" altLang="en-US"/>
+              <a:t>둘째 수준</a:t>
             </a:r>
           </a:p>
           <a:p>
             <a:pPr lvl="2"/>
             <a:r>
-              <a:rPr lang="en-US" smtClean="0"/>
-              <a:t>Third level</a:t>
+              <a:rPr lang="ko-KR" altLang="en-US"/>
+              <a:t>셋째 수준</a:t>
             </a:r>
           </a:p>
           <a:p>
             <a:pPr lvl="3"/>
             <a:r>
-              <a:rPr lang="en-US" smtClean="0"/>
-              <a:t>Fourth level</a:t>
+              <a:rPr lang="ko-KR" altLang="en-US"/>
+              <a:t>넷째 수준</a:t>
             </a:r>
           </a:p>
           <a:p>
             <a:pPr lvl="4"/>
             <a:r>
-              <a:rPr lang="en-US" smtClean="0"/>
-              <a:t>Fifth level</a:t>
-            </a:r>
-            <a:endParaRPr lang="en-AU"/>
-          </a:p>
-        </p:txBody>
-      </p:sp>
-      <p:sp>
-        <p:nvSpPr>
-          <p:cNvPr id="7" name="Date Placeholder 6"/>
+              <a:rPr lang="ko-KR" altLang="en-US"/>
+              <a:t>다섯째 수준</a:t>
+            </a:r>
+          </a:p>
+        </p:txBody>
+      </p:sp>
+      <p:sp>
+        <p:nvSpPr>
+          <p:cNvPr id="7" name="날짜 개체 틀 6">
+            <a:extLst>
+              <a:ext uri="{FF2B5EF4-FFF2-40B4-BE49-F238E27FC236}">
+                <a16:creationId xmlns:a16="http://schemas.microsoft.com/office/drawing/2014/main" id="{64D5C67A-10B0-482A-82DD-AE1438BC80C2}"/>
+              </a:ext>
+            </a:extLst>
+          </p:cNvPr>
           <p:cNvSpPr>
             <a:spLocks noGrp="1"/>
           </p:cNvSpPr>
@@ -1638,7 +2212,13 @@
       </p:sp>
       <p:sp>
         <p:nvSpPr>
-          <p:cNvPr id="8" name="Footer Placeholder 7"/>
+          <p:cNvPr id="8" name="바닥글 개체 틀 7">
+            <a:extLst>
+              <a:ext uri="{FF2B5EF4-FFF2-40B4-BE49-F238E27FC236}">
+                <a16:creationId xmlns:a16="http://schemas.microsoft.com/office/drawing/2014/main" id="{7CC3DEA4-0844-436E-8FC2-34938986709D}"/>
+              </a:ext>
+            </a:extLst>
+          </p:cNvPr>
           <p:cNvSpPr>
             <a:spLocks noGrp="1"/>
           </p:cNvSpPr>
@@ -1657,7 +2237,13 @@
       </p:sp>
       <p:sp>
         <p:nvSpPr>
-          <p:cNvPr id="9" name="Slide Number Placeholder 8"/>
+          <p:cNvPr id="9" name="슬라이드 번호 개체 틀 8">
+            <a:extLst>
+              <a:ext uri="{FF2B5EF4-FFF2-40B4-BE49-F238E27FC236}">
+                <a16:creationId xmlns:a16="http://schemas.microsoft.com/office/drawing/2014/main" id="{99D7DDF1-D06C-42E4-8E39-42C7A9141DEF}"/>
+              </a:ext>
+            </a:extLst>
+          </p:cNvPr>
           <p:cNvSpPr>
             <a:spLocks noGrp="1"/>
           </p:cNvSpPr>
@@ -1681,7 +2267,7 @@
     </p:spTree>
     <p:extLst>
       <p:ext uri="{BB962C8B-B14F-4D97-AF65-F5344CB8AC3E}">
-        <p14:creationId xmlns:p14="http://schemas.microsoft.com/office/powerpoint/2010/main" val="1385468822"/>
+        <p14:creationId xmlns:p14="http://schemas.microsoft.com/office/powerpoint/2010/main" val="460466718"/>
       </p:ext>
     </p:extLst>
   </p:cSld>
@@ -1693,7 +2279,7 @@
 
 <file path=ppt/slideLayouts/slideLayout6.xml><?xml version="1.0" encoding="utf-8"?>
 <p:sldLayout xmlns:a="http://schemas.openxmlformats.org/drawingml/2006/main" xmlns:r="http://schemas.openxmlformats.org/officeDocument/2006/relationships" xmlns:p="http://schemas.openxmlformats.org/presentationml/2006/main" type="titleOnly" preserve="1">
-  <p:cSld name="Title Only">
+  <p:cSld name="제목만">
     <p:spTree>
       <p:nvGrpSpPr>
         <p:cNvPr id="1" name=""/>
@@ -1710,7 +2296,13 @@
       </p:grpSpPr>
       <p:sp>
         <p:nvSpPr>
-          <p:cNvPr id="2" name="Title 1"/>
+          <p:cNvPr id="2" name="제목 1">
+            <a:extLst>
+              <a:ext uri="{FF2B5EF4-FFF2-40B4-BE49-F238E27FC236}">
+                <a16:creationId xmlns:a16="http://schemas.microsoft.com/office/drawing/2014/main" id="{40116A90-0B29-4740-BF8B-435F6B4E8C9B}"/>
+              </a:ext>
+            </a:extLst>
+          </p:cNvPr>
           <p:cNvSpPr>
             <a:spLocks noGrp="1"/>
           </p:cNvSpPr>
@@ -1724,16 +2316,21 @@
           <a:lstStyle/>
           <a:p>
             <a:r>
-              <a:rPr lang="en-US" smtClean="0"/>
-              <a:t>Click to edit Master title style</a:t>
-            </a:r>
-            <a:endParaRPr lang="en-AU"/>
-          </a:p>
-        </p:txBody>
-      </p:sp>
-      <p:sp>
-        <p:nvSpPr>
-          <p:cNvPr id="3" name="Date Placeholder 2"/>
+              <a:rPr lang="ko-KR" altLang="en-US"/>
+              <a:t>마스터 제목 스타일 편집</a:t>
+            </a:r>
+          </a:p>
+        </p:txBody>
+      </p:sp>
+      <p:sp>
+        <p:nvSpPr>
+          <p:cNvPr id="3" name="날짜 개체 틀 2">
+            <a:extLst>
+              <a:ext uri="{FF2B5EF4-FFF2-40B4-BE49-F238E27FC236}">
+                <a16:creationId xmlns:a16="http://schemas.microsoft.com/office/drawing/2014/main" id="{B1F87818-074E-4A1E-BDA2-A1D8710CA050}"/>
+              </a:ext>
+            </a:extLst>
+          </p:cNvPr>
           <p:cNvSpPr>
             <a:spLocks noGrp="1"/>
           </p:cNvSpPr>
@@ -1756,7 +2353,13 @@
       </p:sp>
       <p:sp>
         <p:nvSpPr>
-          <p:cNvPr id="4" name="Footer Placeholder 3"/>
+          <p:cNvPr id="4" name="바닥글 개체 틀 3">
+            <a:extLst>
+              <a:ext uri="{FF2B5EF4-FFF2-40B4-BE49-F238E27FC236}">
+                <a16:creationId xmlns:a16="http://schemas.microsoft.com/office/drawing/2014/main" id="{496BF61A-5F97-40D7-8425-FFA6B3CD0E8E}"/>
+              </a:ext>
+            </a:extLst>
+          </p:cNvPr>
           <p:cNvSpPr>
             <a:spLocks noGrp="1"/>
           </p:cNvSpPr>
@@ -1775,7 +2378,13 @@
       </p:sp>
       <p:sp>
         <p:nvSpPr>
-          <p:cNvPr id="5" name="Slide Number Placeholder 4"/>
+          <p:cNvPr id="5" name="슬라이드 번호 개체 틀 4">
+            <a:extLst>
+              <a:ext uri="{FF2B5EF4-FFF2-40B4-BE49-F238E27FC236}">
+                <a16:creationId xmlns:a16="http://schemas.microsoft.com/office/drawing/2014/main" id="{E4132C96-F1AA-46EF-8F48-2CE1EEBEB31C}"/>
+              </a:ext>
+            </a:extLst>
+          </p:cNvPr>
           <p:cNvSpPr>
             <a:spLocks noGrp="1"/>
           </p:cNvSpPr>
@@ -1799,7 +2408,7 @@
     </p:spTree>
     <p:extLst>
       <p:ext uri="{BB962C8B-B14F-4D97-AF65-F5344CB8AC3E}">
-        <p14:creationId xmlns:p14="http://schemas.microsoft.com/office/powerpoint/2010/main" val="2865645554"/>
+        <p14:creationId xmlns:p14="http://schemas.microsoft.com/office/powerpoint/2010/main" val="2251912576"/>
       </p:ext>
     </p:extLst>
   </p:cSld>
@@ -1811,7 +2420,7 @@
 
 <file path=ppt/slideLayouts/slideLayout7.xml><?xml version="1.0" encoding="utf-8"?>
 <p:sldLayout xmlns:a="http://schemas.openxmlformats.org/drawingml/2006/main" xmlns:r="http://schemas.openxmlformats.org/officeDocument/2006/relationships" xmlns:p="http://schemas.openxmlformats.org/presentationml/2006/main" type="blank" preserve="1">
-  <p:cSld name="Blank">
+  <p:cSld name="빈 화면">
     <p:spTree>
       <p:nvGrpSpPr>
         <p:cNvPr id="1" name=""/>
@@ -1828,7 +2437,13 @@
       </p:grpSpPr>
       <p:sp>
         <p:nvSpPr>
-          <p:cNvPr id="2" name="Date Placeholder 1"/>
+          <p:cNvPr id="2" name="날짜 개체 틀 1">
+            <a:extLst>
+              <a:ext uri="{FF2B5EF4-FFF2-40B4-BE49-F238E27FC236}">
+                <a16:creationId xmlns:a16="http://schemas.microsoft.com/office/drawing/2014/main" id="{A60CEB85-390D-4D7C-BD6F-B3332FB2C861}"/>
+              </a:ext>
+            </a:extLst>
+          </p:cNvPr>
           <p:cNvSpPr>
             <a:spLocks noGrp="1"/>
           </p:cNvSpPr>
@@ -1851,7 +2466,13 @@
       </p:sp>
       <p:sp>
         <p:nvSpPr>
-          <p:cNvPr id="3" name="Footer Placeholder 2"/>
+          <p:cNvPr id="3" name="바닥글 개체 틀 2">
+            <a:extLst>
+              <a:ext uri="{FF2B5EF4-FFF2-40B4-BE49-F238E27FC236}">
+                <a16:creationId xmlns:a16="http://schemas.microsoft.com/office/drawing/2014/main" id="{C77BE8E9-C544-4C45-B3EA-B9BF7517E783}"/>
+              </a:ext>
+            </a:extLst>
+          </p:cNvPr>
           <p:cNvSpPr>
             <a:spLocks noGrp="1"/>
           </p:cNvSpPr>
@@ -1870,7 +2491,13 @@
       </p:sp>
       <p:sp>
         <p:nvSpPr>
-          <p:cNvPr id="4" name="Slide Number Placeholder 3"/>
+          <p:cNvPr id="4" name="슬라이드 번호 개체 틀 3">
+            <a:extLst>
+              <a:ext uri="{FF2B5EF4-FFF2-40B4-BE49-F238E27FC236}">
+                <a16:creationId xmlns:a16="http://schemas.microsoft.com/office/drawing/2014/main" id="{BC52D5A8-D3F6-40D2-AD78-659562A58ADB}"/>
+              </a:ext>
+            </a:extLst>
+          </p:cNvPr>
           <p:cNvSpPr>
             <a:spLocks noGrp="1"/>
           </p:cNvSpPr>
@@ -1894,7 +2521,7 @@
     </p:spTree>
     <p:extLst>
       <p:ext uri="{BB962C8B-B14F-4D97-AF65-F5344CB8AC3E}">
-        <p14:creationId xmlns:p14="http://schemas.microsoft.com/office/powerpoint/2010/main" val="4016286875"/>
+        <p14:creationId xmlns:p14="http://schemas.microsoft.com/office/powerpoint/2010/main" val="2686127292"/>
       </p:ext>
     </p:extLst>
   </p:cSld>
@@ -1906,7 +2533,7 @@
 
 <file path=ppt/slideLayouts/slideLayout8.xml><?xml version="1.0" encoding="utf-8"?>
 <p:sldLayout xmlns:a="http://schemas.openxmlformats.org/drawingml/2006/main" xmlns:r="http://schemas.openxmlformats.org/officeDocument/2006/relationships" xmlns:p="http://schemas.openxmlformats.org/presentationml/2006/main" type="objTx" preserve="1">
-  <p:cSld name="Content with Caption">
+  <p:cSld name="캡션 있는 콘텐츠">
     <p:spTree>
       <p:nvGrpSpPr>
         <p:cNvPr id="1" name=""/>
@@ -1923,7 +2550,13 @@
       </p:grpSpPr>
       <p:sp>
         <p:nvSpPr>
-          <p:cNvPr id="2" name="Title 1"/>
+          <p:cNvPr id="2" name="제목 1">
+            <a:extLst>
+              <a:ext uri="{FF2B5EF4-FFF2-40B4-BE49-F238E27FC236}">
+                <a16:creationId xmlns:a16="http://schemas.microsoft.com/office/drawing/2014/main" id="{53D51DDA-E32B-4FDD-BB9A-5FEEB882531B}"/>
+              </a:ext>
+            </a:extLst>
+          </p:cNvPr>
           <p:cNvSpPr>
             <a:spLocks noGrp="1"/>
           </p:cNvSpPr>
@@ -1946,16 +2579,21 @@
           </a:lstStyle>
           <a:p>
             <a:r>
-              <a:rPr lang="en-US" smtClean="0"/>
-              <a:t>Click to edit Master title style</a:t>
-            </a:r>
-            <a:endParaRPr lang="en-AU"/>
-          </a:p>
-        </p:txBody>
-      </p:sp>
-      <p:sp>
-        <p:nvSpPr>
-          <p:cNvPr id="3" name="Content Placeholder 2"/>
+              <a:rPr lang="ko-KR" altLang="en-US"/>
+              <a:t>마스터 제목 스타일 편집</a:t>
+            </a:r>
+          </a:p>
+        </p:txBody>
+      </p:sp>
+      <p:sp>
+        <p:nvSpPr>
+          <p:cNvPr id="3" name="내용 개체 틀 2">
+            <a:extLst>
+              <a:ext uri="{FF2B5EF4-FFF2-40B4-BE49-F238E27FC236}">
+                <a16:creationId xmlns:a16="http://schemas.microsoft.com/office/drawing/2014/main" id="{A4A8B67F-E423-4BDB-8A4F-A22BBFBD08C9}"/>
+              </a:ext>
+            </a:extLst>
+          </p:cNvPr>
           <p:cNvSpPr>
             <a:spLocks noGrp="1"/>
           </p:cNvSpPr>
@@ -2003,44 +2641,49 @@
           <a:p>
             <a:pPr lvl="0"/>
             <a:r>
-              <a:rPr lang="en-US" smtClean="0"/>
-              <a:t>Click to edit Master text styles</a:t>
+              <a:rPr lang="ko-KR" altLang="en-US"/>
+              <a:t>마스터 텍스트 스타일 편집</a:t>
             </a:r>
           </a:p>
           <a:p>
             <a:pPr lvl="1"/>
             <a:r>
-              <a:rPr lang="en-US" smtClean="0"/>
-              <a:t>Second level</a:t>
+              <a:rPr lang="ko-KR" altLang="en-US"/>
+              <a:t>둘째 수준</a:t>
             </a:r>
           </a:p>
           <a:p>
             <a:pPr lvl="2"/>
             <a:r>
-              <a:rPr lang="en-US" smtClean="0"/>
-              <a:t>Third level</a:t>
+              <a:rPr lang="ko-KR" altLang="en-US"/>
+              <a:t>셋째 수준</a:t>
             </a:r>
           </a:p>
           <a:p>
             <a:pPr lvl="3"/>
             <a:r>
-              <a:rPr lang="en-US" smtClean="0"/>
-              <a:t>Fourth level</a:t>
+              <a:rPr lang="ko-KR" altLang="en-US"/>
+              <a:t>넷째 수준</a:t>
             </a:r>
           </a:p>
           <a:p>
             <a:pPr lvl="4"/>
             <a:r>
-              <a:rPr lang="en-US" smtClean="0"/>
-              <a:t>Fifth level</a:t>
-            </a:r>
-            <a:endParaRPr lang="en-AU"/>
-          </a:p>
-        </p:txBody>
-      </p:sp>
-      <p:sp>
-        <p:nvSpPr>
-          <p:cNvPr id="4" name="Text Placeholder 3"/>
+              <a:rPr lang="ko-KR" altLang="en-US"/>
+              <a:t>다섯째 수준</a:t>
+            </a:r>
+          </a:p>
+        </p:txBody>
+      </p:sp>
+      <p:sp>
+        <p:nvSpPr>
+          <p:cNvPr id="4" name="텍스트 개체 틀 3">
+            <a:extLst>
+              <a:ext uri="{FF2B5EF4-FFF2-40B4-BE49-F238E27FC236}">
+                <a16:creationId xmlns:a16="http://schemas.microsoft.com/office/drawing/2014/main" id="{AF4CBD18-6826-4C9D-8AFD-1E15BD61F583}"/>
+              </a:ext>
+            </a:extLst>
+          </p:cNvPr>
           <p:cNvSpPr>
             <a:spLocks noGrp="1"/>
           </p:cNvSpPr>
@@ -2097,15 +2740,21 @@
           <a:p>
             <a:pPr lvl="0"/>
             <a:r>
-              <a:rPr lang="en-US" smtClean="0"/>
-              <a:t>Click to edit Master text styles</a:t>
-            </a:r>
-          </a:p>
-        </p:txBody>
-      </p:sp>
-      <p:sp>
-        <p:nvSpPr>
-          <p:cNvPr id="5" name="Date Placeholder 4"/>
+              <a:rPr lang="ko-KR" altLang="en-US"/>
+              <a:t>마스터 텍스트 스타일 편집</a:t>
+            </a:r>
+          </a:p>
+        </p:txBody>
+      </p:sp>
+      <p:sp>
+        <p:nvSpPr>
+          <p:cNvPr id="5" name="날짜 개체 틀 4">
+            <a:extLst>
+              <a:ext uri="{FF2B5EF4-FFF2-40B4-BE49-F238E27FC236}">
+                <a16:creationId xmlns:a16="http://schemas.microsoft.com/office/drawing/2014/main" id="{CA20AEE9-18C2-474F-A288-61831E8C8E3C}"/>
+              </a:ext>
+            </a:extLst>
+          </p:cNvPr>
           <p:cNvSpPr>
             <a:spLocks noGrp="1"/>
           </p:cNvSpPr>
@@ -2128,7 +2777,13 @@
       </p:sp>
       <p:sp>
         <p:nvSpPr>
-          <p:cNvPr id="6" name="Footer Placeholder 5"/>
+          <p:cNvPr id="6" name="바닥글 개체 틀 5">
+            <a:extLst>
+              <a:ext uri="{FF2B5EF4-FFF2-40B4-BE49-F238E27FC236}">
+                <a16:creationId xmlns:a16="http://schemas.microsoft.com/office/drawing/2014/main" id="{78F7490B-1751-43D5-9480-ADC77F20A877}"/>
+              </a:ext>
+            </a:extLst>
+          </p:cNvPr>
           <p:cNvSpPr>
             <a:spLocks noGrp="1"/>
           </p:cNvSpPr>
@@ -2147,7 +2802,13 @@
       </p:sp>
       <p:sp>
         <p:nvSpPr>
-          <p:cNvPr id="7" name="Slide Number Placeholder 6"/>
+          <p:cNvPr id="7" name="슬라이드 번호 개체 틀 6">
+            <a:extLst>
+              <a:ext uri="{FF2B5EF4-FFF2-40B4-BE49-F238E27FC236}">
+                <a16:creationId xmlns:a16="http://schemas.microsoft.com/office/drawing/2014/main" id="{6A13DC74-AF78-4367-BD56-29F2257B796B}"/>
+              </a:ext>
+            </a:extLst>
+          </p:cNvPr>
           <p:cNvSpPr>
             <a:spLocks noGrp="1"/>
           </p:cNvSpPr>
@@ -2171,7 +2832,7 @@
     </p:spTree>
     <p:extLst>
       <p:ext uri="{BB962C8B-B14F-4D97-AF65-F5344CB8AC3E}">
-        <p14:creationId xmlns:p14="http://schemas.microsoft.com/office/powerpoint/2010/main" val="3831476270"/>
+        <p14:creationId xmlns:p14="http://schemas.microsoft.com/office/powerpoint/2010/main" val="2811876631"/>
       </p:ext>
     </p:extLst>
   </p:cSld>
@@ -2183,7 +2844,7 @@
 
 <file path=ppt/slideLayouts/slideLayout9.xml><?xml version="1.0" encoding="utf-8"?>
 <p:sldLayout xmlns:a="http://schemas.openxmlformats.org/drawingml/2006/main" xmlns:r="http://schemas.openxmlformats.org/officeDocument/2006/relationships" xmlns:p="http://schemas.openxmlformats.org/presentationml/2006/main" type="picTx" preserve="1">
-  <p:cSld name="Picture with Caption">
+  <p:cSld name="캡션 있는 그림">
     <p:spTree>
       <p:nvGrpSpPr>
         <p:cNvPr id="1" name=""/>
@@ -2200,7 +2861,13 @@
       </p:grpSpPr>
       <p:sp>
         <p:nvSpPr>
-          <p:cNvPr id="2" name="Title 1"/>
+          <p:cNvPr id="2" name="제목 1">
+            <a:extLst>
+              <a:ext uri="{FF2B5EF4-FFF2-40B4-BE49-F238E27FC236}">
+                <a16:creationId xmlns:a16="http://schemas.microsoft.com/office/drawing/2014/main" id="{7D5B1358-1681-4195-A30E-C613DEF0285C}"/>
+              </a:ext>
+            </a:extLst>
+          </p:cNvPr>
           <p:cNvSpPr>
             <a:spLocks noGrp="1"/>
           </p:cNvSpPr>
@@ -2223,16 +2890,21 @@
           </a:lstStyle>
           <a:p>
             <a:r>
-              <a:rPr lang="en-US" smtClean="0"/>
-              <a:t>Click to edit Master title style</a:t>
-            </a:r>
-            <a:endParaRPr lang="en-AU"/>
-          </a:p>
-        </p:txBody>
-      </p:sp>
-      <p:sp>
-        <p:nvSpPr>
-          <p:cNvPr id="3" name="Picture Placeholder 2"/>
+              <a:rPr lang="ko-KR" altLang="en-US"/>
+              <a:t>마스터 제목 스타일 편집</a:t>
+            </a:r>
+          </a:p>
+        </p:txBody>
+      </p:sp>
+      <p:sp>
+        <p:nvSpPr>
+          <p:cNvPr id="3" name="그림 개체 틀 2">
+            <a:extLst>
+              <a:ext uri="{FF2B5EF4-FFF2-40B4-BE49-F238E27FC236}">
+                <a16:creationId xmlns:a16="http://schemas.microsoft.com/office/drawing/2014/main" id="{EB9DAFB1-A836-4F90-A1BB-BB38E942843C}"/>
+              </a:ext>
+            </a:extLst>
+          </p:cNvPr>
           <p:cNvSpPr>
             <a:spLocks noGrp="1"/>
           </p:cNvSpPr>
@@ -2287,13 +2959,19 @@
             </a:lvl9pPr>
           </a:lstStyle>
           <a:p>
-            <a:endParaRPr lang="en-AU"/>
-          </a:p>
-        </p:txBody>
-      </p:sp>
-      <p:sp>
-        <p:nvSpPr>
-          <p:cNvPr id="4" name="Text Placeholder 3"/>
+            <a:endParaRPr lang="ko-KR" altLang="en-US"/>
+          </a:p>
+        </p:txBody>
+      </p:sp>
+      <p:sp>
+        <p:nvSpPr>
+          <p:cNvPr id="4" name="텍스트 개체 틀 3">
+            <a:extLst>
+              <a:ext uri="{FF2B5EF4-FFF2-40B4-BE49-F238E27FC236}">
+                <a16:creationId xmlns:a16="http://schemas.microsoft.com/office/drawing/2014/main" id="{071DE5D5-5BFB-4C6B-A4C0-48EECDBE0690}"/>
+              </a:ext>
+            </a:extLst>
+          </p:cNvPr>
           <p:cNvSpPr>
             <a:spLocks noGrp="1"/>
           </p:cNvSpPr>
@@ -2350,15 +3028,21 @@
           <a:p>
             <a:pPr lvl="0"/>
             <a:r>
-              <a:rPr lang="en-US" smtClean="0"/>
-              <a:t>Click to edit Master text styles</a:t>
-            </a:r>
-          </a:p>
-        </p:txBody>
-      </p:sp>
-      <p:sp>
-        <p:nvSpPr>
-          <p:cNvPr id="5" name="Date Placeholder 4"/>
+              <a:rPr lang="ko-KR" altLang="en-US"/>
+              <a:t>마스터 텍스트 스타일 편집</a:t>
+            </a:r>
+          </a:p>
+        </p:txBody>
+      </p:sp>
+      <p:sp>
+        <p:nvSpPr>
+          <p:cNvPr id="5" name="날짜 개체 틀 4">
+            <a:extLst>
+              <a:ext uri="{FF2B5EF4-FFF2-40B4-BE49-F238E27FC236}">
+                <a16:creationId xmlns:a16="http://schemas.microsoft.com/office/drawing/2014/main" id="{7EC06D2B-7473-4129-958A-7DC067775B27}"/>
+              </a:ext>
+            </a:extLst>
+          </p:cNvPr>
           <p:cNvSpPr>
             <a:spLocks noGrp="1"/>
           </p:cNvSpPr>
@@ -2381,7 +3065,13 @@
       </p:sp>
       <p:sp>
         <p:nvSpPr>
-          <p:cNvPr id="6" name="Footer Placeholder 5"/>
+          <p:cNvPr id="6" name="바닥글 개체 틀 5">
+            <a:extLst>
+              <a:ext uri="{FF2B5EF4-FFF2-40B4-BE49-F238E27FC236}">
+                <a16:creationId xmlns:a16="http://schemas.microsoft.com/office/drawing/2014/main" id="{A5DFB9E2-297E-40CD-B097-6B7FB0002922}"/>
+              </a:ext>
+            </a:extLst>
+          </p:cNvPr>
           <p:cNvSpPr>
             <a:spLocks noGrp="1"/>
           </p:cNvSpPr>
@@ -2400,7 +3090,13 @@
       </p:sp>
       <p:sp>
         <p:nvSpPr>
-          <p:cNvPr id="7" name="Slide Number Placeholder 6"/>
+          <p:cNvPr id="7" name="슬라이드 번호 개체 틀 6">
+            <a:extLst>
+              <a:ext uri="{FF2B5EF4-FFF2-40B4-BE49-F238E27FC236}">
+                <a16:creationId xmlns:a16="http://schemas.microsoft.com/office/drawing/2014/main" id="{3DDB0D56-A0D6-4600-8089-3F9638E70D70}"/>
+              </a:ext>
+            </a:extLst>
+          </p:cNvPr>
           <p:cNvSpPr>
             <a:spLocks noGrp="1"/>
           </p:cNvSpPr>
@@ -2424,7 +3120,7 @@
     </p:spTree>
     <p:extLst>
       <p:ext uri="{BB962C8B-B14F-4D97-AF65-F5344CB8AC3E}">
-        <p14:creationId xmlns:p14="http://schemas.microsoft.com/office/powerpoint/2010/main" val="2404429004"/>
+        <p14:creationId xmlns:p14="http://schemas.microsoft.com/office/powerpoint/2010/main" val="2995722577"/>
       </p:ext>
     </p:extLst>
   </p:cSld>
@@ -2458,7 +3154,13 @@
       </p:grpSpPr>
       <p:sp>
         <p:nvSpPr>
-          <p:cNvPr id="2" name="Title Placeholder 1"/>
+          <p:cNvPr id="2" name="제목 개체 틀 1">
+            <a:extLst>
+              <a:ext uri="{FF2B5EF4-FFF2-40B4-BE49-F238E27FC236}">
+                <a16:creationId xmlns:a16="http://schemas.microsoft.com/office/drawing/2014/main" id="{0067CB19-90E7-4E84-93C6-999DDE28969E}"/>
+              </a:ext>
+            </a:extLst>
+          </p:cNvPr>
           <p:cNvSpPr>
             <a:spLocks noGrp="1"/>
           </p:cNvSpPr>
@@ -2482,16 +3184,21 @@
           <a:lstStyle/>
           <a:p>
             <a:r>
-              <a:rPr lang="en-US" smtClean="0"/>
-              <a:t>Click to edit Master title style</a:t>
-            </a:r>
-            <a:endParaRPr lang="en-AU"/>
-          </a:p>
-        </p:txBody>
-      </p:sp>
-      <p:sp>
-        <p:nvSpPr>
-          <p:cNvPr id="3" name="Text Placeholder 2"/>
+              <a:rPr lang="ko-KR" altLang="en-US"/>
+              <a:t>마스터 제목 스타일 편집</a:t>
+            </a:r>
+          </a:p>
+        </p:txBody>
+      </p:sp>
+      <p:sp>
+        <p:nvSpPr>
+          <p:cNvPr id="3" name="텍스트 개체 틀 2">
+            <a:extLst>
+              <a:ext uri="{FF2B5EF4-FFF2-40B4-BE49-F238E27FC236}">
+                <a16:creationId xmlns:a16="http://schemas.microsoft.com/office/drawing/2014/main" id="{AD26A0EF-D2E7-4CB1-9343-CFCAB3522DF0}"/>
+              </a:ext>
+            </a:extLst>
+          </p:cNvPr>
           <p:cNvSpPr>
             <a:spLocks noGrp="1"/>
           </p:cNvSpPr>
@@ -2516,44 +3223,49 @@
           <a:p>
             <a:pPr lvl="0"/>
             <a:r>
-              <a:rPr lang="en-US" smtClean="0"/>
-              <a:t>Click to edit Master text styles</a:t>
+              <a:rPr lang="ko-KR" altLang="en-US"/>
+              <a:t>마스터 텍스트 스타일 편집</a:t>
             </a:r>
           </a:p>
           <a:p>
             <a:pPr lvl="1"/>
             <a:r>
-              <a:rPr lang="en-US" smtClean="0"/>
-              <a:t>Second level</a:t>
+              <a:rPr lang="ko-KR" altLang="en-US"/>
+              <a:t>둘째 수준</a:t>
             </a:r>
           </a:p>
           <a:p>
             <a:pPr lvl="2"/>
             <a:r>
-              <a:rPr lang="en-US" smtClean="0"/>
-              <a:t>Third level</a:t>
+              <a:rPr lang="ko-KR" altLang="en-US"/>
+              <a:t>셋째 수준</a:t>
             </a:r>
           </a:p>
           <a:p>
             <a:pPr lvl="3"/>
             <a:r>
-              <a:rPr lang="en-US" smtClean="0"/>
-              <a:t>Fourth level</a:t>
+              <a:rPr lang="ko-KR" altLang="en-US"/>
+              <a:t>넷째 수준</a:t>
             </a:r>
           </a:p>
           <a:p>
             <a:pPr lvl="4"/>
             <a:r>
-              <a:rPr lang="en-US" smtClean="0"/>
-              <a:t>Fifth level</a:t>
-            </a:r>
-            <a:endParaRPr lang="en-AU"/>
-          </a:p>
-        </p:txBody>
-      </p:sp>
-      <p:sp>
-        <p:nvSpPr>
-          <p:cNvPr id="4" name="Date Placeholder 3"/>
+              <a:rPr lang="ko-KR" altLang="en-US"/>
+              <a:t>다섯째 수준</a:t>
+            </a:r>
+          </a:p>
+        </p:txBody>
+      </p:sp>
+      <p:sp>
+        <p:nvSpPr>
+          <p:cNvPr id="4" name="날짜 개체 틀 3">
+            <a:extLst>
+              <a:ext uri="{FF2B5EF4-FFF2-40B4-BE49-F238E27FC236}">
+                <a16:creationId xmlns:a16="http://schemas.microsoft.com/office/drawing/2014/main" id="{B2149EF0-3ECE-4560-8E43-1F7DAAD4C6E9}"/>
+              </a:ext>
+            </a:extLst>
+          </p:cNvPr>
           <p:cNvSpPr>
             <a:spLocks noGrp="1"/>
           </p:cNvSpPr>
@@ -2594,7 +3306,13 @@
       </p:sp>
       <p:sp>
         <p:nvSpPr>
-          <p:cNvPr id="5" name="Footer Placeholder 4"/>
+          <p:cNvPr id="5" name="바닥글 개체 틀 4">
+            <a:extLst>
+              <a:ext uri="{FF2B5EF4-FFF2-40B4-BE49-F238E27FC236}">
+                <a16:creationId xmlns:a16="http://schemas.microsoft.com/office/drawing/2014/main" id="{F010BDD1-7448-4E1E-8765-C72D4C348097}"/>
+              </a:ext>
+            </a:extLst>
+          </p:cNvPr>
           <p:cNvSpPr>
             <a:spLocks noGrp="1"/>
           </p:cNvSpPr>
@@ -2631,7 +3349,13 @@
       </p:sp>
       <p:sp>
         <p:nvSpPr>
-          <p:cNvPr id="6" name="Slide Number Placeholder 5"/>
+          <p:cNvPr id="6" name="슬라이드 번호 개체 틀 5">
+            <a:extLst>
+              <a:ext uri="{FF2B5EF4-FFF2-40B4-BE49-F238E27FC236}">
+                <a16:creationId xmlns:a16="http://schemas.microsoft.com/office/drawing/2014/main" id="{2222A5D8-64B8-4E78-933F-FBAFD08C624E}"/>
+              </a:ext>
+            </a:extLst>
+          </p:cNvPr>
           <p:cNvSpPr>
             <a:spLocks noGrp="1"/>
           </p:cNvSpPr>
@@ -2673,27 +3397,27 @@
     </p:spTree>
     <p:extLst>
       <p:ext uri="{BB962C8B-B14F-4D97-AF65-F5344CB8AC3E}">
-        <p14:creationId xmlns:p14="http://schemas.microsoft.com/office/powerpoint/2010/main" val="2385829118"/>
+        <p14:creationId xmlns:p14="http://schemas.microsoft.com/office/powerpoint/2010/main" val="1023162249"/>
       </p:ext>
     </p:extLst>
   </p:cSld>
   <p:clrMap bg1="lt1" tx1="dk1" bg2="lt2" tx2="dk2" accent1="accent1" accent2="accent2" accent3="accent3" accent4="accent4" accent5="accent5" accent6="accent6" hlink="hlink" folHlink="folHlink"/>
   <p:sldLayoutIdLst>
-    <p:sldLayoutId id="2147483649" r:id="rId1"/>
-    <p:sldLayoutId id="2147483650" r:id="rId2"/>
-    <p:sldLayoutId id="2147483651" r:id="rId3"/>
-    <p:sldLayoutId id="2147483652" r:id="rId4"/>
-    <p:sldLayoutId id="2147483653" r:id="rId5"/>
-    <p:sldLayoutId id="2147483654" r:id="rId6"/>
-    <p:sldLayoutId id="2147483655" r:id="rId7"/>
-    <p:sldLayoutId id="2147483656" r:id="rId8"/>
-    <p:sldLayoutId id="2147483657" r:id="rId9"/>
-    <p:sldLayoutId id="2147483658" r:id="rId10"/>
-    <p:sldLayoutId id="2147483659" r:id="rId11"/>
+    <p:sldLayoutId id="2147483661" r:id="rId1"/>
+    <p:sldLayoutId id="2147483662" r:id="rId2"/>
+    <p:sldLayoutId id="2147483663" r:id="rId3"/>
+    <p:sldLayoutId id="2147483664" r:id="rId4"/>
+    <p:sldLayoutId id="2147483665" r:id="rId5"/>
+    <p:sldLayoutId id="2147483666" r:id="rId6"/>
+    <p:sldLayoutId id="2147483667" r:id="rId7"/>
+    <p:sldLayoutId id="2147483668" r:id="rId8"/>
+    <p:sldLayoutId id="2147483669" r:id="rId9"/>
+    <p:sldLayoutId id="2147483670" r:id="rId10"/>
+    <p:sldLayoutId id="2147483671" r:id="rId11"/>
   </p:sldLayoutIdLst>
   <p:txStyles>
     <p:titleStyle>
-      <a:lvl1pPr algn="l" defTabSz="914400" rtl="0" eaLnBrk="1" latinLnBrk="0" hangingPunct="1">
+      <a:lvl1pPr algn="l" defTabSz="914400" rtl="0" eaLnBrk="1" latinLnBrk="1" hangingPunct="1">
         <a:lnSpc>
           <a:spcPct val="90000"/>
         </a:lnSpc>
@@ -2712,7 +3436,7 @@
       </a:lvl1pPr>
     </p:titleStyle>
     <p:bodyStyle>
-      <a:lvl1pPr marL="228600" indent="-228600" algn="l" defTabSz="914400" rtl="0" eaLnBrk="1" latinLnBrk="0" hangingPunct="1">
+      <a:lvl1pPr marL="228600" indent="-228600" algn="l" defTabSz="914400" rtl="0" eaLnBrk="1" latinLnBrk="1" hangingPunct="1">
         <a:lnSpc>
           <a:spcPct val="90000"/>
         </a:lnSpc>
@@ -2730,7 +3454,7 @@
           <a:cs typeface="+mn-cs"/>
         </a:defRPr>
       </a:lvl1pPr>
-      <a:lvl2pPr marL="685800" indent="-228600" algn="l" defTabSz="914400" rtl="0" eaLnBrk="1" latinLnBrk="0" hangingPunct="1">
+      <a:lvl2pPr marL="685800" indent="-228600" algn="l" defTabSz="914400" rtl="0" eaLnBrk="1" latinLnBrk="1" hangingPunct="1">
         <a:lnSpc>
           <a:spcPct val="90000"/>
         </a:lnSpc>
@@ -2748,7 +3472,7 @@
           <a:cs typeface="+mn-cs"/>
         </a:defRPr>
       </a:lvl2pPr>
-      <a:lvl3pPr marL="1143000" indent="-228600" algn="l" defTabSz="914400" rtl="0" eaLnBrk="1" latinLnBrk="0" hangingPunct="1">
+      <a:lvl3pPr marL="1143000" indent="-228600" algn="l" defTabSz="914400" rtl="0" eaLnBrk="1" latinLnBrk="1" hangingPunct="1">
         <a:lnSpc>
           <a:spcPct val="90000"/>
         </a:lnSpc>
@@ -2766,7 +3490,7 @@
           <a:cs typeface="+mn-cs"/>
         </a:defRPr>
       </a:lvl3pPr>
-      <a:lvl4pPr marL="1600200" indent="-228600" algn="l" defTabSz="914400" rtl="0" eaLnBrk="1" latinLnBrk="0" hangingPunct="1">
+      <a:lvl4pPr marL="1600200" indent="-228600" algn="l" defTabSz="914400" rtl="0" eaLnBrk="1" latinLnBrk="1" hangingPunct="1">
         <a:lnSpc>
           <a:spcPct val="90000"/>
         </a:lnSpc>
@@ -2784,7 +3508,7 @@
           <a:cs typeface="+mn-cs"/>
         </a:defRPr>
       </a:lvl4pPr>
-      <a:lvl5pPr marL="2057400" indent="-228600" algn="l" defTabSz="914400" rtl="0" eaLnBrk="1" latinLnBrk="0" hangingPunct="1">
+      <a:lvl5pPr marL="2057400" indent="-228600" algn="l" defTabSz="914400" rtl="0" eaLnBrk="1" latinLnBrk="1" hangingPunct="1">
         <a:lnSpc>
           <a:spcPct val="90000"/>
         </a:lnSpc>
@@ -2802,7 +3526,7 @@
           <a:cs typeface="+mn-cs"/>
         </a:defRPr>
       </a:lvl5pPr>
-      <a:lvl6pPr marL="2514600" indent="-228600" algn="l" defTabSz="914400" rtl="0" eaLnBrk="1" latinLnBrk="0" hangingPunct="1">
+      <a:lvl6pPr marL="2514600" indent="-228600" algn="l" defTabSz="914400" rtl="0" eaLnBrk="1" latinLnBrk="1" hangingPunct="1">
         <a:lnSpc>
           <a:spcPct val="90000"/>
         </a:lnSpc>
@@ -2820,7 +3544,7 @@
           <a:cs typeface="+mn-cs"/>
         </a:defRPr>
       </a:lvl6pPr>
-      <a:lvl7pPr marL="2971800" indent="-228600" algn="l" defTabSz="914400" rtl="0" eaLnBrk="1" latinLnBrk="0" hangingPunct="1">
+      <a:lvl7pPr marL="2971800" indent="-228600" algn="l" defTabSz="914400" rtl="0" eaLnBrk="1" latinLnBrk="1" hangingPunct="1">
         <a:lnSpc>
           <a:spcPct val="90000"/>
         </a:lnSpc>
@@ -2838,7 +3562,7 @@
           <a:cs typeface="+mn-cs"/>
         </a:defRPr>
       </a:lvl7pPr>
-      <a:lvl8pPr marL="3429000" indent="-228600" algn="l" defTabSz="914400" rtl="0" eaLnBrk="1" latinLnBrk="0" hangingPunct="1">
+      <a:lvl8pPr marL="3429000" indent="-228600" algn="l" defTabSz="914400" rtl="0" eaLnBrk="1" latinLnBrk="1" hangingPunct="1">
         <a:lnSpc>
           <a:spcPct val="90000"/>
         </a:lnSpc>
@@ -2856,7 +3580,7 @@
           <a:cs typeface="+mn-cs"/>
         </a:defRPr>
       </a:lvl8pPr>
-      <a:lvl9pPr marL="3886200" indent="-228600" algn="l" defTabSz="914400" rtl="0" eaLnBrk="1" latinLnBrk="0" hangingPunct="1">
+      <a:lvl9pPr marL="3886200" indent="-228600" algn="l" defTabSz="914400" rtl="0" eaLnBrk="1" latinLnBrk="1" hangingPunct="1">
         <a:lnSpc>
           <a:spcPct val="90000"/>
         </a:lnSpc>
@@ -2877,9 +3601,9 @@
     </p:bodyStyle>
     <p:otherStyle>
       <a:defPPr>
-        <a:defRPr lang="en-US"/>
+        <a:defRPr lang="ko-KR"/>
       </a:defPPr>
-      <a:lvl1pPr marL="0" algn="l" defTabSz="914400" rtl="0" eaLnBrk="1" latinLnBrk="0" hangingPunct="1">
+      <a:lvl1pPr marL="0" algn="l" defTabSz="914400" rtl="0" eaLnBrk="1" latinLnBrk="1" hangingPunct="1">
         <a:defRPr sz="1800" kern="1200">
           <a:solidFill>
             <a:schemeClr val="tx1"/>
@@ -2889,7 +3613,7 @@
           <a:cs typeface="+mn-cs"/>
         </a:defRPr>
       </a:lvl1pPr>
-      <a:lvl2pPr marL="457200" algn="l" defTabSz="914400" rtl="0" eaLnBrk="1" latinLnBrk="0" hangingPunct="1">
+      <a:lvl2pPr marL="457200" algn="l" defTabSz="914400" rtl="0" eaLnBrk="1" latinLnBrk="1" hangingPunct="1">
         <a:defRPr sz="1800" kern="1200">
           <a:solidFill>
             <a:schemeClr val="tx1"/>
@@ -2899,7 +3623,7 @@
           <a:cs typeface="+mn-cs"/>
         </a:defRPr>
       </a:lvl2pPr>
-      <a:lvl3pPr marL="914400" algn="l" defTabSz="914400" rtl="0" eaLnBrk="1" latinLnBrk="0" hangingPunct="1">
+      <a:lvl3pPr marL="914400" algn="l" defTabSz="914400" rtl="0" eaLnBrk="1" latinLnBrk="1" hangingPunct="1">
         <a:defRPr sz="1800" kern="1200">
           <a:solidFill>
             <a:schemeClr val="tx1"/>
@@ -2909,7 +3633,7 @@
           <a:cs typeface="+mn-cs"/>
         </a:defRPr>
       </a:lvl3pPr>
-      <a:lvl4pPr marL="1371600" algn="l" defTabSz="914400" rtl="0" eaLnBrk="1" latinLnBrk="0" hangingPunct="1">
+      <a:lvl4pPr marL="1371600" algn="l" defTabSz="914400" rtl="0" eaLnBrk="1" latinLnBrk="1" hangingPunct="1">
         <a:defRPr sz="1800" kern="1200">
           <a:solidFill>
             <a:schemeClr val="tx1"/>
@@ -2919,7 +3643,7 @@
           <a:cs typeface="+mn-cs"/>
         </a:defRPr>
       </a:lvl4pPr>
-      <a:lvl5pPr marL="1828800" algn="l" defTabSz="914400" rtl="0" eaLnBrk="1" latinLnBrk="0" hangingPunct="1">
+      <a:lvl5pPr marL="1828800" algn="l" defTabSz="914400" rtl="0" eaLnBrk="1" latinLnBrk="1" hangingPunct="1">
         <a:defRPr sz="1800" kern="1200">
           <a:solidFill>
             <a:schemeClr val="tx1"/>
@@ -2929,7 +3653,7 @@
           <a:cs typeface="+mn-cs"/>
         </a:defRPr>
       </a:lvl5pPr>
-      <a:lvl6pPr marL="2286000" algn="l" defTabSz="914400" rtl="0" eaLnBrk="1" latinLnBrk="0" hangingPunct="1">
+      <a:lvl6pPr marL="2286000" algn="l" defTabSz="914400" rtl="0" eaLnBrk="1" latinLnBrk="1" hangingPunct="1">
         <a:defRPr sz="1800" kern="1200">
           <a:solidFill>
             <a:schemeClr val="tx1"/>
@@ -2939,7 +3663,7 @@
           <a:cs typeface="+mn-cs"/>
         </a:defRPr>
       </a:lvl6pPr>
-      <a:lvl7pPr marL="2743200" algn="l" defTabSz="914400" rtl="0" eaLnBrk="1" latinLnBrk="0" hangingPunct="1">
+      <a:lvl7pPr marL="2743200" algn="l" defTabSz="914400" rtl="0" eaLnBrk="1" latinLnBrk="1" hangingPunct="1">
         <a:defRPr sz="1800" kern="1200">
           <a:solidFill>
             <a:schemeClr val="tx1"/>
@@ -2949,7 +3673,7 @@
           <a:cs typeface="+mn-cs"/>
         </a:defRPr>
       </a:lvl7pPr>
-      <a:lvl8pPr marL="3200400" algn="l" defTabSz="914400" rtl="0" eaLnBrk="1" latinLnBrk="0" hangingPunct="1">
+      <a:lvl8pPr marL="3200400" algn="l" defTabSz="914400" rtl="0" eaLnBrk="1" latinLnBrk="1" hangingPunct="1">
         <a:defRPr sz="1800" kern="1200">
           <a:solidFill>
             <a:schemeClr val="tx1"/>
@@ -2959,7 +3683,7 @@
           <a:cs typeface="+mn-cs"/>
         </a:defRPr>
       </a:lvl8pPr>
-      <a:lvl9pPr marL="3657600" algn="l" defTabSz="914400" rtl="0" eaLnBrk="1" latinLnBrk="0" hangingPunct="1">
+      <a:lvl9pPr marL="3657600" algn="l" defTabSz="914400" rtl="0" eaLnBrk="1" latinLnBrk="1" hangingPunct="1">
         <a:defRPr sz="1800" kern="1200">
           <a:solidFill>
             <a:schemeClr val="tx1"/>
@@ -3007,7 +3731,7 @@
           <a:lstStyle/>
           <a:p>
             <a:r>
-              <a:rPr lang="en-US" dirty="0" smtClean="0"/>
+              <a:rPr lang="en-US" dirty="0"/>
               <a:t>Capstone Management</a:t>
             </a:r>
             <a:endParaRPr lang="en-AU" dirty="0"/>
@@ -3037,6 +3761,2635 @@
     <p:extLst>
       <p:ext uri="{BB962C8B-B14F-4D97-AF65-F5344CB8AC3E}">
         <p14:creationId xmlns:p14="http://schemas.microsoft.com/office/powerpoint/2010/main" val="725277105"/>
+      </p:ext>
+    </p:extLst>
+  </p:cSld>
+  <p:clrMapOvr>
+    <a:masterClrMapping/>
+  </p:clrMapOvr>
+</p:sld>
+</file>
+
+<file path=ppt/slides/slide10.xml><?xml version="1.0" encoding="utf-8"?>
+<p:sld xmlns:a="http://schemas.openxmlformats.org/drawingml/2006/main" xmlns:r="http://schemas.openxmlformats.org/officeDocument/2006/relationships" xmlns:p="http://schemas.openxmlformats.org/presentationml/2006/main">
+  <p:cSld>
+    <p:bg>
+      <p:bgPr>
+        <a:solidFill>
+          <a:schemeClr val="bg1"/>
+        </a:solidFill>
+        <a:effectLst/>
+      </p:bgPr>
+    </p:bg>
+    <p:spTree>
+      <p:nvGrpSpPr>
+        <p:cNvPr id="1" name=""/>
+        <p:cNvGrpSpPr/>
+        <p:nvPr/>
+      </p:nvGrpSpPr>
+      <p:grpSpPr>
+        <a:xfrm>
+          <a:off x="0" y="0"/>
+          <a:ext cx="0" cy="0"/>
+          <a:chOff x="0" y="0"/>
+          <a:chExt cx="0" cy="0"/>
+        </a:xfrm>
+      </p:grpSpPr>
+      <p:sp>
+        <p:nvSpPr>
+          <p:cNvPr id="58" name="Rectangle 39">
+            <a:extLst>
+              <a:ext uri="{FF2B5EF4-FFF2-40B4-BE49-F238E27FC236}">
+                <a16:creationId xmlns:a16="http://schemas.microsoft.com/office/drawing/2014/main" id="{EE6EA6FB-3383-4F9A-9A6F-DA4FE1FAB74F}"/>
+              </a:ext>
+            </a:extLst>
+          </p:cNvPr>
+          <p:cNvSpPr>
+            <a:spLocks noGrp="1" noRot="1" noChangeAspect="1" noMove="1" noResize="1" noEditPoints="1" noAdjustHandles="1" noChangeArrowheads="1" noChangeShapeType="1" noTextEdit="1"/>
+          </p:cNvSpPr>
+          <p:nvPr>
+            <p:extLst>
+              <p:ext uri="{386F3935-93C4-4BCD-93E2-E3B085C9AB24}">
+                <p16:designElem xmlns:p16="http://schemas.microsoft.com/office/powerpoint/2015/main" val="1"/>
+              </p:ext>
+            </p:extLst>
+          </p:nvPr>
+        </p:nvSpPr>
+        <p:spPr>
+          <a:xfrm>
+            <a:off x="-2" y="0"/>
+            <a:ext cx="7534657" cy="6858000"/>
+          </a:xfrm>
+          <a:prstGeom prst="rect">
+            <a:avLst/>
+          </a:prstGeom>
+          <a:ln>
+            <a:noFill/>
+          </a:ln>
+        </p:spPr>
+        <p:style>
+          <a:lnRef idx="2">
+            <a:schemeClr val="accent1">
+              <a:shade val="50000"/>
+            </a:schemeClr>
+          </a:lnRef>
+          <a:fillRef idx="1">
+            <a:schemeClr val="accent1"/>
+          </a:fillRef>
+          <a:effectRef idx="0">
+            <a:schemeClr val="accent1"/>
+          </a:effectRef>
+          <a:fontRef idx="minor">
+            <a:schemeClr val="lt1"/>
+          </a:fontRef>
+        </p:style>
+        <p:txBody>
+          <a:bodyPr rtlCol="0" anchor="ctr"/>
+          <a:lstStyle/>
+          <a:p>
+            <a:pPr algn="ctr"/>
+            <a:endParaRPr lang="en-US"/>
+          </a:p>
+        </p:txBody>
+      </p:sp>
+      <p:sp>
+        <p:nvSpPr>
+          <p:cNvPr id="59" name="Rectangle 41">
+            <a:extLst>
+              <a:ext uri="{FF2B5EF4-FFF2-40B4-BE49-F238E27FC236}">
+                <a16:creationId xmlns:a16="http://schemas.microsoft.com/office/drawing/2014/main" id="{ED071E84-BB3A-47EC-A486-BA36B1EC4D4D}"/>
+              </a:ext>
+            </a:extLst>
+          </p:cNvPr>
+          <p:cNvSpPr>
+            <a:spLocks noGrp="1" noRot="1" noChangeAspect="1" noMove="1" noResize="1" noEditPoints="1" noAdjustHandles="1" noChangeArrowheads="1" noChangeShapeType="1" noTextEdit="1"/>
+          </p:cNvSpPr>
+          <p:nvPr>
+            <p:extLst>
+              <p:ext uri="{386F3935-93C4-4BCD-93E2-E3B085C9AB24}">
+                <p16:designElem xmlns:p16="http://schemas.microsoft.com/office/powerpoint/2015/main" val="1"/>
+              </p:ext>
+            </p:extLst>
+          </p:nvPr>
+        </p:nvSpPr>
+        <p:spPr>
+          <a:xfrm>
+            <a:off x="4654295" y="4870580"/>
+            <a:ext cx="2412380" cy="1516504"/>
+          </a:xfrm>
+          <a:prstGeom prst="rect">
+            <a:avLst/>
+          </a:prstGeom>
+          <a:solidFill>
+            <a:schemeClr val="accent1">
+              <a:lumMod val="75000"/>
+            </a:schemeClr>
+          </a:solidFill>
+          <a:ln>
+            <a:noFill/>
+          </a:ln>
+        </p:spPr>
+        <p:style>
+          <a:lnRef idx="2">
+            <a:schemeClr val="accent1">
+              <a:shade val="50000"/>
+            </a:schemeClr>
+          </a:lnRef>
+          <a:fillRef idx="1">
+            <a:schemeClr val="accent1"/>
+          </a:fillRef>
+          <a:effectRef idx="0">
+            <a:schemeClr val="accent1"/>
+          </a:effectRef>
+          <a:fontRef idx="minor">
+            <a:schemeClr val="lt1"/>
+          </a:fontRef>
+        </p:style>
+        <p:txBody>
+          <a:bodyPr rtlCol="0" anchor="ctr"/>
+          <a:lstStyle/>
+          <a:p>
+            <a:pPr algn="ctr"/>
+            <a:endParaRPr lang="en-US"/>
+          </a:p>
+        </p:txBody>
+      </p:sp>
+      <p:sp>
+        <p:nvSpPr>
+          <p:cNvPr id="60" name="Rectangle 43">
+            <a:extLst>
+              <a:ext uri="{FF2B5EF4-FFF2-40B4-BE49-F238E27FC236}">
+                <a16:creationId xmlns:a16="http://schemas.microsoft.com/office/drawing/2014/main" id="{83DF8A13-1AA5-49B1-A0EC-59CC621311A1}"/>
+              </a:ext>
+            </a:extLst>
+          </p:cNvPr>
+          <p:cNvSpPr>
+            <a:spLocks noGrp="1" noRot="1" noChangeAspect="1" noMove="1" noResize="1" noEditPoints="1" noAdjustHandles="1" noChangeArrowheads="1" noChangeShapeType="1" noTextEdit="1"/>
+          </p:cNvSpPr>
+          <p:nvPr>
+            <p:extLst>
+              <p:ext uri="{386F3935-93C4-4BCD-93E2-E3B085C9AB24}">
+                <p16:designElem xmlns:p16="http://schemas.microsoft.com/office/powerpoint/2015/main" val="1"/>
+              </p:ext>
+            </p:extLst>
+          </p:nvPr>
+        </p:nvSpPr>
+        <p:spPr>
+          <a:xfrm>
+            <a:off x="4654296" y="481264"/>
+            <a:ext cx="2412380" cy="1857871"/>
+          </a:xfrm>
+          <a:prstGeom prst="rect">
+            <a:avLst/>
+          </a:prstGeom>
+          <a:solidFill>
+            <a:srgbClr val="FFFFFF"/>
+          </a:solidFill>
+          <a:ln>
+            <a:noFill/>
+          </a:ln>
+        </p:spPr>
+        <p:style>
+          <a:lnRef idx="2">
+            <a:schemeClr val="accent1">
+              <a:shade val="50000"/>
+            </a:schemeClr>
+          </a:lnRef>
+          <a:fillRef idx="1">
+            <a:schemeClr val="accent1"/>
+          </a:fillRef>
+          <a:effectRef idx="0">
+            <a:schemeClr val="accent1"/>
+          </a:effectRef>
+          <a:fontRef idx="minor">
+            <a:schemeClr val="lt1"/>
+          </a:fontRef>
+        </p:style>
+        <p:txBody>
+          <a:bodyPr rtlCol="0" anchor="ctr"/>
+          <a:lstStyle/>
+          <a:p>
+            <a:pPr algn="ctr"/>
+            <a:endParaRPr lang="en-US"/>
+          </a:p>
+        </p:txBody>
+      </p:sp>
+      <p:cxnSp>
+        <p:nvCxnSpPr>
+          <p:cNvPr id="61" name="Straight Connector 45">
+            <a:extLst>
+              <a:ext uri="{FF2B5EF4-FFF2-40B4-BE49-F238E27FC236}">
+                <a16:creationId xmlns:a16="http://schemas.microsoft.com/office/drawing/2014/main" id="{C838AE12-ECE9-419F-B756-2D09DAE18363}"/>
+              </a:ext>
+            </a:extLst>
+          </p:cNvPr>
+          <p:cNvCxnSpPr>
+            <a:cxnSpLocks noGrp="1" noRot="1" noChangeAspect="1" noMove="1" noResize="1" noEditPoints="1" noAdjustHandles="1" noChangeArrowheads="1" noChangeShapeType="1"/>
+          </p:cNvCxnSpPr>
+          <p:nvPr>
+            <p:extLst>
+              <p:ext uri="{386F3935-93C4-4BCD-93E2-E3B085C9AB24}">
+                <p16:designElem xmlns:p16="http://schemas.microsoft.com/office/powerpoint/2015/main" val="1"/>
+              </p:ext>
+            </p:extLst>
+          </p:nvPr>
+        </p:nvCxnSpPr>
+        <p:spPr>
+          <a:xfrm>
+            <a:off x="8094447" y="4459986"/>
+            <a:ext cx="3291840" cy="0"/>
+          </a:xfrm>
+          <a:prstGeom prst="line">
+            <a:avLst/>
+          </a:prstGeom>
+          <a:ln w="19050">
+            <a:solidFill>
+              <a:schemeClr val="accent1"/>
+            </a:solidFill>
+          </a:ln>
+        </p:spPr>
+        <p:style>
+          <a:lnRef idx="1">
+            <a:schemeClr val="accent1"/>
+          </a:lnRef>
+          <a:fillRef idx="0">
+            <a:schemeClr val="accent1"/>
+          </a:fillRef>
+          <a:effectRef idx="0">
+            <a:schemeClr val="accent1"/>
+          </a:effectRef>
+          <a:fontRef idx="minor">
+            <a:schemeClr val="tx1"/>
+          </a:fontRef>
+        </p:style>
+      </p:cxnSp>
+      <p:sp>
+        <p:nvSpPr>
+          <p:cNvPr id="62" name="Rectangle 47">
+            <a:extLst>
+              <a:ext uri="{FF2B5EF4-FFF2-40B4-BE49-F238E27FC236}">
+                <a16:creationId xmlns:a16="http://schemas.microsoft.com/office/drawing/2014/main" id="{C22F8C46-6106-4015-BCB7-43FC48789999}"/>
+              </a:ext>
+            </a:extLst>
+          </p:cNvPr>
+          <p:cNvSpPr>
+            <a:spLocks noGrp="1" noRot="1" noChangeAspect="1" noMove="1" noResize="1" noEditPoints="1" noAdjustHandles="1" noChangeArrowheads="1" noChangeShapeType="1" noTextEdit="1"/>
+          </p:cNvSpPr>
+          <p:nvPr>
+            <p:extLst>
+              <p:ext uri="{386F3935-93C4-4BCD-93E2-E3B085C9AB24}">
+                <p16:designElem xmlns:p16="http://schemas.microsoft.com/office/powerpoint/2015/main" val="1"/>
+              </p:ext>
+            </p:extLst>
+          </p:nvPr>
+        </p:nvSpPr>
+        <p:spPr>
+          <a:xfrm>
+            <a:off x="484633" y="2503727"/>
+            <a:ext cx="4008798" cy="3883357"/>
+          </a:xfrm>
+          <a:prstGeom prst="rect">
+            <a:avLst/>
+          </a:prstGeom>
+          <a:solidFill>
+            <a:srgbClr val="FFFFFF"/>
+          </a:solidFill>
+          <a:ln>
+            <a:noFill/>
+          </a:ln>
+        </p:spPr>
+        <p:style>
+          <a:lnRef idx="2">
+            <a:schemeClr val="accent1">
+              <a:shade val="50000"/>
+            </a:schemeClr>
+          </a:lnRef>
+          <a:fillRef idx="1">
+            <a:schemeClr val="accent1"/>
+          </a:fillRef>
+          <a:effectRef idx="0">
+            <a:schemeClr val="accent1"/>
+          </a:effectRef>
+          <a:fontRef idx="minor">
+            <a:schemeClr val="lt1"/>
+          </a:fontRef>
+        </p:style>
+        <p:txBody>
+          <a:bodyPr rtlCol="0" anchor="ctr"/>
+          <a:lstStyle/>
+          <a:p>
+            <a:pPr algn="ctr"/>
+            <a:endParaRPr lang="en-US"/>
+          </a:p>
+        </p:txBody>
+      </p:sp>
+      <p:pic>
+        <p:nvPicPr>
+          <p:cNvPr id="7" name="그림 6" descr="C:\Users\yeongje\Documents\반디카메라\Cap 2017-10-27 16-13-12-545.png">
+            <a:extLst>
+              <a:ext uri="{FF2B5EF4-FFF2-40B4-BE49-F238E27FC236}">
+                <a16:creationId xmlns:a16="http://schemas.microsoft.com/office/drawing/2014/main" id="{764BC56D-DDBE-4327-9947-DDFD12FE3846}"/>
+              </a:ext>
+            </a:extLst>
+          </p:cNvPr>
+          <p:cNvPicPr/>
+          <p:nvPr/>
+        </p:nvPicPr>
+        <p:blipFill rotWithShape="1">
+          <a:blip r:embed="rId2" cstate="print">
+            <a:extLst>
+              <a:ext uri="{28A0092B-C50C-407E-A947-70E740481C1C}">
+                <a14:useLocalDpi xmlns:a14="http://schemas.microsoft.com/office/drawing/2010/main" val="0"/>
+              </a:ext>
+            </a:extLst>
+          </a:blip>
+          <a:srcRect/>
+          <a:stretch/>
+        </p:blipFill>
+        <p:spPr bwMode="auto">
+          <a:xfrm>
+            <a:off x="4813498" y="805563"/>
+            <a:ext cx="2093976" cy="1209271"/>
+          </a:xfrm>
+          <a:prstGeom prst="rect">
+            <a:avLst/>
+          </a:prstGeom>
+          <a:noFill/>
+        </p:spPr>
+      </p:pic>
+      <p:pic>
+        <p:nvPicPr>
+          <p:cNvPr id="6" name="그림 5" descr="C:\Users\yeongje\Documents\반디카메라\Cap 2017-10-27 16-14-03-127.png">
+            <a:extLst>
+              <a:ext uri="{FF2B5EF4-FFF2-40B4-BE49-F238E27FC236}">
+                <a16:creationId xmlns:a16="http://schemas.microsoft.com/office/drawing/2014/main" id="{B007D028-CD54-41E3-95F4-D67E44D56E28}"/>
+              </a:ext>
+            </a:extLst>
+          </p:cNvPr>
+          <p:cNvPicPr/>
+          <p:nvPr/>
+        </p:nvPicPr>
+        <p:blipFill rotWithShape="1">
+          <a:blip r:embed="rId3" cstate="print">
+            <a:extLst>
+              <a:ext uri="{28A0092B-C50C-407E-A947-70E740481C1C}">
+                <a14:useLocalDpi xmlns:a14="http://schemas.microsoft.com/office/drawing/2010/main" val="0"/>
+              </a:ext>
+            </a:extLst>
+          </a:blip>
+          <a:srcRect/>
+          <a:stretch/>
+        </p:blipFill>
+        <p:spPr bwMode="auto">
+          <a:xfrm>
+            <a:off x="646516" y="3358321"/>
+            <a:ext cx="3685032" cy="2174168"/>
+          </a:xfrm>
+          <a:prstGeom prst="rect">
+            <a:avLst/>
+          </a:prstGeom>
+          <a:noFill/>
+        </p:spPr>
+      </p:pic>
+      <p:sp>
+        <p:nvSpPr>
+          <p:cNvPr id="63" name="Rectangle 49">
+            <a:extLst>
+              <a:ext uri="{FF2B5EF4-FFF2-40B4-BE49-F238E27FC236}">
+                <a16:creationId xmlns:a16="http://schemas.microsoft.com/office/drawing/2014/main" id="{B3C1EE0E-70CD-4133-B7D7-E084A424E2FD}"/>
+              </a:ext>
+            </a:extLst>
+          </p:cNvPr>
+          <p:cNvSpPr>
+            <a:spLocks noGrp="1" noRot="1" noChangeAspect="1" noMove="1" noResize="1" noEditPoints="1" noAdjustHandles="1" noChangeArrowheads="1" noChangeShapeType="1" noTextEdit="1"/>
+          </p:cNvSpPr>
+          <p:nvPr>
+            <p:extLst>
+              <p:ext uri="{386F3935-93C4-4BCD-93E2-E3B085C9AB24}">
+                <p16:designElem xmlns:p16="http://schemas.microsoft.com/office/powerpoint/2015/main" val="1"/>
+              </p:ext>
+            </p:extLst>
+          </p:nvPr>
+        </p:nvSpPr>
+        <p:spPr>
+          <a:xfrm>
+            <a:off x="4654296" y="2500064"/>
+            <a:ext cx="2412380" cy="2209676"/>
+          </a:xfrm>
+          <a:prstGeom prst="rect">
+            <a:avLst/>
+          </a:prstGeom>
+          <a:solidFill>
+            <a:srgbClr val="FFFFFF"/>
+          </a:solidFill>
+          <a:ln>
+            <a:noFill/>
+          </a:ln>
+        </p:spPr>
+        <p:style>
+          <a:lnRef idx="2">
+            <a:schemeClr val="accent1">
+              <a:shade val="50000"/>
+            </a:schemeClr>
+          </a:lnRef>
+          <a:fillRef idx="1">
+            <a:schemeClr val="accent1"/>
+          </a:fillRef>
+          <a:effectRef idx="0">
+            <a:schemeClr val="accent1"/>
+          </a:effectRef>
+          <a:fontRef idx="minor">
+            <a:schemeClr val="lt1"/>
+          </a:fontRef>
+        </p:style>
+        <p:txBody>
+          <a:bodyPr rtlCol="0" anchor="ctr"/>
+          <a:lstStyle/>
+          <a:p>
+            <a:pPr algn="ctr"/>
+            <a:endParaRPr lang="en-US"/>
+          </a:p>
+        </p:txBody>
+      </p:sp>
+      <p:pic>
+        <p:nvPicPr>
+          <p:cNvPr id="9" name="그림 8" descr="C:\Users\yeongje\Documents\반디카메라\Cap 2017-10-27 16-13-45-593.png">
+            <a:extLst>
+              <a:ext uri="{FF2B5EF4-FFF2-40B4-BE49-F238E27FC236}">
+                <a16:creationId xmlns:a16="http://schemas.microsoft.com/office/drawing/2014/main" id="{F52C1966-7C0A-4A58-9C94-808D421CA188}"/>
+              </a:ext>
+            </a:extLst>
+          </p:cNvPr>
+          <p:cNvPicPr/>
+          <p:nvPr/>
+        </p:nvPicPr>
+        <p:blipFill rotWithShape="1">
+          <a:blip r:embed="rId4" cstate="print">
+            <a:extLst>
+              <a:ext uri="{28A0092B-C50C-407E-A947-70E740481C1C}">
+                <a14:useLocalDpi xmlns:a14="http://schemas.microsoft.com/office/drawing/2010/main" val="0"/>
+              </a:ext>
+            </a:extLst>
+          </a:blip>
+          <a:srcRect/>
+          <a:stretch/>
+        </p:blipFill>
+        <p:spPr bwMode="auto">
+          <a:xfrm>
+            <a:off x="4801953" y="2992314"/>
+            <a:ext cx="2105522" cy="1226466"/>
+          </a:xfrm>
+          <a:prstGeom prst="rect">
+            <a:avLst/>
+          </a:prstGeom>
+          <a:noFill/>
+        </p:spPr>
+      </p:pic>
+      <p:sp>
+        <p:nvSpPr>
+          <p:cNvPr id="64" name="Rectangle 51">
+            <a:extLst>
+              <a:ext uri="{FF2B5EF4-FFF2-40B4-BE49-F238E27FC236}">
+                <a16:creationId xmlns:a16="http://schemas.microsoft.com/office/drawing/2014/main" id="{FA8E07FE-BFAA-4CBE-B96B-0F694DA1757E}"/>
+              </a:ext>
+            </a:extLst>
+          </p:cNvPr>
+          <p:cNvSpPr>
+            <a:spLocks noGrp="1" noRot="1" noChangeAspect="1" noMove="1" noResize="1" noEditPoints="1" noAdjustHandles="1" noChangeArrowheads="1" noChangeShapeType="1" noTextEdit="1"/>
+          </p:cNvSpPr>
+          <p:nvPr>
+            <p:extLst>
+              <p:ext uri="{386F3935-93C4-4BCD-93E2-E3B085C9AB24}">
+                <p16:designElem xmlns:p16="http://schemas.microsoft.com/office/powerpoint/2015/main" val="1"/>
+              </p:ext>
+            </p:extLst>
+          </p:nvPr>
+        </p:nvSpPr>
+        <p:spPr>
+          <a:xfrm>
+            <a:off x="2081051" y="481264"/>
+            <a:ext cx="2412380" cy="1857871"/>
+          </a:xfrm>
+          <a:prstGeom prst="rect">
+            <a:avLst/>
+          </a:prstGeom>
+          <a:solidFill>
+            <a:srgbClr val="FFFFFF"/>
+          </a:solidFill>
+          <a:ln>
+            <a:noFill/>
+          </a:ln>
+        </p:spPr>
+        <p:style>
+          <a:lnRef idx="2">
+            <a:schemeClr val="accent1">
+              <a:shade val="50000"/>
+            </a:schemeClr>
+          </a:lnRef>
+          <a:fillRef idx="1">
+            <a:schemeClr val="accent1"/>
+          </a:fillRef>
+          <a:effectRef idx="0">
+            <a:schemeClr val="accent1"/>
+          </a:effectRef>
+          <a:fontRef idx="minor">
+            <a:schemeClr val="lt1"/>
+          </a:fontRef>
+        </p:style>
+        <p:txBody>
+          <a:bodyPr rtlCol="0" anchor="ctr"/>
+          <a:lstStyle/>
+          <a:p>
+            <a:pPr algn="ctr"/>
+            <a:endParaRPr lang="en-US"/>
+          </a:p>
+        </p:txBody>
+      </p:sp>
+      <p:pic>
+        <p:nvPicPr>
+          <p:cNvPr id="10" name="그림 9">
+            <a:extLst>
+              <a:ext uri="{FF2B5EF4-FFF2-40B4-BE49-F238E27FC236}">
+                <a16:creationId xmlns:a16="http://schemas.microsoft.com/office/drawing/2014/main" id="{71B419C1-6A0F-47C1-A4BB-3782A88CF17D}"/>
+              </a:ext>
+            </a:extLst>
+          </p:cNvPr>
+          <p:cNvPicPr>
+            <a:picLocks noChangeAspect="1"/>
+          </p:cNvPicPr>
+          <p:nvPr/>
+        </p:nvPicPr>
+        <p:blipFill>
+          <a:blip r:embed="rId5"/>
+          <a:stretch>
+            <a:fillRect/>
+          </a:stretch>
+        </p:blipFill>
+        <p:spPr>
+          <a:xfrm>
+            <a:off x="2234480" y="1003374"/>
+            <a:ext cx="2105521" cy="811897"/>
+          </a:xfrm>
+          <a:prstGeom prst="rect">
+            <a:avLst/>
+          </a:prstGeom>
+        </p:spPr>
+      </p:pic>
+      <p:sp>
+        <p:nvSpPr>
+          <p:cNvPr id="2" name="TextBox 1">
+            <a:extLst>
+              <a:ext uri="{FF2B5EF4-FFF2-40B4-BE49-F238E27FC236}">
+                <a16:creationId xmlns:a16="http://schemas.microsoft.com/office/drawing/2014/main" id="{6E9F10D0-9AA5-405F-A9E6-EDC082B309B4}"/>
+              </a:ext>
+            </a:extLst>
+          </p:cNvPr>
+          <p:cNvSpPr txBox="1"/>
+          <p:nvPr/>
+        </p:nvSpPr>
+        <p:spPr>
+          <a:xfrm>
+            <a:off x="8019286" y="481264"/>
+            <a:ext cx="3688081" cy="3907856"/>
+          </a:xfrm>
+          <a:prstGeom prst="rect">
+            <a:avLst/>
+          </a:prstGeom>
+        </p:spPr>
+        <p:txBody>
+          <a:bodyPr vert="horz" lIns="91440" tIns="45720" rIns="91440" bIns="45720" rtlCol="0" anchor="b">
+            <a:normAutofit/>
+          </a:bodyPr>
+          <a:lstStyle/>
+          <a:p>
+            <a:pPr latinLnBrk="0">
+              <a:lnSpc>
+                <a:spcPct val="90000"/>
+              </a:lnSpc>
+              <a:spcBef>
+                <a:spcPct val="0"/>
+              </a:spcBef>
+              <a:spcAft>
+                <a:spcPts val="600"/>
+              </a:spcAft>
+            </a:pPr>
+            <a:r>
+              <a:rPr lang="en-US" altLang="ko-KR" sz="6000" dirty="0">
+                <a:latin typeface="+mj-lt"/>
+                <a:ea typeface="+mj-ea"/>
+                <a:cs typeface="+mj-cs"/>
+              </a:rPr>
+              <a:t>Project Pages</a:t>
+            </a:r>
+          </a:p>
+        </p:txBody>
+      </p:sp>
+      <p:sp>
+        <p:nvSpPr>
+          <p:cNvPr id="57" name="TextBox 56">
+            <a:extLst>
+              <a:ext uri="{FF2B5EF4-FFF2-40B4-BE49-F238E27FC236}">
+                <a16:creationId xmlns:a16="http://schemas.microsoft.com/office/drawing/2014/main" id="{0FA0E27E-F1A9-4F45-AF6D-88D04945C6E3}"/>
+              </a:ext>
+            </a:extLst>
+          </p:cNvPr>
+          <p:cNvSpPr txBox="1"/>
+          <p:nvPr/>
+        </p:nvSpPr>
+        <p:spPr>
+          <a:xfrm>
+            <a:off x="2159319" y="551746"/>
+            <a:ext cx="1935185" cy="276999"/>
+          </a:xfrm>
+          <a:prstGeom prst="rect">
+            <a:avLst/>
+          </a:prstGeom>
+          <a:noFill/>
+        </p:spPr>
+        <p:txBody>
+          <a:bodyPr wrap="square" rtlCol="0">
+            <a:spAutoFit/>
+          </a:bodyPr>
+          <a:lstStyle/>
+          <a:p>
+            <a:r>
+              <a:rPr lang="en-US" altLang="ko-KR" sz="1200" dirty="0"/>
+              <a:t>Project Detail</a:t>
+            </a:r>
+            <a:endParaRPr lang="ko-KR" altLang="en-US" sz="1200" dirty="0"/>
+          </a:p>
+        </p:txBody>
+      </p:sp>
+      <p:sp>
+        <p:nvSpPr>
+          <p:cNvPr id="3" name="TextBox 2">
+            <a:extLst>
+              <a:ext uri="{FF2B5EF4-FFF2-40B4-BE49-F238E27FC236}">
+                <a16:creationId xmlns:a16="http://schemas.microsoft.com/office/drawing/2014/main" id="{E035FBC3-7A62-40B5-B86E-0A1AAF9BA307}"/>
+              </a:ext>
+            </a:extLst>
+          </p:cNvPr>
+          <p:cNvSpPr txBox="1"/>
+          <p:nvPr/>
+        </p:nvSpPr>
+        <p:spPr>
+          <a:xfrm>
+            <a:off x="4813498" y="485180"/>
+            <a:ext cx="1909035" cy="276999"/>
+          </a:xfrm>
+          <a:prstGeom prst="rect">
+            <a:avLst/>
+          </a:prstGeom>
+          <a:noFill/>
+        </p:spPr>
+        <p:txBody>
+          <a:bodyPr wrap="square" rtlCol="0">
+            <a:spAutoFit/>
+          </a:bodyPr>
+          <a:lstStyle/>
+          <a:p>
+            <a:r>
+              <a:rPr lang="en-US" altLang="ko-KR" sz="1200" dirty="0"/>
+              <a:t>Project</a:t>
+            </a:r>
+            <a:r>
+              <a:rPr lang="ko-KR" altLang="en-US" sz="1200" dirty="0"/>
+              <a:t> </a:t>
+            </a:r>
+            <a:r>
+              <a:rPr lang="en-US" altLang="ko-KR" sz="1200" dirty="0"/>
+              <a:t>List</a:t>
+            </a:r>
+            <a:endParaRPr lang="ko-KR" altLang="en-US" sz="1200" dirty="0"/>
+          </a:p>
+        </p:txBody>
+      </p:sp>
+      <p:sp>
+        <p:nvSpPr>
+          <p:cNvPr id="16" name="TextBox 15">
+            <a:extLst>
+              <a:ext uri="{FF2B5EF4-FFF2-40B4-BE49-F238E27FC236}">
+                <a16:creationId xmlns:a16="http://schemas.microsoft.com/office/drawing/2014/main" id="{B5967307-1316-48E7-A59D-970DEEE74392}"/>
+              </a:ext>
+            </a:extLst>
+          </p:cNvPr>
+          <p:cNvSpPr txBox="1"/>
+          <p:nvPr/>
+        </p:nvSpPr>
+        <p:spPr>
+          <a:xfrm>
+            <a:off x="4729763" y="2554386"/>
+            <a:ext cx="1909035" cy="276999"/>
+          </a:xfrm>
+          <a:prstGeom prst="rect">
+            <a:avLst/>
+          </a:prstGeom>
+          <a:noFill/>
+        </p:spPr>
+        <p:txBody>
+          <a:bodyPr wrap="square" rtlCol="0">
+            <a:spAutoFit/>
+          </a:bodyPr>
+          <a:lstStyle/>
+          <a:p>
+            <a:r>
+              <a:rPr lang="en-US" altLang="ko-KR" sz="1200" dirty="0"/>
+              <a:t>Apply Project</a:t>
+            </a:r>
+            <a:endParaRPr lang="ko-KR" altLang="en-US" sz="1200" dirty="0"/>
+          </a:p>
+        </p:txBody>
+      </p:sp>
+      <p:sp>
+        <p:nvSpPr>
+          <p:cNvPr id="17" name="TextBox 16">
+            <a:extLst>
+              <a:ext uri="{FF2B5EF4-FFF2-40B4-BE49-F238E27FC236}">
+                <a16:creationId xmlns:a16="http://schemas.microsoft.com/office/drawing/2014/main" id="{3644746C-046C-4EB2-82BA-1F10FE2E539D}"/>
+              </a:ext>
+            </a:extLst>
+          </p:cNvPr>
+          <p:cNvSpPr txBox="1"/>
+          <p:nvPr/>
+        </p:nvSpPr>
+        <p:spPr>
+          <a:xfrm>
+            <a:off x="741147" y="2584246"/>
+            <a:ext cx="1909035" cy="276999"/>
+          </a:xfrm>
+          <a:prstGeom prst="rect">
+            <a:avLst/>
+          </a:prstGeom>
+          <a:noFill/>
+        </p:spPr>
+        <p:txBody>
+          <a:bodyPr wrap="square" rtlCol="0">
+            <a:spAutoFit/>
+          </a:bodyPr>
+          <a:lstStyle/>
+          <a:p>
+            <a:r>
+              <a:rPr lang="en-US" altLang="ko-KR" sz="1200" dirty="0"/>
+              <a:t>Project Upload</a:t>
+            </a:r>
+            <a:endParaRPr lang="ko-KR" altLang="en-US" sz="1200" dirty="0"/>
+          </a:p>
+        </p:txBody>
+      </p:sp>
+    </p:spTree>
+    <p:extLst>
+      <p:ext uri="{BB962C8B-B14F-4D97-AF65-F5344CB8AC3E}">
+        <p14:creationId xmlns:p14="http://schemas.microsoft.com/office/powerpoint/2010/main" val="787362790"/>
+      </p:ext>
+    </p:extLst>
+  </p:cSld>
+  <p:clrMapOvr>
+    <a:masterClrMapping/>
+  </p:clrMapOvr>
+</p:sld>
+</file>
+
+<file path=ppt/slides/slide11.xml><?xml version="1.0" encoding="utf-8"?>
+<p:sld xmlns:a="http://schemas.openxmlformats.org/drawingml/2006/main" xmlns:r="http://schemas.openxmlformats.org/officeDocument/2006/relationships" xmlns:p="http://schemas.openxmlformats.org/presentationml/2006/main">
+  <p:cSld>
+    <p:bg>
+      <p:bgPr>
+        <a:solidFill>
+          <a:schemeClr val="bg1"/>
+        </a:solidFill>
+        <a:effectLst/>
+      </p:bgPr>
+    </p:bg>
+    <p:spTree>
+      <p:nvGrpSpPr>
+        <p:cNvPr id="1" name=""/>
+        <p:cNvGrpSpPr/>
+        <p:nvPr/>
+      </p:nvGrpSpPr>
+      <p:grpSpPr>
+        <a:xfrm>
+          <a:off x="0" y="0"/>
+          <a:ext cx="0" cy="0"/>
+          <a:chOff x="0" y="0"/>
+          <a:chExt cx="0" cy="0"/>
+        </a:xfrm>
+      </p:grpSpPr>
+      <p:sp>
+        <p:nvSpPr>
+          <p:cNvPr id="12" name="Rectangle 11">
+            <a:extLst>
+              <a:ext uri="{FF2B5EF4-FFF2-40B4-BE49-F238E27FC236}">
+                <a16:creationId xmlns:a16="http://schemas.microsoft.com/office/drawing/2014/main" id="{DAE885FA-583E-488C-A3B2-2647B84A8162}"/>
+              </a:ext>
+            </a:extLst>
+          </p:cNvPr>
+          <p:cNvSpPr>
+            <a:spLocks noGrp="1" noRot="1" noChangeAspect="1" noMove="1" noResize="1" noEditPoints="1" noAdjustHandles="1" noChangeArrowheads="1" noChangeShapeType="1" noTextEdit="1"/>
+          </p:cNvSpPr>
+          <p:nvPr>
+            <p:extLst>
+              <p:ext uri="{386F3935-93C4-4BCD-93E2-E3B085C9AB24}">
+                <p16:designElem xmlns:p16="http://schemas.microsoft.com/office/powerpoint/2015/main" val="1"/>
+              </p:ext>
+            </p:extLst>
+          </p:nvPr>
+        </p:nvSpPr>
+        <p:spPr>
+          <a:xfrm>
+            <a:off x="0" y="0"/>
+            <a:ext cx="12192000" cy="4572000"/>
+          </a:xfrm>
+          <a:prstGeom prst="rect">
+            <a:avLst/>
+          </a:prstGeom>
+          <a:solidFill>
+            <a:srgbClr val="3D3E51"/>
+          </a:solidFill>
+          <a:ln>
+            <a:noFill/>
+          </a:ln>
+        </p:spPr>
+        <p:style>
+          <a:lnRef idx="1">
+            <a:schemeClr val="accent1"/>
+          </a:lnRef>
+          <a:fillRef idx="3">
+            <a:schemeClr val="accent1"/>
+          </a:fillRef>
+          <a:effectRef idx="2">
+            <a:schemeClr val="accent1"/>
+          </a:effectRef>
+          <a:fontRef idx="minor">
+            <a:schemeClr val="lt1"/>
+          </a:fontRef>
+        </p:style>
+        <p:txBody>
+          <a:bodyPr rtlCol="0" anchor="ctr"/>
+          <a:lstStyle/>
+          <a:p>
+            <a:pPr algn="ctr"/>
+            <a:endParaRPr lang="en-US"/>
+          </a:p>
+        </p:txBody>
+      </p:sp>
+      <p:sp>
+        <p:nvSpPr>
+          <p:cNvPr id="14" name="Rounded Rectangle 26">
+            <a:extLst>
+              <a:ext uri="{FF2B5EF4-FFF2-40B4-BE49-F238E27FC236}">
+                <a16:creationId xmlns:a16="http://schemas.microsoft.com/office/drawing/2014/main" id="{87B1CEC7-C2CE-4440-A0F7-0BE6B3AADB72}"/>
+              </a:ext>
+            </a:extLst>
+          </p:cNvPr>
+          <p:cNvSpPr>
+            <a:spLocks noGrp="1" noRot="1" noChangeAspect="1" noMove="1" noResize="1" noEditPoints="1" noAdjustHandles="1" noChangeArrowheads="1" noChangeShapeType="1" noTextEdit="1"/>
+          </p:cNvSpPr>
+          <p:nvPr>
+            <p:extLst>
+              <p:ext uri="{386F3935-93C4-4BCD-93E2-E3B085C9AB24}">
+                <p16:designElem xmlns:p16="http://schemas.microsoft.com/office/powerpoint/2015/main" val="1"/>
+              </p:ext>
+            </p:extLst>
+          </p:nvPr>
+        </p:nvSpPr>
+        <p:spPr>
+          <a:xfrm>
+            <a:off x="321564" y="320843"/>
+            <a:ext cx="5613569" cy="3930315"/>
+          </a:xfrm>
+          <a:prstGeom prst="roundRect">
+            <a:avLst>
+              <a:gd name="adj" fmla="val 0"/>
+            </a:avLst>
+          </a:prstGeom>
+          <a:solidFill>
+            <a:srgbClr val="FFFFFF"/>
+          </a:solidFill>
+          <a:ln w="9525">
+            <a:solidFill>
+              <a:schemeClr val="bg2"/>
+            </a:solidFill>
+          </a:ln>
+          <a:effectLst>
+            <a:outerShdw blurRad="57150" dist="19050" dir="5400000" algn="t" rotWithShape="0">
+              <a:prstClr val="black">
+                <a:alpha val="63000"/>
+              </a:prstClr>
+            </a:outerShdw>
+          </a:effectLst>
+        </p:spPr>
+        <p:style>
+          <a:lnRef idx="2">
+            <a:schemeClr val="accent1">
+              <a:shade val="50000"/>
+            </a:schemeClr>
+          </a:lnRef>
+          <a:fillRef idx="1">
+            <a:schemeClr val="accent1"/>
+          </a:fillRef>
+          <a:effectRef idx="0">
+            <a:schemeClr val="accent1"/>
+          </a:effectRef>
+          <a:fontRef idx="minor">
+            <a:schemeClr val="lt1"/>
+          </a:fontRef>
+        </p:style>
+        <p:txBody>
+          <a:bodyPr rtlCol="0" anchor="ctr"/>
+          <a:lstStyle/>
+          <a:p>
+            <a:pPr algn="ctr"/>
+            <a:endParaRPr lang="en-US"/>
+          </a:p>
+        </p:txBody>
+      </p:sp>
+      <p:sp>
+        <p:nvSpPr>
+          <p:cNvPr id="16" name="Rounded Rectangle 16">
+            <a:extLst>
+              <a:ext uri="{FF2B5EF4-FFF2-40B4-BE49-F238E27FC236}">
+                <a16:creationId xmlns:a16="http://schemas.microsoft.com/office/drawing/2014/main" id="{7B0DBF0B-D7C2-4F15-94AE-315255824591}"/>
+              </a:ext>
+            </a:extLst>
+          </p:cNvPr>
+          <p:cNvSpPr>
+            <a:spLocks noGrp="1" noRot="1" noChangeAspect="1" noMove="1" noResize="1" noEditPoints="1" noAdjustHandles="1" noChangeArrowheads="1" noChangeShapeType="1" noTextEdit="1"/>
+          </p:cNvSpPr>
+          <p:nvPr>
+            <p:extLst>
+              <p:ext uri="{386F3935-93C4-4BCD-93E2-E3B085C9AB24}">
+                <p16:designElem xmlns:p16="http://schemas.microsoft.com/office/powerpoint/2015/main" val="1"/>
+              </p:ext>
+            </p:extLst>
+          </p:nvPr>
+        </p:nvSpPr>
+        <p:spPr>
+          <a:xfrm>
+            <a:off x="6254749" y="320843"/>
+            <a:ext cx="5613569" cy="3930315"/>
+          </a:xfrm>
+          <a:prstGeom prst="roundRect">
+            <a:avLst>
+              <a:gd name="adj" fmla="val 0"/>
+            </a:avLst>
+          </a:prstGeom>
+          <a:solidFill>
+            <a:srgbClr val="FFFFFF"/>
+          </a:solidFill>
+          <a:ln w="9525">
+            <a:solidFill>
+              <a:schemeClr val="bg2"/>
+            </a:solidFill>
+          </a:ln>
+          <a:effectLst>
+            <a:outerShdw blurRad="57150" dist="19050" dir="5400000" algn="t" rotWithShape="0">
+              <a:prstClr val="black">
+                <a:alpha val="63000"/>
+              </a:prstClr>
+            </a:outerShdw>
+          </a:effectLst>
+        </p:spPr>
+        <p:style>
+          <a:lnRef idx="2">
+            <a:schemeClr val="accent1">
+              <a:shade val="50000"/>
+            </a:schemeClr>
+          </a:lnRef>
+          <a:fillRef idx="1">
+            <a:schemeClr val="accent1"/>
+          </a:fillRef>
+          <a:effectRef idx="0">
+            <a:schemeClr val="accent1"/>
+          </a:effectRef>
+          <a:fontRef idx="minor">
+            <a:schemeClr val="lt1"/>
+          </a:fontRef>
+        </p:style>
+        <p:txBody>
+          <a:bodyPr rtlCol="0" anchor="ctr"/>
+          <a:lstStyle/>
+          <a:p>
+            <a:pPr algn="ctr"/>
+            <a:endParaRPr lang="en-US"/>
+          </a:p>
+        </p:txBody>
+      </p:sp>
+      <p:pic>
+        <p:nvPicPr>
+          <p:cNvPr id="7" name="그림 6" descr="C:\Users\yeongje\Documents\반디카메라\Cap 2017-10-27 16-14-17-289.png">
+            <a:extLst>
+              <a:ext uri="{FF2B5EF4-FFF2-40B4-BE49-F238E27FC236}">
+                <a16:creationId xmlns:a16="http://schemas.microsoft.com/office/drawing/2014/main" id="{15D5866F-54DB-4A45-BE75-3A3EF2B47B2E}"/>
+              </a:ext>
+            </a:extLst>
+          </p:cNvPr>
+          <p:cNvPicPr/>
+          <p:nvPr/>
+        </p:nvPicPr>
+        <p:blipFill>
+          <a:blip r:embed="rId2">
+            <a:extLst>
+              <a:ext uri="{28A0092B-C50C-407E-A947-70E740481C1C}">
+                <a14:useLocalDpi xmlns:a14="http://schemas.microsoft.com/office/drawing/2010/main" val="0"/>
+              </a:ext>
+            </a:extLst>
+          </a:blip>
+          <a:srcRect/>
+          <a:stretch>
+            <a:fillRect/>
+          </a:stretch>
+        </p:blipFill>
+        <p:spPr bwMode="auto">
+          <a:xfrm>
+            <a:off x="6574365" y="1396838"/>
+            <a:ext cx="4974336" cy="2002170"/>
+          </a:xfrm>
+          <a:prstGeom prst="rect">
+            <a:avLst/>
+          </a:prstGeom>
+          <a:noFill/>
+        </p:spPr>
+      </p:pic>
+      <p:pic>
+        <p:nvPicPr>
+          <p:cNvPr id="6" name="그림 5" descr="C:\Users\yeongje\Documents\반디카메라\Cap 2017-10-27 16-14-11-532.png">
+            <a:extLst>
+              <a:ext uri="{FF2B5EF4-FFF2-40B4-BE49-F238E27FC236}">
+                <a16:creationId xmlns:a16="http://schemas.microsoft.com/office/drawing/2014/main" id="{32AEB723-491E-48A2-A7DC-EB351E70376D}"/>
+              </a:ext>
+            </a:extLst>
+          </p:cNvPr>
+          <p:cNvPicPr/>
+          <p:nvPr/>
+        </p:nvPicPr>
+        <p:blipFill>
+          <a:blip r:embed="rId3">
+            <a:extLst>
+              <a:ext uri="{28A0092B-C50C-407E-A947-70E740481C1C}">
+                <a14:useLocalDpi xmlns:a14="http://schemas.microsoft.com/office/drawing/2010/main" val="0"/>
+              </a:ext>
+            </a:extLst>
+          </a:blip>
+          <a:srcRect/>
+          <a:stretch>
+            <a:fillRect/>
+          </a:stretch>
+        </p:blipFill>
+        <p:spPr bwMode="auto">
+          <a:xfrm>
+            <a:off x="321564" y="1396838"/>
+            <a:ext cx="4974336" cy="1778324"/>
+          </a:xfrm>
+          <a:prstGeom prst="rect">
+            <a:avLst/>
+          </a:prstGeom>
+          <a:noFill/>
+        </p:spPr>
+      </p:pic>
+      <p:sp>
+        <p:nvSpPr>
+          <p:cNvPr id="4" name="TextBox 3">
+            <a:extLst>
+              <a:ext uri="{FF2B5EF4-FFF2-40B4-BE49-F238E27FC236}">
+                <a16:creationId xmlns:a16="http://schemas.microsoft.com/office/drawing/2014/main" id="{183FD7E5-FDAE-4DAD-B3F0-3504A645CDA1}"/>
+              </a:ext>
+            </a:extLst>
+          </p:cNvPr>
+          <p:cNvSpPr txBox="1"/>
+          <p:nvPr/>
+        </p:nvSpPr>
+        <p:spPr>
+          <a:xfrm>
+            <a:off x="1524000" y="4642583"/>
+            <a:ext cx="9144000" cy="1099845"/>
+          </a:xfrm>
+          <a:prstGeom prst="rect">
+            <a:avLst/>
+          </a:prstGeom>
+        </p:spPr>
+        <p:txBody>
+          <a:bodyPr vert="horz" lIns="91440" tIns="45720" rIns="91440" bIns="45720" rtlCol="0" anchor="b">
+            <a:normAutofit/>
+          </a:bodyPr>
+          <a:lstStyle/>
+          <a:p>
+            <a:pPr algn="ctr" latinLnBrk="0">
+              <a:lnSpc>
+                <a:spcPct val="90000"/>
+              </a:lnSpc>
+              <a:spcBef>
+                <a:spcPct val="0"/>
+              </a:spcBef>
+              <a:spcAft>
+                <a:spcPts val="600"/>
+              </a:spcAft>
+            </a:pPr>
+            <a:r>
+              <a:rPr lang="en-US" altLang="ko-KR" sz="6000" b="1">
+                <a:latin typeface="+mj-lt"/>
+                <a:ea typeface="+mj-ea"/>
+                <a:cs typeface="+mj-cs"/>
+              </a:rPr>
+              <a:t>Student &amp; Team Detail</a:t>
+            </a:r>
+          </a:p>
+        </p:txBody>
+      </p:sp>
+      <p:sp>
+        <p:nvSpPr>
+          <p:cNvPr id="3" name="직사각형 2">
+            <a:extLst>
+              <a:ext uri="{FF2B5EF4-FFF2-40B4-BE49-F238E27FC236}">
+                <a16:creationId xmlns:a16="http://schemas.microsoft.com/office/drawing/2014/main" id="{BD91A4A2-2A52-4297-B353-4B0D1BC42D73}"/>
+              </a:ext>
+            </a:extLst>
+          </p:cNvPr>
+          <p:cNvSpPr/>
+          <p:nvPr/>
+        </p:nvSpPr>
+        <p:spPr>
+          <a:xfrm>
+            <a:off x="589192" y="737935"/>
+            <a:ext cx="1592872" cy="276999"/>
+          </a:xfrm>
+          <a:prstGeom prst="rect">
+            <a:avLst/>
+          </a:prstGeom>
+        </p:spPr>
+        <p:txBody>
+          <a:bodyPr wrap="none">
+            <a:spAutoFit/>
+          </a:bodyPr>
+          <a:lstStyle/>
+          <a:p>
+            <a:r>
+              <a:rPr lang="en-US" altLang="ko-KR" sz="1200" dirty="0"/>
+              <a:t>Student Information</a:t>
+            </a:r>
+            <a:endParaRPr lang="ko-KR" altLang="en-US" sz="1200" dirty="0"/>
+          </a:p>
+        </p:txBody>
+      </p:sp>
+      <p:sp>
+        <p:nvSpPr>
+          <p:cNvPr id="10" name="직사각형 9">
+            <a:extLst>
+              <a:ext uri="{FF2B5EF4-FFF2-40B4-BE49-F238E27FC236}">
+                <a16:creationId xmlns:a16="http://schemas.microsoft.com/office/drawing/2014/main" id="{25178B59-563D-4B47-9E88-0CAF383F3015}"/>
+              </a:ext>
+            </a:extLst>
+          </p:cNvPr>
+          <p:cNvSpPr/>
+          <p:nvPr/>
+        </p:nvSpPr>
+        <p:spPr>
+          <a:xfrm>
+            <a:off x="6574365" y="737935"/>
+            <a:ext cx="2057166" cy="276999"/>
+          </a:xfrm>
+          <a:prstGeom prst="rect">
+            <a:avLst/>
+          </a:prstGeom>
+        </p:spPr>
+        <p:txBody>
+          <a:bodyPr wrap="none">
+            <a:spAutoFit/>
+          </a:bodyPr>
+          <a:lstStyle/>
+          <a:p>
+            <a:r>
+              <a:rPr lang="en-US" altLang="ko-KR" sz="1200" dirty="0"/>
+              <a:t>Team Member Information</a:t>
+            </a:r>
+            <a:endParaRPr lang="ko-KR" altLang="en-US" sz="1200" dirty="0"/>
+          </a:p>
+        </p:txBody>
+      </p:sp>
+    </p:spTree>
+    <p:extLst>
+      <p:ext uri="{BB962C8B-B14F-4D97-AF65-F5344CB8AC3E}">
+        <p14:creationId xmlns:p14="http://schemas.microsoft.com/office/powerpoint/2010/main" val="206554558"/>
+      </p:ext>
+    </p:extLst>
+  </p:cSld>
+  <p:clrMapOvr>
+    <a:masterClrMapping/>
+  </p:clrMapOvr>
+</p:sld>
+</file>
+
+<file path=ppt/slides/slide12.xml><?xml version="1.0" encoding="utf-8"?>
+<p:sld xmlns:a="http://schemas.openxmlformats.org/drawingml/2006/main" xmlns:r="http://schemas.openxmlformats.org/officeDocument/2006/relationships" xmlns:p="http://schemas.openxmlformats.org/presentationml/2006/main">
+  <p:cSld>
+    <p:bg>
+      <p:bgPr>
+        <a:solidFill>
+          <a:schemeClr val="bg1"/>
+        </a:solidFill>
+        <a:effectLst/>
+      </p:bgPr>
+    </p:bg>
+    <p:spTree>
+      <p:nvGrpSpPr>
+        <p:cNvPr id="1" name=""/>
+        <p:cNvGrpSpPr/>
+        <p:nvPr/>
+      </p:nvGrpSpPr>
+      <p:grpSpPr>
+        <a:xfrm>
+          <a:off x="0" y="0"/>
+          <a:ext cx="0" cy="0"/>
+          <a:chOff x="0" y="0"/>
+          <a:chExt cx="0" cy="0"/>
+        </a:xfrm>
+      </p:grpSpPr>
+      <p:sp>
+        <p:nvSpPr>
+          <p:cNvPr id="44" name="Rectangle 43">
+            <a:extLst>
+              <a:ext uri="{FF2B5EF4-FFF2-40B4-BE49-F238E27FC236}">
+                <a16:creationId xmlns:a16="http://schemas.microsoft.com/office/drawing/2014/main" id="{A866B342-9C6F-4F7B-AD6F-96957397AA10}"/>
+              </a:ext>
+            </a:extLst>
+          </p:cNvPr>
+          <p:cNvSpPr>
+            <a:spLocks noGrp="1" noRot="1" noChangeAspect="1" noMove="1" noResize="1" noEditPoints="1" noAdjustHandles="1" noChangeArrowheads="1" noChangeShapeType="1" noTextEdit="1"/>
+          </p:cNvSpPr>
+          <p:nvPr>
+            <p:extLst>
+              <p:ext uri="{386F3935-93C4-4BCD-93E2-E3B085C9AB24}">
+                <p16:designElem xmlns:p16="http://schemas.microsoft.com/office/powerpoint/2015/main" val="1"/>
+              </p:ext>
+            </p:extLst>
+          </p:nvPr>
+        </p:nvSpPr>
+        <p:spPr>
+          <a:xfrm>
+            <a:off x="-2" y="0"/>
+            <a:ext cx="7534657" cy="6858000"/>
+          </a:xfrm>
+          <a:prstGeom prst="rect">
+            <a:avLst/>
+          </a:prstGeom>
+          <a:ln>
+            <a:noFill/>
+          </a:ln>
+        </p:spPr>
+        <p:style>
+          <a:lnRef idx="2">
+            <a:schemeClr val="accent1">
+              <a:shade val="50000"/>
+            </a:schemeClr>
+          </a:lnRef>
+          <a:fillRef idx="1">
+            <a:schemeClr val="accent1"/>
+          </a:fillRef>
+          <a:effectRef idx="0">
+            <a:schemeClr val="accent1"/>
+          </a:effectRef>
+          <a:fontRef idx="minor">
+            <a:schemeClr val="lt1"/>
+          </a:fontRef>
+        </p:style>
+        <p:txBody>
+          <a:bodyPr rtlCol="0" anchor="ctr"/>
+          <a:lstStyle/>
+          <a:p>
+            <a:pPr algn="ctr"/>
+            <a:endParaRPr lang="en-US"/>
+          </a:p>
+        </p:txBody>
+      </p:sp>
+      <p:sp>
+        <p:nvSpPr>
+          <p:cNvPr id="46" name="Rectangle 45">
+            <a:extLst>
+              <a:ext uri="{FF2B5EF4-FFF2-40B4-BE49-F238E27FC236}">
+                <a16:creationId xmlns:a16="http://schemas.microsoft.com/office/drawing/2014/main" id="{E4F3D17F-4687-4457-AFDA-2815B0B14F8C}"/>
+              </a:ext>
+            </a:extLst>
+          </p:cNvPr>
+          <p:cNvSpPr>
+            <a:spLocks noGrp="1" noRot="1" noChangeAspect="1" noMove="1" noResize="1" noEditPoints="1" noAdjustHandles="1" noChangeArrowheads="1" noChangeShapeType="1" noTextEdit="1"/>
+          </p:cNvSpPr>
+          <p:nvPr>
+            <p:extLst>
+              <p:ext uri="{386F3935-93C4-4BCD-93E2-E3B085C9AB24}">
+                <p16:designElem xmlns:p16="http://schemas.microsoft.com/office/powerpoint/2015/main" val="1"/>
+              </p:ext>
+            </p:extLst>
+          </p:nvPr>
+        </p:nvSpPr>
+        <p:spPr>
+          <a:xfrm>
+            <a:off x="1568577" y="481264"/>
+            <a:ext cx="2924854" cy="1857871"/>
+          </a:xfrm>
+          <a:prstGeom prst="rect">
+            <a:avLst/>
+          </a:prstGeom>
+          <a:solidFill>
+            <a:srgbClr val="FFFFFF"/>
+          </a:solidFill>
+          <a:ln>
+            <a:noFill/>
+          </a:ln>
+        </p:spPr>
+        <p:style>
+          <a:lnRef idx="2">
+            <a:schemeClr val="accent1">
+              <a:shade val="50000"/>
+            </a:schemeClr>
+          </a:lnRef>
+          <a:fillRef idx="1">
+            <a:schemeClr val="accent1"/>
+          </a:fillRef>
+          <a:effectRef idx="0">
+            <a:schemeClr val="accent1"/>
+          </a:effectRef>
+          <a:fontRef idx="minor">
+            <a:schemeClr val="lt1"/>
+          </a:fontRef>
+        </p:style>
+        <p:txBody>
+          <a:bodyPr rtlCol="0" anchor="ctr"/>
+          <a:lstStyle/>
+          <a:p>
+            <a:pPr algn="ctr"/>
+            <a:endParaRPr lang="en-US"/>
+          </a:p>
+        </p:txBody>
+      </p:sp>
+      <p:sp>
+        <p:nvSpPr>
+          <p:cNvPr id="48" name="Rectangle 47">
+            <a:extLst>
+              <a:ext uri="{FF2B5EF4-FFF2-40B4-BE49-F238E27FC236}">
+                <a16:creationId xmlns:a16="http://schemas.microsoft.com/office/drawing/2014/main" id="{20B0D283-8B98-40F4-91C2-FBBE4533C5FC}"/>
+              </a:ext>
+            </a:extLst>
+          </p:cNvPr>
+          <p:cNvSpPr>
+            <a:spLocks noGrp="1" noRot="1" noChangeAspect="1" noMove="1" noResize="1" noEditPoints="1" noAdjustHandles="1" noChangeArrowheads="1" noChangeShapeType="1" noTextEdit="1"/>
+          </p:cNvSpPr>
+          <p:nvPr>
+            <p:extLst>
+              <p:ext uri="{386F3935-93C4-4BCD-93E2-E3B085C9AB24}">
+                <p16:designElem xmlns:p16="http://schemas.microsoft.com/office/powerpoint/2015/main" val="1"/>
+              </p:ext>
+            </p:extLst>
+          </p:nvPr>
+        </p:nvSpPr>
+        <p:spPr>
+          <a:xfrm>
+            <a:off x="4654295" y="3499239"/>
+            <a:ext cx="2412380" cy="2887845"/>
+          </a:xfrm>
+          <a:prstGeom prst="rect">
+            <a:avLst/>
+          </a:prstGeom>
+          <a:solidFill>
+            <a:srgbClr val="FFFFFF"/>
+          </a:solidFill>
+          <a:ln>
+            <a:noFill/>
+          </a:ln>
+        </p:spPr>
+        <p:style>
+          <a:lnRef idx="2">
+            <a:schemeClr val="accent1">
+              <a:shade val="50000"/>
+            </a:schemeClr>
+          </a:lnRef>
+          <a:fillRef idx="1">
+            <a:schemeClr val="accent1"/>
+          </a:fillRef>
+          <a:effectRef idx="0">
+            <a:schemeClr val="accent1"/>
+          </a:effectRef>
+          <a:fontRef idx="minor">
+            <a:schemeClr val="lt1"/>
+          </a:fontRef>
+        </p:style>
+        <p:txBody>
+          <a:bodyPr rtlCol="0" anchor="ctr"/>
+          <a:lstStyle/>
+          <a:p>
+            <a:pPr algn="ctr"/>
+            <a:endParaRPr lang="en-US"/>
+          </a:p>
+        </p:txBody>
+      </p:sp>
+      <p:sp>
+        <p:nvSpPr>
+          <p:cNvPr id="50" name="Rectangle 49">
+            <a:extLst>
+              <a:ext uri="{FF2B5EF4-FFF2-40B4-BE49-F238E27FC236}">
+                <a16:creationId xmlns:a16="http://schemas.microsoft.com/office/drawing/2014/main" id="{E5DF8866-4C9A-4F4F-9B2D-3BB9B4B7C30A}"/>
+              </a:ext>
+            </a:extLst>
+          </p:cNvPr>
+          <p:cNvSpPr>
+            <a:spLocks noGrp="1" noRot="1" noChangeAspect="1" noMove="1" noResize="1" noEditPoints="1" noAdjustHandles="1" noChangeArrowheads="1" noChangeShapeType="1" noTextEdit="1"/>
+          </p:cNvSpPr>
+          <p:nvPr>
+            <p:extLst>
+              <p:ext uri="{386F3935-93C4-4BCD-93E2-E3B085C9AB24}">
+                <p16:designElem xmlns:p16="http://schemas.microsoft.com/office/powerpoint/2015/main" val="1"/>
+              </p:ext>
+            </p:extLst>
+          </p:nvPr>
+        </p:nvSpPr>
+        <p:spPr>
+          <a:xfrm>
+            <a:off x="4654296" y="481264"/>
+            <a:ext cx="2412380" cy="2857108"/>
+          </a:xfrm>
+          <a:prstGeom prst="rect">
+            <a:avLst/>
+          </a:prstGeom>
+          <a:solidFill>
+            <a:srgbClr val="FFFFFF"/>
+          </a:solidFill>
+          <a:ln>
+            <a:noFill/>
+          </a:ln>
+        </p:spPr>
+        <p:style>
+          <a:lnRef idx="2">
+            <a:schemeClr val="accent1">
+              <a:shade val="50000"/>
+            </a:schemeClr>
+          </a:lnRef>
+          <a:fillRef idx="1">
+            <a:schemeClr val="accent1"/>
+          </a:fillRef>
+          <a:effectRef idx="0">
+            <a:schemeClr val="accent1"/>
+          </a:effectRef>
+          <a:fontRef idx="minor">
+            <a:schemeClr val="lt1"/>
+          </a:fontRef>
+        </p:style>
+        <p:txBody>
+          <a:bodyPr rtlCol="0" anchor="ctr"/>
+          <a:lstStyle/>
+          <a:p>
+            <a:pPr algn="ctr"/>
+            <a:endParaRPr lang="en-US"/>
+          </a:p>
+        </p:txBody>
+      </p:sp>
+      <p:cxnSp>
+        <p:nvCxnSpPr>
+          <p:cNvPr id="52" name="Straight Connector 51">
+            <a:extLst>
+              <a:ext uri="{FF2B5EF4-FFF2-40B4-BE49-F238E27FC236}">
+                <a16:creationId xmlns:a16="http://schemas.microsoft.com/office/drawing/2014/main" id="{40A533BE-854F-4135-A4C8-DF954B864640}"/>
+              </a:ext>
+            </a:extLst>
+          </p:cNvPr>
+          <p:cNvCxnSpPr>
+            <a:cxnSpLocks noGrp="1" noRot="1" noChangeAspect="1" noMove="1" noResize="1" noEditPoints="1" noAdjustHandles="1" noChangeArrowheads="1" noChangeShapeType="1"/>
+          </p:cNvCxnSpPr>
+          <p:nvPr>
+            <p:extLst>
+              <p:ext uri="{386F3935-93C4-4BCD-93E2-E3B085C9AB24}">
+                <p16:designElem xmlns:p16="http://schemas.microsoft.com/office/powerpoint/2015/main" val="1"/>
+              </p:ext>
+            </p:extLst>
+          </p:nvPr>
+        </p:nvCxnSpPr>
+        <p:spPr>
+          <a:xfrm>
+            <a:off x="8094447" y="4459986"/>
+            <a:ext cx="3291840" cy="0"/>
+          </a:xfrm>
+          <a:prstGeom prst="line">
+            <a:avLst/>
+          </a:prstGeom>
+          <a:ln w="19050">
+            <a:solidFill>
+              <a:schemeClr val="accent1"/>
+            </a:solidFill>
+          </a:ln>
+        </p:spPr>
+        <p:style>
+          <a:lnRef idx="1">
+            <a:schemeClr val="accent1"/>
+          </a:lnRef>
+          <a:fillRef idx="0">
+            <a:schemeClr val="accent1"/>
+          </a:fillRef>
+          <a:effectRef idx="0">
+            <a:schemeClr val="accent1"/>
+          </a:effectRef>
+          <a:fontRef idx="minor">
+            <a:schemeClr val="tx1"/>
+          </a:fontRef>
+        </p:style>
+      </p:cxnSp>
+      <p:sp>
+        <p:nvSpPr>
+          <p:cNvPr id="54" name="Rectangle 53">
+            <a:extLst>
+              <a:ext uri="{FF2B5EF4-FFF2-40B4-BE49-F238E27FC236}">
+                <a16:creationId xmlns:a16="http://schemas.microsoft.com/office/drawing/2014/main" id="{603048E1-11E3-4B72-891C-E2B9C6B1C3ED}"/>
+              </a:ext>
+            </a:extLst>
+          </p:cNvPr>
+          <p:cNvSpPr>
+            <a:spLocks noGrp="1" noRot="1" noChangeAspect="1" noMove="1" noResize="1" noEditPoints="1" noAdjustHandles="1" noChangeArrowheads="1" noChangeShapeType="1" noTextEdit="1"/>
+          </p:cNvSpPr>
+          <p:nvPr>
+            <p:extLst>
+              <p:ext uri="{386F3935-93C4-4BCD-93E2-E3B085C9AB24}">
+                <p16:designElem xmlns:p16="http://schemas.microsoft.com/office/powerpoint/2015/main" val="1"/>
+              </p:ext>
+            </p:extLst>
+          </p:nvPr>
+        </p:nvSpPr>
+        <p:spPr>
+          <a:xfrm>
+            <a:off x="484633" y="2503727"/>
+            <a:ext cx="4008798" cy="3883357"/>
+          </a:xfrm>
+          <a:prstGeom prst="rect">
+            <a:avLst/>
+          </a:prstGeom>
+          <a:solidFill>
+            <a:srgbClr val="FFFFFF"/>
+          </a:solidFill>
+          <a:ln>
+            <a:noFill/>
+          </a:ln>
+        </p:spPr>
+        <p:style>
+          <a:lnRef idx="2">
+            <a:schemeClr val="accent1">
+              <a:shade val="50000"/>
+            </a:schemeClr>
+          </a:lnRef>
+          <a:fillRef idx="1">
+            <a:schemeClr val="accent1"/>
+          </a:fillRef>
+          <a:effectRef idx="0">
+            <a:schemeClr val="accent1"/>
+          </a:effectRef>
+          <a:fontRef idx="minor">
+            <a:schemeClr val="lt1"/>
+          </a:fontRef>
+        </p:style>
+        <p:txBody>
+          <a:bodyPr rtlCol="0" anchor="ctr"/>
+          <a:lstStyle/>
+          <a:p>
+            <a:pPr algn="ctr"/>
+            <a:endParaRPr lang="en-US"/>
+          </a:p>
+        </p:txBody>
+      </p:sp>
+      <p:pic>
+        <p:nvPicPr>
+          <p:cNvPr id="39" name="그림 38" descr="C:\Users\yeongje\Documents\반디카메라\Cap 2017-10-27 16-14-42-780.png">
+            <a:extLst>
+              <a:ext uri="{FF2B5EF4-FFF2-40B4-BE49-F238E27FC236}">
+                <a16:creationId xmlns:a16="http://schemas.microsoft.com/office/drawing/2014/main" id="{0B233C73-EC3A-408B-A158-02C6B299BC12}"/>
+              </a:ext>
+            </a:extLst>
+          </p:cNvPr>
+          <p:cNvPicPr/>
+          <p:nvPr/>
+        </p:nvPicPr>
+        <p:blipFill>
+          <a:blip r:embed="rId2" cstate="print">
+            <a:extLst>
+              <a:ext uri="{28A0092B-C50C-407E-A947-70E740481C1C}">
+                <a14:useLocalDpi xmlns:a14="http://schemas.microsoft.com/office/drawing/2010/main" val="0"/>
+              </a:ext>
+            </a:extLst>
+          </a:blip>
+          <a:srcRect/>
+          <a:stretch>
+            <a:fillRect/>
+          </a:stretch>
+        </p:blipFill>
+        <p:spPr bwMode="auto">
+          <a:xfrm>
+            <a:off x="4673587" y="4267080"/>
+            <a:ext cx="2093976" cy="1570308"/>
+          </a:xfrm>
+          <a:prstGeom prst="rect">
+            <a:avLst/>
+          </a:prstGeom>
+          <a:noFill/>
+        </p:spPr>
+      </p:pic>
+      <p:pic>
+        <p:nvPicPr>
+          <p:cNvPr id="33" name="그림 32" descr="C:\Users\yeongje\Documents\반디카메라\Cap 2017-10-27 16-14-26-836.png">
+            <a:extLst>
+              <a:ext uri="{FF2B5EF4-FFF2-40B4-BE49-F238E27FC236}">
+                <a16:creationId xmlns:a16="http://schemas.microsoft.com/office/drawing/2014/main" id="{F6EAD888-532B-4CD5-B036-C0028EC87CB6}"/>
+              </a:ext>
+            </a:extLst>
+          </p:cNvPr>
+          <p:cNvPicPr/>
+          <p:nvPr/>
+        </p:nvPicPr>
+        <p:blipFill>
+          <a:blip r:embed="rId3" cstate="print">
+            <a:extLst>
+              <a:ext uri="{28A0092B-C50C-407E-A947-70E740481C1C}">
+                <a14:useLocalDpi xmlns:a14="http://schemas.microsoft.com/office/drawing/2010/main" val="0"/>
+              </a:ext>
+            </a:extLst>
+          </a:blip>
+          <a:srcRect/>
+          <a:stretch>
+            <a:fillRect/>
+          </a:stretch>
+        </p:blipFill>
+        <p:spPr bwMode="auto">
+          <a:xfrm>
+            <a:off x="4692880" y="1288308"/>
+            <a:ext cx="2373795" cy="762133"/>
+          </a:xfrm>
+          <a:prstGeom prst="rect">
+            <a:avLst/>
+          </a:prstGeom>
+          <a:noFill/>
+        </p:spPr>
+      </p:pic>
+      <p:pic>
+        <p:nvPicPr>
+          <p:cNvPr id="6" name="그림 5" descr="C:\Users\yeongje\Documents\반디카메라\Cap 2017-10-27 16-15-48-173.png">
+            <a:extLst>
+              <a:ext uri="{FF2B5EF4-FFF2-40B4-BE49-F238E27FC236}">
+                <a16:creationId xmlns:a16="http://schemas.microsoft.com/office/drawing/2014/main" id="{04EDC8D4-24C5-439F-AE0B-C9F9D72D19C0}"/>
+              </a:ext>
+            </a:extLst>
+          </p:cNvPr>
+          <p:cNvPicPr/>
+          <p:nvPr/>
+        </p:nvPicPr>
+        <p:blipFill>
+          <a:blip r:embed="rId4" cstate="print">
+            <a:extLst>
+              <a:ext uri="{28A0092B-C50C-407E-A947-70E740481C1C}">
+                <a14:useLocalDpi xmlns:a14="http://schemas.microsoft.com/office/drawing/2010/main" val="0"/>
+              </a:ext>
+            </a:extLst>
+          </a:blip>
+          <a:srcRect/>
+          <a:stretch>
+            <a:fillRect/>
+          </a:stretch>
+        </p:blipFill>
+        <p:spPr bwMode="auto">
+          <a:xfrm>
+            <a:off x="805712" y="2942629"/>
+            <a:ext cx="3004287" cy="2666130"/>
+          </a:xfrm>
+          <a:prstGeom prst="rect">
+            <a:avLst/>
+          </a:prstGeom>
+          <a:noFill/>
+        </p:spPr>
+      </p:pic>
+      <p:pic>
+        <p:nvPicPr>
+          <p:cNvPr id="7" name="그림 6" descr="스크린샷이(가) 표시된 사진&#10;&#10;매우 높은 신뢰도로 생성된 설명">
+            <a:extLst>
+              <a:ext uri="{FF2B5EF4-FFF2-40B4-BE49-F238E27FC236}">
+                <a16:creationId xmlns:a16="http://schemas.microsoft.com/office/drawing/2014/main" id="{6836DA4C-151A-442E-83CF-A8A38F6FD3D0}"/>
+              </a:ext>
+            </a:extLst>
+          </p:cNvPr>
+          <p:cNvPicPr>
+            <a:picLocks noChangeAspect="1"/>
+          </p:cNvPicPr>
+          <p:nvPr/>
+        </p:nvPicPr>
+        <p:blipFill>
+          <a:blip r:embed="rId5"/>
+          <a:stretch>
+            <a:fillRect/>
+          </a:stretch>
+        </p:blipFill>
+        <p:spPr>
+          <a:xfrm>
+            <a:off x="1568577" y="1249241"/>
+            <a:ext cx="2702273" cy="344539"/>
+          </a:xfrm>
+          <a:prstGeom prst="rect">
+            <a:avLst/>
+          </a:prstGeom>
+        </p:spPr>
+      </p:pic>
+      <p:sp>
+        <p:nvSpPr>
+          <p:cNvPr id="5" name="TextBox 4">
+            <a:extLst>
+              <a:ext uri="{FF2B5EF4-FFF2-40B4-BE49-F238E27FC236}">
+                <a16:creationId xmlns:a16="http://schemas.microsoft.com/office/drawing/2014/main" id="{B055F13D-D6A1-48E3-9019-67493545A6C4}"/>
+              </a:ext>
+            </a:extLst>
+          </p:cNvPr>
+          <p:cNvSpPr txBox="1"/>
+          <p:nvPr/>
+        </p:nvSpPr>
+        <p:spPr>
+          <a:xfrm>
+            <a:off x="8019286" y="481264"/>
+            <a:ext cx="3702251" cy="3978722"/>
+          </a:xfrm>
+          <a:prstGeom prst="rect">
+            <a:avLst/>
+          </a:prstGeom>
+        </p:spPr>
+        <p:txBody>
+          <a:bodyPr vert="horz" lIns="91440" tIns="45720" rIns="91440" bIns="45720" rtlCol="0" anchor="b">
+            <a:normAutofit/>
+          </a:bodyPr>
+          <a:lstStyle/>
+          <a:p>
+            <a:pPr latinLnBrk="0">
+              <a:lnSpc>
+                <a:spcPct val="90000"/>
+              </a:lnSpc>
+              <a:spcBef>
+                <a:spcPct val="0"/>
+              </a:spcBef>
+              <a:spcAft>
+                <a:spcPts val="600"/>
+              </a:spcAft>
+            </a:pPr>
+            <a:r>
+              <a:rPr lang="en-US" altLang="ko-KR" sz="4800" b="1" dirty="0">
+                <a:latin typeface="+mj-lt"/>
+                <a:ea typeface="+mj-ea"/>
+                <a:cs typeface="+mj-cs"/>
+              </a:rPr>
+              <a:t>Assignment pages</a:t>
+            </a:r>
+          </a:p>
+        </p:txBody>
+      </p:sp>
+      <p:sp>
+        <p:nvSpPr>
+          <p:cNvPr id="2" name="TextBox 1">
+            <a:extLst>
+              <a:ext uri="{FF2B5EF4-FFF2-40B4-BE49-F238E27FC236}">
+                <a16:creationId xmlns:a16="http://schemas.microsoft.com/office/drawing/2014/main" id="{CE5A7E44-E3D4-40B7-AF18-8BC4B73CD4FD}"/>
+              </a:ext>
+            </a:extLst>
+          </p:cNvPr>
+          <p:cNvSpPr txBox="1"/>
+          <p:nvPr/>
+        </p:nvSpPr>
+        <p:spPr>
+          <a:xfrm>
+            <a:off x="825004" y="2584679"/>
+            <a:ext cx="3004287" cy="276999"/>
+          </a:xfrm>
+          <a:prstGeom prst="rect">
+            <a:avLst/>
+          </a:prstGeom>
+          <a:noFill/>
+        </p:spPr>
+        <p:txBody>
+          <a:bodyPr wrap="square" rtlCol="0">
+            <a:spAutoFit/>
+          </a:bodyPr>
+          <a:lstStyle/>
+          <a:p>
+            <a:r>
+              <a:rPr lang="en-US" altLang="ko-KR" sz="1200" dirty="0"/>
+              <a:t>Upload Assignment</a:t>
+            </a:r>
+            <a:endParaRPr lang="ko-KR" altLang="en-US" sz="1200" dirty="0"/>
+          </a:p>
+        </p:txBody>
+      </p:sp>
+      <p:sp>
+        <p:nvSpPr>
+          <p:cNvPr id="3" name="TextBox 2">
+            <a:extLst>
+              <a:ext uri="{FF2B5EF4-FFF2-40B4-BE49-F238E27FC236}">
+                <a16:creationId xmlns:a16="http://schemas.microsoft.com/office/drawing/2014/main" id="{8A5524E3-93F6-47A2-88F7-60FC2657C167}"/>
+              </a:ext>
+            </a:extLst>
+          </p:cNvPr>
+          <p:cNvSpPr txBox="1"/>
+          <p:nvPr/>
+        </p:nvSpPr>
+        <p:spPr>
+          <a:xfrm>
+            <a:off x="4692880" y="3620749"/>
+            <a:ext cx="2093975" cy="276999"/>
+          </a:xfrm>
+          <a:prstGeom prst="rect">
+            <a:avLst/>
+          </a:prstGeom>
+          <a:noFill/>
+        </p:spPr>
+        <p:txBody>
+          <a:bodyPr wrap="square" rtlCol="0">
+            <a:spAutoFit/>
+          </a:bodyPr>
+          <a:lstStyle/>
+          <a:p>
+            <a:r>
+              <a:rPr lang="en-US" altLang="ko-KR" sz="1200" dirty="0"/>
+              <a:t>Submit Assignment</a:t>
+            </a:r>
+            <a:endParaRPr lang="ko-KR" altLang="en-US" sz="1200" dirty="0"/>
+          </a:p>
+        </p:txBody>
+      </p:sp>
+      <p:sp>
+        <p:nvSpPr>
+          <p:cNvPr id="16" name="직사각형 15">
+            <a:extLst>
+              <a:ext uri="{FF2B5EF4-FFF2-40B4-BE49-F238E27FC236}">
+                <a16:creationId xmlns:a16="http://schemas.microsoft.com/office/drawing/2014/main" id="{03F5D96B-4753-4197-9108-37E2FCB2CB87}"/>
+              </a:ext>
+            </a:extLst>
+          </p:cNvPr>
+          <p:cNvSpPr/>
+          <p:nvPr/>
+        </p:nvSpPr>
+        <p:spPr>
+          <a:xfrm>
+            <a:off x="1568577" y="807650"/>
+            <a:ext cx="1457450" cy="276999"/>
+          </a:xfrm>
+          <a:prstGeom prst="rect">
+            <a:avLst/>
+          </a:prstGeom>
+        </p:spPr>
+        <p:txBody>
+          <a:bodyPr wrap="none">
+            <a:spAutoFit/>
+          </a:bodyPr>
+          <a:lstStyle/>
+          <a:p>
+            <a:r>
+              <a:rPr lang="en-US" altLang="ko-KR" sz="1200" dirty="0"/>
+              <a:t>Assignment Detail</a:t>
+            </a:r>
+            <a:endParaRPr lang="ko-KR" altLang="en-US" sz="1200" dirty="0"/>
+          </a:p>
+        </p:txBody>
+      </p:sp>
+      <p:sp>
+        <p:nvSpPr>
+          <p:cNvPr id="17" name="직사각형 16">
+            <a:extLst>
+              <a:ext uri="{FF2B5EF4-FFF2-40B4-BE49-F238E27FC236}">
+                <a16:creationId xmlns:a16="http://schemas.microsoft.com/office/drawing/2014/main" id="{DFCDD531-1C58-4F3B-81F7-6F9D33F0AB97}"/>
+              </a:ext>
+            </a:extLst>
+          </p:cNvPr>
+          <p:cNvSpPr/>
+          <p:nvPr/>
+        </p:nvSpPr>
+        <p:spPr>
+          <a:xfrm>
+            <a:off x="4673587" y="780476"/>
+            <a:ext cx="1457450" cy="276999"/>
+          </a:xfrm>
+          <a:prstGeom prst="rect">
+            <a:avLst/>
+          </a:prstGeom>
+        </p:spPr>
+        <p:txBody>
+          <a:bodyPr wrap="none">
+            <a:spAutoFit/>
+          </a:bodyPr>
+          <a:lstStyle/>
+          <a:p>
+            <a:r>
+              <a:rPr lang="en-US" altLang="ko-KR" sz="1200" dirty="0"/>
+              <a:t>Assignment Detail</a:t>
+            </a:r>
+            <a:endParaRPr lang="ko-KR" altLang="en-US" sz="1200" dirty="0"/>
+          </a:p>
+        </p:txBody>
+      </p:sp>
+    </p:spTree>
+    <p:extLst>
+      <p:ext uri="{BB962C8B-B14F-4D97-AF65-F5344CB8AC3E}">
+        <p14:creationId xmlns:p14="http://schemas.microsoft.com/office/powerpoint/2010/main" val="2954874748"/>
+      </p:ext>
+    </p:extLst>
+  </p:cSld>
+  <p:clrMapOvr>
+    <a:masterClrMapping/>
+  </p:clrMapOvr>
+</p:sld>
+</file>
+
+<file path=ppt/slides/slide13.xml><?xml version="1.0" encoding="utf-8"?>
+<p:sld xmlns:a="http://schemas.openxmlformats.org/drawingml/2006/main" xmlns:r="http://schemas.openxmlformats.org/officeDocument/2006/relationships" xmlns:p="http://schemas.openxmlformats.org/presentationml/2006/main">
+  <p:cSld>
+    <p:bg>
+      <p:bgPr>
+        <a:solidFill>
+          <a:schemeClr val="bg1"/>
+        </a:solidFill>
+        <a:effectLst/>
+      </p:bgPr>
+    </p:bg>
+    <p:spTree>
+      <p:nvGrpSpPr>
+        <p:cNvPr id="1" name=""/>
+        <p:cNvGrpSpPr/>
+        <p:nvPr/>
+      </p:nvGrpSpPr>
+      <p:grpSpPr>
+        <a:xfrm>
+          <a:off x="0" y="0"/>
+          <a:ext cx="0" cy="0"/>
+          <a:chOff x="0" y="0"/>
+          <a:chExt cx="0" cy="0"/>
+        </a:xfrm>
+      </p:grpSpPr>
+      <p:sp>
+        <p:nvSpPr>
+          <p:cNvPr id="12" name="Rectangle 11">
+            <a:extLst>
+              <a:ext uri="{FF2B5EF4-FFF2-40B4-BE49-F238E27FC236}">
+                <a16:creationId xmlns:a16="http://schemas.microsoft.com/office/drawing/2014/main" id="{8C067E67-F226-4A07-891D-B5580D7F69B9}"/>
+              </a:ext>
+            </a:extLst>
+          </p:cNvPr>
+          <p:cNvSpPr>
+            <a:spLocks noGrp="1" noRot="1" noChangeAspect="1" noMove="1" noResize="1" noEditPoints="1" noAdjustHandles="1" noChangeArrowheads="1" noChangeShapeType="1" noTextEdit="1"/>
+          </p:cNvSpPr>
+          <p:nvPr>
+            <p:extLst>
+              <p:ext uri="{386F3935-93C4-4BCD-93E2-E3B085C9AB24}">
+                <p16:designElem xmlns:p16="http://schemas.microsoft.com/office/powerpoint/2015/main" val="1"/>
+              </p:ext>
+            </p:extLst>
+          </p:nvPr>
+        </p:nvSpPr>
+        <p:spPr>
+          <a:xfrm>
+            <a:off x="-2" y="0"/>
+            <a:ext cx="7534657" cy="6858000"/>
+          </a:xfrm>
+          <a:prstGeom prst="rect">
+            <a:avLst/>
+          </a:prstGeom>
+          <a:ln>
+            <a:noFill/>
+          </a:ln>
+        </p:spPr>
+        <p:style>
+          <a:lnRef idx="2">
+            <a:schemeClr val="accent1">
+              <a:shade val="50000"/>
+            </a:schemeClr>
+          </a:lnRef>
+          <a:fillRef idx="1">
+            <a:schemeClr val="accent1"/>
+          </a:fillRef>
+          <a:effectRef idx="0">
+            <a:schemeClr val="accent1"/>
+          </a:effectRef>
+          <a:fontRef idx="minor">
+            <a:schemeClr val="lt1"/>
+          </a:fontRef>
+        </p:style>
+        <p:txBody>
+          <a:bodyPr rtlCol="0" anchor="ctr"/>
+          <a:lstStyle/>
+          <a:p>
+            <a:pPr algn="ctr"/>
+            <a:endParaRPr lang="en-US"/>
+          </a:p>
+        </p:txBody>
+      </p:sp>
+      <p:sp>
+        <p:nvSpPr>
+          <p:cNvPr id="14" name="Rectangle 13">
+            <a:extLst>
+              <a:ext uri="{FF2B5EF4-FFF2-40B4-BE49-F238E27FC236}">
+                <a16:creationId xmlns:a16="http://schemas.microsoft.com/office/drawing/2014/main" id="{B529420B-B50B-4A54-936F-33426CB9D5C5}"/>
+              </a:ext>
+            </a:extLst>
+          </p:cNvPr>
+          <p:cNvSpPr>
+            <a:spLocks noGrp="1" noRot="1" noChangeAspect="1" noMove="1" noResize="1" noEditPoints="1" noAdjustHandles="1" noChangeArrowheads="1" noChangeShapeType="1" noTextEdit="1"/>
+          </p:cNvSpPr>
+          <p:nvPr>
+            <p:extLst>
+              <p:ext uri="{386F3935-93C4-4BCD-93E2-E3B085C9AB24}">
+                <p16:designElem xmlns:p16="http://schemas.microsoft.com/office/powerpoint/2015/main" val="1"/>
+              </p:ext>
+            </p:extLst>
+          </p:nvPr>
+        </p:nvSpPr>
+        <p:spPr>
+          <a:xfrm>
+            <a:off x="2070271" y="481264"/>
+            <a:ext cx="2423160" cy="1857871"/>
+          </a:xfrm>
+          <a:prstGeom prst="rect">
+            <a:avLst/>
+          </a:prstGeom>
+          <a:solidFill>
+            <a:schemeClr val="accent1">
+              <a:lumMod val="60000"/>
+              <a:lumOff val="40000"/>
+            </a:schemeClr>
+          </a:solidFill>
+          <a:ln>
+            <a:noFill/>
+          </a:ln>
+        </p:spPr>
+        <p:style>
+          <a:lnRef idx="2">
+            <a:schemeClr val="accent1">
+              <a:shade val="50000"/>
+            </a:schemeClr>
+          </a:lnRef>
+          <a:fillRef idx="1">
+            <a:schemeClr val="accent1"/>
+          </a:fillRef>
+          <a:effectRef idx="0">
+            <a:schemeClr val="accent1"/>
+          </a:effectRef>
+          <a:fontRef idx="minor">
+            <a:schemeClr val="lt1"/>
+          </a:fontRef>
+        </p:style>
+        <p:txBody>
+          <a:bodyPr rtlCol="0" anchor="ctr"/>
+          <a:lstStyle/>
+          <a:p>
+            <a:pPr algn="ctr"/>
+            <a:endParaRPr lang="en-US"/>
+          </a:p>
+        </p:txBody>
+      </p:sp>
+      <p:sp>
+        <p:nvSpPr>
+          <p:cNvPr id="16" name="Rectangle 15">
+            <a:extLst>
+              <a:ext uri="{FF2B5EF4-FFF2-40B4-BE49-F238E27FC236}">
+                <a16:creationId xmlns:a16="http://schemas.microsoft.com/office/drawing/2014/main" id="{F6464B0F-EE77-49FE-A1CD-2E01ADC30C9F}"/>
+              </a:ext>
+            </a:extLst>
+          </p:cNvPr>
+          <p:cNvSpPr>
+            <a:spLocks noGrp="1" noRot="1" noChangeAspect="1" noMove="1" noResize="1" noEditPoints="1" noAdjustHandles="1" noChangeArrowheads="1" noChangeShapeType="1" noTextEdit="1"/>
+          </p:cNvSpPr>
+          <p:nvPr>
+            <p:extLst>
+              <p:ext uri="{386F3935-93C4-4BCD-93E2-E3B085C9AB24}">
+                <p16:designElem xmlns:p16="http://schemas.microsoft.com/office/powerpoint/2015/main" val="1"/>
+              </p:ext>
+            </p:extLst>
+          </p:nvPr>
+        </p:nvSpPr>
+        <p:spPr>
+          <a:xfrm>
+            <a:off x="4654295" y="4870580"/>
+            <a:ext cx="2412380" cy="1516504"/>
+          </a:xfrm>
+          <a:prstGeom prst="rect">
+            <a:avLst/>
+          </a:prstGeom>
+          <a:solidFill>
+            <a:schemeClr val="accent1">
+              <a:lumMod val="75000"/>
+            </a:schemeClr>
+          </a:solidFill>
+          <a:ln>
+            <a:noFill/>
+          </a:ln>
+        </p:spPr>
+        <p:style>
+          <a:lnRef idx="2">
+            <a:schemeClr val="accent1">
+              <a:shade val="50000"/>
+            </a:schemeClr>
+          </a:lnRef>
+          <a:fillRef idx="1">
+            <a:schemeClr val="accent1"/>
+          </a:fillRef>
+          <a:effectRef idx="0">
+            <a:schemeClr val="accent1"/>
+          </a:effectRef>
+          <a:fontRef idx="minor">
+            <a:schemeClr val="lt1"/>
+          </a:fontRef>
+        </p:style>
+        <p:txBody>
+          <a:bodyPr rtlCol="0" anchor="ctr"/>
+          <a:lstStyle/>
+          <a:p>
+            <a:pPr algn="ctr"/>
+            <a:endParaRPr lang="en-US"/>
+          </a:p>
+        </p:txBody>
+      </p:sp>
+      <p:sp>
+        <p:nvSpPr>
+          <p:cNvPr id="18" name="Rectangle 17">
+            <a:extLst>
+              <a:ext uri="{FF2B5EF4-FFF2-40B4-BE49-F238E27FC236}">
+                <a16:creationId xmlns:a16="http://schemas.microsoft.com/office/drawing/2014/main" id="{230C9C84-87F1-4080-BC53-1A96E8260901}"/>
+              </a:ext>
+            </a:extLst>
+          </p:cNvPr>
+          <p:cNvSpPr>
+            <a:spLocks noGrp="1" noRot="1" noChangeAspect="1" noMove="1" noResize="1" noEditPoints="1" noAdjustHandles="1" noChangeArrowheads="1" noChangeShapeType="1" noTextEdit="1"/>
+          </p:cNvSpPr>
+          <p:nvPr>
+            <p:extLst>
+              <p:ext uri="{386F3935-93C4-4BCD-93E2-E3B085C9AB24}">
+                <p16:designElem xmlns:p16="http://schemas.microsoft.com/office/powerpoint/2015/main" val="1"/>
+              </p:ext>
+            </p:extLst>
+          </p:nvPr>
+        </p:nvSpPr>
+        <p:spPr>
+          <a:xfrm>
+            <a:off x="4654296" y="481264"/>
+            <a:ext cx="2412380" cy="1857871"/>
+          </a:xfrm>
+          <a:prstGeom prst="rect">
+            <a:avLst/>
+          </a:prstGeom>
+          <a:solidFill>
+            <a:srgbClr val="FFFFFF"/>
+          </a:solidFill>
+          <a:ln>
+            <a:noFill/>
+          </a:ln>
+        </p:spPr>
+        <p:style>
+          <a:lnRef idx="2">
+            <a:schemeClr val="accent1">
+              <a:shade val="50000"/>
+            </a:schemeClr>
+          </a:lnRef>
+          <a:fillRef idx="1">
+            <a:schemeClr val="accent1"/>
+          </a:fillRef>
+          <a:effectRef idx="0">
+            <a:schemeClr val="accent1"/>
+          </a:effectRef>
+          <a:fontRef idx="minor">
+            <a:schemeClr val="lt1"/>
+          </a:fontRef>
+        </p:style>
+        <p:txBody>
+          <a:bodyPr rtlCol="0" anchor="ctr"/>
+          <a:lstStyle/>
+          <a:p>
+            <a:pPr algn="ctr"/>
+            <a:endParaRPr lang="en-US"/>
+          </a:p>
+        </p:txBody>
+      </p:sp>
+      <p:cxnSp>
+        <p:nvCxnSpPr>
+          <p:cNvPr id="20" name="Straight Connector 19">
+            <a:extLst>
+              <a:ext uri="{FF2B5EF4-FFF2-40B4-BE49-F238E27FC236}">
+                <a16:creationId xmlns:a16="http://schemas.microsoft.com/office/drawing/2014/main" id="{C4A939E8-D608-4CBE-B408-027E7D5A7B6B}"/>
+              </a:ext>
+            </a:extLst>
+          </p:cNvPr>
+          <p:cNvCxnSpPr>
+            <a:cxnSpLocks noGrp="1" noRot="1" noChangeAspect="1" noMove="1" noResize="1" noEditPoints="1" noAdjustHandles="1" noChangeArrowheads="1" noChangeShapeType="1"/>
+          </p:cNvCxnSpPr>
+          <p:nvPr>
+            <p:extLst>
+              <p:ext uri="{386F3935-93C4-4BCD-93E2-E3B085C9AB24}">
+                <p16:designElem xmlns:p16="http://schemas.microsoft.com/office/powerpoint/2015/main" val="1"/>
+              </p:ext>
+            </p:extLst>
+          </p:nvPr>
+        </p:nvCxnSpPr>
+        <p:spPr>
+          <a:xfrm>
+            <a:off x="8094447" y="4459986"/>
+            <a:ext cx="3291840" cy="0"/>
+          </a:xfrm>
+          <a:prstGeom prst="line">
+            <a:avLst/>
+          </a:prstGeom>
+          <a:ln w="19050">
+            <a:solidFill>
+              <a:schemeClr val="accent1"/>
+            </a:solidFill>
+          </a:ln>
+        </p:spPr>
+        <p:style>
+          <a:lnRef idx="1">
+            <a:schemeClr val="accent1"/>
+          </a:lnRef>
+          <a:fillRef idx="0">
+            <a:schemeClr val="accent1"/>
+          </a:fillRef>
+          <a:effectRef idx="0">
+            <a:schemeClr val="accent1"/>
+          </a:effectRef>
+          <a:fontRef idx="minor">
+            <a:schemeClr val="tx1"/>
+          </a:fontRef>
+        </p:style>
+      </p:cxnSp>
+      <p:sp>
+        <p:nvSpPr>
+          <p:cNvPr id="22" name="Rectangle 21">
+            <a:extLst>
+              <a:ext uri="{FF2B5EF4-FFF2-40B4-BE49-F238E27FC236}">
+                <a16:creationId xmlns:a16="http://schemas.microsoft.com/office/drawing/2014/main" id="{86BECE06-F859-4BF0-99BF-5412160D1CE6}"/>
+              </a:ext>
+            </a:extLst>
+          </p:cNvPr>
+          <p:cNvSpPr>
+            <a:spLocks noGrp="1" noRot="1" noChangeAspect="1" noMove="1" noResize="1" noEditPoints="1" noAdjustHandles="1" noChangeArrowheads="1" noChangeShapeType="1" noTextEdit="1"/>
+          </p:cNvSpPr>
+          <p:nvPr>
+            <p:extLst>
+              <p:ext uri="{386F3935-93C4-4BCD-93E2-E3B085C9AB24}">
+                <p16:designElem xmlns:p16="http://schemas.microsoft.com/office/powerpoint/2015/main" val="1"/>
+              </p:ext>
+            </p:extLst>
+          </p:nvPr>
+        </p:nvSpPr>
+        <p:spPr>
+          <a:xfrm>
+            <a:off x="484633" y="2503727"/>
+            <a:ext cx="4008798" cy="3883357"/>
+          </a:xfrm>
+          <a:prstGeom prst="rect">
+            <a:avLst/>
+          </a:prstGeom>
+          <a:solidFill>
+            <a:srgbClr val="FFFFFF"/>
+          </a:solidFill>
+          <a:ln>
+            <a:noFill/>
+          </a:ln>
+        </p:spPr>
+        <p:style>
+          <a:lnRef idx="2">
+            <a:schemeClr val="accent1">
+              <a:shade val="50000"/>
+            </a:schemeClr>
+          </a:lnRef>
+          <a:fillRef idx="1">
+            <a:schemeClr val="accent1"/>
+          </a:fillRef>
+          <a:effectRef idx="0">
+            <a:schemeClr val="accent1"/>
+          </a:effectRef>
+          <a:fontRef idx="minor">
+            <a:schemeClr val="lt1"/>
+          </a:fontRef>
+        </p:style>
+        <p:txBody>
+          <a:bodyPr rtlCol="0" anchor="ctr"/>
+          <a:lstStyle/>
+          <a:p>
+            <a:pPr algn="ctr"/>
+            <a:endParaRPr lang="en-US"/>
+          </a:p>
+        </p:txBody>
+      </p:sp>
+      <p:pic>
+        <p:nvPicPr>
+          <p:cNvPr id="6" name="그림 5" descr="C:\Users\yeongje\Documents\반디카메라\Cap 2017-10-27 16-14-59-608.png">
+            <a:extLst>
+              <a:ext uri="{FF2B5EF4-FFF2-40B4-BE49-F238E27FC236}">
+                <a16:creationId xmlns:a16="http://schemas.microsoft.com/office/drawing/2014/main" id="{FEBCACD3-E478-4769-B293-2EDAA8275BF3}"/>
+              </a:ext>
+            </a:extLst>
+          </p:cNvPr>
+          <p:cNvPicPr/>
+          <p:nvPr/>
+        </p:nvPicPr>
+        <p:blipFill>
+          <a:blip r:embed="rId2" cstate="print">
+            <a:extLst>
+              <a:ext uri="{28A0092B-C50C-407E-A947-70E740481C1C}">
+                <a14:useLocalDpi xmlns:a14="http://schemas.microsoft.com/office/drawing/2010/main" val="0"/>
+              </a:ext>
+            </a:extLst>
+          </a:blip>
+          <a:srcRect/>
+          <a:stretch>
+            <a:fillRect/>
+          </a:stretch>
+        </p:blipFill>
+        <p:spPr bwMode="auto">
+          <a:xfrm>
+            <a:off x="4813498" y="1054223"/>
+            <a:ext cx="2093976" cy="711951"/>
+          </a:xfrm>
+          <a:prstGeom prst="rect">
+            <a:avLst/>
+          </a:prstGeom>
+          <a:noFill/>
+        </p:spPr>
+      </p:pic>
+      <p:pic>
+        <p:nvPicPr>
+          <p:cNvPr id="7" name="그림 6" descr="스크린샷이(가) 표시된 사진&#10;&#10;매우 높은 신뢰도로 생성된 설명">
+            <a:extLst>
+              <a:ext uri="{FF2B5EF4-FFF2-40B4-BE49-F238E27FC236}">
+                <a16:creationId xmlns:a16="http://schemas.microsoft.com/office/drawing/2014/main" id="{174A19D7-0255-4DCA-BC71-C4769C889EA2}"/>
+              </a:ext>
+            </a:extLst>
+          </p:cNvPr>
+          <p:cNvPicPr>
+            <a:picLocks noChangeAspect="1"/>
+          </p:cNvPicPr>
+          <p:nvPr/>
+        </p:nvPicPr>
+        <p:blipFill>
+          <a:blip r:embed="rId3"/>
+          <a:stretch>
+            <a:fillRect/>
+          </a:stretch>
+        </p:blipFill>
+        <p:spPr>
+          <a:xfrm>
+            <a:off x="646516" y="3455053"/>
+            <a:ext cx="3685032" cy="1980704"/>
+          </a:xfrm>
+          <a:prstGeom prst="rect">
+            <a:avLst/>
+          </a:prstGeom>
+        </p:spPr>
+      </p:pic>
+      <p:sp>
+        <p:nvSpPr>
+          <p:cNvPr id="24" name="Rectangle 23">
+            <a:extLst>
+              <a:ext uri="{FF2B5EF4-FFF2-40B4-BE49-F238E27FC236}">
+                <a16:creationId xmlns:a16="http://schemas.microsoft.com/office/drawing/2014/main" id="{136D55F9-4B13-4239-BB38-0196B10B2D78}"/>
+              </a:ext>
+            </a:extLst>
+          </p:cNvPr>
+          <p:cNvSpPr>
+            <a:spLocks noGrp="1" noRot="1" noChangeAspect="1" noMove="1" noResize="1" noEditPoints="1" noAdjustHandles="1" noChangeArrowheads="1" noChangeShapeType="1" noTextEdit="1"/>
+          </p:cNvSpPr>
+          <p:nvPr>
+            <p:extLst>
+              <p:ext uri="{386F3935-93C4-4BCD-93E2-E3B085C9AB24}">
+                <p16:designElem xmlns:p16="http://schemas.microsoft.com/office/powerpoint/2015/main" val="1"/>
+              </p:ext>
+            </p:extLst>
+          </p:nvPr>
+        </p:nvSpPr>
+        <p:spPr>
+          <a:xfrm>
+            <a:off x="4654296" y="2500064"/>
+            <a:ext cx="2412380" cy="2209676"/>
+          </a:xfrm>
+          <a:prstGeom prst="rect">
+            <a:avLst/>
+          </a:prstGeom>
+          <a:solidFill>
+            <a:srgbClr val="FFFFFF"/>
+          </a:solidFill>
+          <a:ln>
+            <a:noFill/>
+          </a:ln>
+        </p:spPr>
+        <p:style>
+          <a:lnRef idx="2">
+            <a:schemeClr val="accent1">
+              <a:shade val="50000"/>
+            </a:schemeClr>
+          </a:lnRef>
+          <a:fillRef idx="1">
+            <a:schemeClr val="accent1"/>
+          </a:fillRef>
+          <a:effectRef idx="0">
+            <a:schemeClr val="accent1"/>
+          </a:effectRef>
+          <a:fontRef idx="minor">
+            <a:schemeClr val="lt1"/>
+          </a:fontRef>
+        </p:style>
+        <p:txBody>
+          <a:bodyPr rtlCol="0" anchor="ctr"/>
+          <a:lstStyle/>
+          <a:p>
+            <a:pPr algn="ctr"/>
+            <a:endParaRPr lang="en-US"/>
+          </a:p>
+        </p:txBody>
+      </p:sp>
+      <p:pic>
+        <p:nvPicPr>
+          <p:cNvPr id="5" name="그림 4" descr="C:\Users\yeongje\Documents\반디카메라\Cap 2017-10-27 16-14-52-031.png">
+            <a:extLst>
+              <a:ext uri="{FF2B5EF4-FFF2-40B4-BE49-F238E27FC236}">
+                <a16:creationId xmlns:a16="http://schemas.microsoft.com/office/drawing/2014/main" id="{88FA460D-F09B-480D-B5CE-4F5182BBA4DD}"/>
+              </a:ext>
+            </a:extLst>
+          </p:cNvPr>
+          <p:cNvPicPr/>
+          <p:nvPr/>
+        </p:nvPicPr>
+        <p:blipFill>
+          <a:blip r:embed="rId4" cstate="print">
+            <a:extLst>
+              <a:ext uri="{28A0092B-C50C-407E-A947-70E740481C1C}">
+                <a14:useLocalDpi xmlns:a14="http://schemas.microsoft.com/office/drawing/2010/main" val="0"/>
+              </a:ext>
+            </a:extLst>
+          </a:blip>
+          <a:srcRect/>
+          <a:stretch>
+            <a:fillRect/>
+          </a:stretch>
+        </p:blipFill>
+        <p:spPr bwMode="auto">
+          <a:xfrm>
+            <a:off x="4801953" y="3210762"/>
+            <a:ext cx="2105522" cy="789570"/>
+          </a:xfrm>
+          <a:prstGeom prst="rect">
+            <a:avLst/>
+          </a:prstGeom>
+          <a:noFill/>
+        </p:spPr>
+      </p:pic>
+      <p:sp>
+        <p:nvSpPr>
+          <p:cNvPr id="4" name="TextBox 3">
+            <a:extLst>
+              <a:ext uri="{FF2B5EF4-FFF2-40B4-BE49-F238E27FC236}">
+                <a16:creationId xmlns:a16="http://schemas.microsoft.com/office/drawing/2014/main" id="{176EC373-57F6-4638-A82F-3703B6732269}"/>
+              </a:ext>
+            </a:extLst>
+          </p:cNvPr>
+          <p:cNvSpPr txBox="1"/>
+          <p:nvPr/>
+        </p:nvSpPr>
+        <p:spPr>
+          <a:xfrm>
+            <a:off x="8019286" y="481264"/>
+            <a:ext cx="3702251" cy="3907856"/>
+          </a:xfrm>
+          <a:prstGeom prst="rect">
+            <a:avLst/>
+          </a:prstGeom>
+        </p:spPr>
+        <p:txBody>
+          <a:bodyPr vert="horz" lIns="91440" tIns="45720" rIns="91440" bIns="45720" rtlCol="0" anchor="b">
+            <a:normAutofit/>
+          </a:bodyPr>
+          <a:lstStyle/>
+          <a:p>
+            <a:pPr latinLnBrk="0">
+              <a:lnSpc>
+                <a:spcPct val="90000"/>
+              </a:lnSpc>
+              <a:spcBef>
+                <a:spcPct val="0"/>
+              </a:spcBef>
+              <a:spcAft>
+                <a:spcPts val="600"/>
+              </a:spcAft>
+            </a:pPr>
+            <a:r>
+              <a:rPr lang="en-US" altLang="ko-KR" sz="6000" b="1">
+                <a:latin typeface="+mj-lt"/>
+                <a:ea typeface="+mj-ea"/>
+                <a:cs typeface="+mj-cs"/>
+              </a:rPr>
+              <a:t>Log-in &amp; Sign-up pages</a:t>
+            </a:r>
+          </a:p>
+        </p:txBody>
+      </p:sp>
+      <p:sp>
+        <p:nvSpPr>
+          <p:cNvPr id="2" name="TextBox 1">
+            <a:extLst>
+              <a:ext uri="{FF2B5EF4-FFF2-40B4-BE49-F238E27FC236}">
+                <a16:creationId xmlns:a16="http://schemas.microsoft.com/office/drawing/2014/main" id="{6F9F4280-266F-432F-B205-3AC9CD614B5A}"/>
+              </a:ext>
+            </a:extLst>
+          </p:cNvPr>
+          <p:cNvSpPr txBox="1"/>
+          <p:nvPr/>
+        </p:nvSpPr>
+        <p:spPr>
+          <a:xfrm>
+            <a:off x="4703946" y="629244"/>
+            <a:ext cx="1761751" cy="276999"/>
+          </a:xfrm>
+          <a:prstGeom prst="rect">
+            <a:avLst/>
+          </a:prstGeom>
+          <a:noFill/>
+        </p:spPr>
+        <p:txBody>
+          <a:bodyPr wrap="square" rtlCol="0">
+            <a:spAutoFit/>
+          </a:bodyPr>
+          <a:lstStyle/>
+          <a:p>
+            <a:r>
+              <a:rPr lang="en-US" altLang="ko-KR" sz="1200" dirty="0"/>
+              <a:t>Sign-Up </a:t>
+            </a:r>
+            <a:endParaRPr lang="ko-KR" altLang="en-US" sz="1200" dirty="0"/>
+          </a:p>
+        </p:txBody>
+      </p:sp>
+      <p:sp>
+        <p:nvSpPr>
+          <p:cNvPr id="17" name="TextBox 16">
+            <a:extLst>
+              <a:ext uri="{FF2B5EF4-FFF2-40B4-BE49-F238E27FC236}">
+                <a16:creationId xmlns:a16="http://schemas.microsoft.com/office/drawing/2014/main" id="{9B0E0EB0-6363-4058-918B-B85D7CF7C5D0}"/>
+              </a:ext>
+            </a:extLst>
+          </p:cNvPr>
+          <p:cNvSpPr txBox="1"/>
+          <p:nvPr/>
+        </p:nvSpPr>
+        <p:spPr>
+          <a:xfrm>
+            <a:off x="4703946" y="2659804"/>
+            <a:ext cx="1761751" cy="276999"/>
+          </a:xfrm>
+          <a:prstGeom prst="rect">
+            <a:avLst/>
+          </a:prstGeom>
+          <a:noFill/>
+        </p:spPr>
+        <p:txBody>
+          <a:bodyPr wrap="square" rtlCol="0">
+            <a:spAutoFit/>
+          </a:bodyPr>
+          <a:lstStyle/>
+          <a:p>
+            <a:r>
+              <a:rPr lang="en-US" altLang="ko-KR" sz="1200" dirty="0"/>
+              <a:t>Log-in </a:t>
+            </a:r>
+            <a:endParaRPr lang="ko-KR" altLang="en-US" sz="1200" dirty="0"/>
+          </a:p>
+        </p:txBody>
+      </p:sp>
+      <p:sp>
+        <p:nvSpPr>
+          <p:cNvPr id="3" name="TextBox 2">
+            <a:extLst>
+              <a:ext uri="{FF2B5EF4-FFF2-40B4-BE49-F238E27FC236}">
+                <a16:creationId xmlns:a16="http://schemas.microsoft.com/office/drawing/2014/main" id="{36D5A123-06D3-4CB1-83DA-3B38FBA6AA87}"/>
+              </a:ext>
+            </a:extLst>
+          </p:cNvPr>
+          <p:cNvSpPr txBox="1"/>
+          <p:nvPr/>
+        </p:nvSpPr>
+        <p:spPr>
+          <a:xfrm>
+            <a:off x="646516" y="2711875"/>
+            <a:ext cx="2028951" cy="276999"/>
+          </a:xfrm>
+          <a:prstGeom prst="rect">
+            <a:avLst/>
+          </a:prstGeom>
+          <a:noFill/>
+        </p:spPr>
+        <p:txBody>
+          <a:bodyPr wrap="square" rtlCol="0">
+            <a:spAutoFit/>
+          </a:bodyPr>
+          <a:lstStyle/>
+          <a:p>
+            <a:r>
+              <a:rPr lang="en-US" altLang="ko-KR" sz="1200" dirty="0"/>
+              <a:t>User Detail</a:t>
+            </a:r>
+            <a:endParaRPr lang="ko-KR" altLang="en-US" sz="1200" dirty="0"/>
+          </a:p>
+        </p:txBody>
+      </p:sp>
+    </p:spTree>
+    <p:extLst>
+      <p:ext uri="{BB962C8B-B14F-4D97-AF65-F5344CB8AC3E}">
+        <p14:creationId xmlns:p14="http://schemas.microsoft.com/office/powerpoint/2010/main" val="2470341289"/>
       </p:ext>
     </p:extLst>
   </p:cSld>
@@ -3079,7 +6432,7 @@
           <a:lstStyle/>
           <a:p>
             <a:r>
-              <a:rPr lang="en-US" dirty="0" smtClean="0"/>
+              <a:rPr lang="en-US" dirty="0"/>
               <a:t>Problem listing</a:t>
             </a:r>
             <a:endParaRPr lang="en-AU" dirty="0"/>
@@ -3151,7 +6504,7 @@
           <a:lstStyle/>
           <a:p>
             <a:r>
-              <a:rPr lang="en-US" dirty="0" smtClean="0"/>
+              <a:rPr lang="en-US" dirty="0"/>
               <a:t>Project Goal</a:t>
             </a:r>
             <a:endParaRPr lang="en-AU" dirty="0"/>
@@ -3223,7 +6576,7 @@
           <a:lstStyle/>
           <a:p>
             <a:r>
-              <a:rPr lang="en-US" dirty="0" smtClean="0"/>
+              <a:rPr lang="en-US" dirty="0"/>
               <a:t>Project requirement</a:t>
             </a:r>
             <a:endParaRPr lang="en-AU" dirty="0"/>
@@ -3295,7 +6648,7 @@
           <a:lstStyle/>
           <a:p>
             <a:r>
-              <a:rPr lang="en-US" dirty="0" smtClean="0"/>
+              <a:rPr lang="en-US" dirty="0"/>
               <a:t>Project feasibility - Sean</a:t>
             </a:r>
             <a:endParaRPr lang="en-AU" dirty="0"/>
@@ -3367,7 +6720,7 @@
           <a:lstStyle/>
           <a:p>
             <a:r>
-              <a:rPr lang="en-US" dirty="0" smtClean="0"/>
+              <a:rPr lang="en-US" dirty="0"/>
               <a:t>Project Plan - Sean</a:t>
             </a:r>
             <a:endParaRPr lang="en-AU" dirty="0"/>
@@ -3390,7 +6743,7 @@
           <a:lstStyle/>
           <a:p>
             <a:r>
-              <a:rPr lang="en-US" dirty="0" smtClean="0"/>
+              <a:rPr lang="en-US" dirty="0"/>
               <a:t>Sprint/Release plan</a:t>
             </a:r>
           </a:p>
@@ -3445,7 +6798,7 @@
           <a:lstStyle/>
           <a:p>
             <a:r>
-              <a:rPr lang="en-US" dirty="0" smtClean="0"/>
+              <a:rPr lang="en-US" dirty="0"/>
               <a:t>Project management - Sean</a:t>
             </a:r>
             <a:endParaRPr lang="en-AU" dirty="0"/>
@@ -3468,14 +6821,14 @@
           <a:lstStyle/>
           <a:p>
             <a:r>
-              <a:rPr lang="en-US" dirty="0" err="1" smtClean="0"/>
+              <a:rPr lang="en-US" dirty="0" err="1"/>
               <a:t>Github</a:t>
             </a:r>
-            <a:endParaRPr lang="en-US" dirty="0" smtClean="0"/>
-          </a:p>
-          <a:p>
-            <a:r>
-              <a:rPr lang="en-US" dirty="0" smtClean="0"/>
+            <a:endParaRPr lang="en-US" dirty="0"/>
+          </a:p>
+          <a:p>
+            <a:r>
+              <a:rPr lang="en-US" dirty="0"/>
               <a:t>Trello</a:t>
             </a:r>
           </a:p>
@@ -3484,7 +6837,7 @@
           </a:p>
           <a:p>
             <a:r>
-              <a:rPr lang="en-US" dirty="0" smtClean="0"/>
+              <a:rPr lang="en-US" dirty="0"/>
               <a:t>Group work autonomously</a:t>
             </a:r>
             <a:endParaRPr lang="en-AU" dirty="0"/>
@@ -3537,11 +6890,11 @@
           <a:lstStyle/>
           <a:p>
             <a:r>
-              <a:rPr lang="en-US" dirty="0" smtClean="0"/>
+              <a:rPr lang="en-US" dirty="0"/>
               <a:t>Project Design - </a:t>
             </a:r>
             <a:r>
-              <a:rPr lang="en-US" dirty="0" err="1" smtClean="0"/>
+              <a:rPr lang="en-US" dirty="0" err="1"/>
               <a:t>Seyoung</a:t>
             </a:r>
             <a:endParaRPr lang="en-AU" dirty="0"/>
@@ -3583,6 +6936,14 @@
 <file path=ppt/slides/slide9.xml><?xml version="1.0" encoding="utf-8"?>
 <p:sld xmlns:a="http://schemas.openxmlformats.org/drawingml/2006/main" xmlns:r="http://schemas.openxmlformats.org/officeDocument/2006/relationships" xmlns:p="http://schemas.openxmlformats.org/presentationml/2006/main">
   <p:cSld>
+    <p:bg>
+      <p:bgPr>
+        <a:solidFill>
+          <a:schemeClr val="bg1"/>
+        </a:solidFill>
+        <a:effectLst/>
+      </p:bgPr>
+    </p:bg>
     <p:spTree>
       <p:nvGrpSpPr>
         <p:cNvPr id="1" name=""/>
@@ -3599,6 +6960,99 @@
       </p:grpSpPr>
       <p:sp>
         <p:nvSpPr>
+          <p:cNvPr id="12" name="Rectangle 11">
+            <a:extLst>
+              <a:ext uri="{FF2B5EF4-FFF2-40B4-BE49-F238E27FC236}">
+                <a16:creationId xmlns:a16="http://schemas.microsoft.com/office/drawing/2014/main" id="{D6CF29CD-38B8-4924-BA11-6D60517487EF}"/>
+              </a:ext>
+            </a:extLst>
+          </p:cNvPr>
+          <p:cNvSpPr>
+            <a:spLocks noGrp="1" noRot="1" noChangeAspect="1" noMove="1" noResize="1" noEditPoints="1" noAdjustHandles="1" noChangeArrowheads="1" noChangeShapeType="1" noTextEdit="1"/>
+          </p:cNvSpPr>
+          <p:nvPr>
+            <p:extLst>
+              <p:ext uri="{386F3935-93C4-4BCD-93E2-E3B085C9AB24}">
+                <p16:designElem xmlns:p16="http://schemas.microsoft.com/office/powerpoint/2015/main" val="1"/>
+              </p:ext>
+            </p:extLst>
+          </p:nvPr>
+        </p:nvSpPr>
+        <p:spPr>
+          <a:xfrm>
+            <a:off x="0" y="4242816"/>
+            <a:ext cx="12192000" cy="2615184"/>
+          </a:xfrm>
+          <a:prstGeom prst="rect">
+            <a:avLst/>
+          </a:prstGeom>
+          <a:solidFill>
+            <a:schemeClr val="tx1">
+              <a:lumMod val="75000"/>
+              <a:lumOff val="25000"/>
+            </a:schemeClr>
+          </a:solidFill>
+          <a:ln>
+            <a:noFill/>
+          </a:ln>
+        </p:spPr>
+        <p:style>
+          <a:lnRef idx="2">
+            <a:schemeClr val="accent1">
+              <a:shade val="50000"/>
+            </a:schemeClr>
+          </a:lnRef>
+          <a:fillRef idx="1">
+            <a:schemeClr val="accent1"/>
+          </a:fillRef>
+          <a:effectRef idx="0">
+            <a:schemeClr val="accent1"/>
+          </a:effectRef>
+          <a:fontRef idx="minor">
+            <a:schemeClr val="lt1"/>
+          </a:fontRef>
+        </p:style>
+        <p:txBody>
+          <a:bodyPr rtlCol="0" anchor="ctr"/>
+          <a:lstStyle/>
+          <a:p>
+            <a:pPr algn="ctr"/>
+            <a:endParaRPr lang="en-US"/>
+          </a:p>
+        </p:txBody>
+      </p:sp>
+      <p:pic>
+        <p:nvPicPr>
+          <p:cNvPr id="7" name="그림 6">
+            <a:extLst>
+              <a:ext uri="{FF2B5EF4-FFF2-40B4-BE49-F238E27FC236}">
+                <a16:creationId xmlns:a16="http://schemas.microsoft.com/office/drawing/2014/main" id="{974A20A6-19F0-4637-B7EC-8E5460C90B43}"/>
+              </a:ext>
+            </a:extLst>
+          </p:cNvPr>
+          <p:cNvPicPr>
+            <a:picLocks noChangeAspect="1"/>
+          </p:cNvPicPr>
+          <p:nvPr/>
+        </p:nvPicPr>
+        <p:blipFill>
+          <a:blip r:embed="rId2"/>
+          <a:stretch>
+            <a:fillRect/>
+          </a:stretch>
+        </p:blipFill>
+        <p:spPr>
+          <a:xfrm>
+            <a:off x="650449" y="867030"/>
+            <a:ext cx="10901471" cy="3052411"/>
+          </a:xfrm>
+          <a:prstGeom prst="rect">
+            <a:avLst/>
+          </a:prstGeom>
+        </p:spPr>
+      </p:pic>
+      <p:sp>
+        <p:nvSpPr>
           <p:cNvPr id="2" name="Title 1"/>
           <p:cNvSpPr>
             <a:spLocks noGrp="1"/>
@@ -3607,46 +7061,113 @@
             <p:ph type="title"/>
           </p:nvPr>
         </p:nvSpPr>
-        <p:spPr/>
-        <p:txBody>
-          <a:bodyPr/>
-          <a:lstStyle/>
-          <a:p>
-            <a:r>
-              <a:rPr lang="en-US" dirty="0" smtClean="0"/>
-              <a:t>Prototypes and Technical Demonstration - </a:t>
-            </a:r>
-            <a:r>
-              <a:rPr lang="en-US" dirty="0" err="1" smtClean="0"/>
-              <a:t>Yeongje</a:t>
-            </a:r>
-            <a:endParaRPr lang="en-AU" dirty="0"/>
-          </a:p>
-        </p:txBody>
-      </p:sp>
-      <p:sp>
-        <p:nvSpPr>
-          <p:cNvPr id="3" name="Content Placeholder 2"/>
-          <p:cNvSpPr>
-            <a:spLocks noGrp="1"/>
-          </p:cNvSpPr>
-          <p:nvPr>
-            <p:ph idx="1"/>
-          </p:nvPr>
-        </p:nvSpPr>
-        <p:spPr/>
-        <p:txBody>
-          <a:bodyPr/>
-          <a:lstStyle/>
-          <a:p>
-            <a:endParaRPr lang="en-AU" dirty="0"/>
+        <p:spPr>
+          <a:xfrm>
+            <a:off x="707011" y="4502330"/>
+            <a:ext cx="10765410" cy="1207269"/>
+          </a:xfrm>
+        </p:spPr>
+        <p:txBody>
+          <a:bodyPr vert="horz" lIns="91440" tIns="45720" rIns="91440" bIns="45720" rtlCol="0" anchor="b">
+            <a:normAutofit/>
+          </a:bodyPr>
+          <a:lstStyle/>
+          <a:p>
+            <a:pPr algn="ctr" latinLnBrk="0"/>
+            <a:r>
+              <a:rPr lang="en-US" sz="3300" b="1" kern="1200">
+                <a:solidFill>
+                  <a:schemeClr val="bg1"/>
+                </a:solidFill>
+                <a:latin typeface="+mj-lt"/>
+                <a:ea typeface="+mj-ea"/>
+                <a:cs typeface="+mj-cs"/>
+              </a:rPr>
+              <a:t>Initial</a:t>
+            </a:r>
+            <a:r>
+              <a:rPr lang="en-US" altLang="ko-KR" sz="3300" b="1" kern="1200">
+                <a:solidFill>
+                  <a:schemeClr val="bg1"/>
+                </a:solidFill>
+                <a:latin typeface="+mj-lt"/>
+                <a:ea typeface="+mj-ea"/>
+                <a:cs typeface="+mj-cs"/>
+              </a:rPr>
+              <a:t> Work and Prototype for web application</a:t>
+            </a:r>
+            <a:br>
+              <a:rPr lang="en-US" altLang="ko-KR" sz="3300" b="1" kern="1200">
+                <a:solidFill>
+                  <a:schemeClr val="bg1"/>
+                </a:solidFill>
+                <a:latin typeface="+mj-lt"/>
+                <a:ea typeface="+mj-ea"/>
+                <a:cs typeface="+mj-cs"/>
+              </a:rPr>
+            </a:br>
+            <a:r>
+              <a:rPr lang="en-US" altLang="ko-KR" sz="3300" kern="1200">
+                <a:solidFill>
+                  <a:schemeClr val="bg1"/>
+                </a:solidFill>
+                <a:latin typeface="+mj-lt"/>
+                <a:ea typeface="+mj-ea"/>
+                <a:cs typeface="+mj-cs"/>
+              </a:rPr>
+              <a:t>(Functional prototype pages)</a:t>
+            </a:r>
+            <a:endParaRPr lang="en-US" sz="3300" kern="1200">
+              <a:solidFill>
+                <a:schemeClr val="bg1"/>
+              </a:solidFill>
+              <a:latin typeface="+mj-lt"/>
+              <a:ea typeface="+mj-ea"/>
+              <a:cs typeface="+mj-cs"/>
+            </a:endParaRPr>
+          </a:p>
+        </p:txBody>
+      </p:sp>
+      <p:sp>
+        <p:nvSpPr>
+          <p:cNvPr id="3" name="TextBox 2">
+            <a:extLst>
+              <a:ext uri="{FF2B5EF4-FFF2-40B4-BE49-F238E27FC236}">
+                <a16:creationId xmlns:a16="http://schemas.microsoft.com/office/drawing/2014/main" id="{E626B84E-C44F-4220-937B-B809FC89D7CE}"/>
+              </a:ext>
+            </a:extLst>
+          </p:cNvPr>
+          <p:cNvSpPr txBox="1"/>
+          <p:nvPr/>
+        </p:nvSpPr>
+        <p:spPr>
+          <a:xfrm>
+            <a:off x="650449" y="152400"/>
+            <a:ext cx="9018484" cy="584775"/>
+          </a:xfrm>
+          <a:prstGeom prst="rect">
+            <a:avLst/>
+          </a:prstGeom>
+          <a:noFill/>
+        </p:spPr>
+        <p:txBody>
+          <a:bodyPr wrap="square" rtlCol="0">
+            <a:spAutoFit/>
+          </a:bodyPr>
+          <a:lstStyle/>
+          <a:p>
+            <a:r>
+              <a:rPr lang="en-US" altLang="ko-KR" sz="3200" b="1" dirty="0"/>
+              <a:t>First Page</a:t>
+            </a:r>
+            <a:endParaRPr lang="ko-KR" altLang="en-US" sz="3200" b="1" dirty="0"/>
           </a:p>
         </p:txBody>
       </p:sp>
     </p:spTree>
     <p:extLst>
       <p:ext uri="{BB962C8B-B14F-4D97-AF65-F5344CB8AC3E}">
-        <p14:creationId xmlns:p14="http://schemas.microsoft.com/office/powerpoint/2010/main" val="1716916940"/>
+        <p14:creationId xmlns:p14="http://schemas.microsoft.com/office/powerpoint/2010/main" val="953917609"/>
       </p:ext>
     </p:extLst>
   </p:cSld>
@@ -3657,7 +7178,7 @@
 </file>
 
 <file path=ppt/theme/theme1.xml><?xml version="1.0" encoding="utf-8"?>
-<a:theme xmlns:a="http://schemas.openxmlformats.org/drawingml/2006/main" name="Office Theme">
+<a:theme xmlns:a="http://schemas.openxmlformats.org/drawingml/2006/main" name="Office 테마">
   <a:themeElements>
     <a:clrScheme name="Office">
       <a:dk1>
@@ -3673,7 +7194,7 @@
         <a:srgbClr val="E7E6E6"/>
       </a:lt2>
       <a:accent1>
-        <a:srgbClr val="5B9BD5"/>
+        <a:srgbClr val="4472C4"/>
       </a:accent1>
       <a:accent2>
         <a:srgbClr val="ED7D31"/>
@@ -3685,7 +7206,7 @@
         <a:srgbClr val="FFC000"/>
       </a:accent4>
       <a:accent5>
-        <a:srgbClr val="4472C4"/>
+        <a:srgbClr val="5B9BD5"/>
       </a:accent5>
       <a:accent6>
         <a:srgbClr val="70AD47"/>
@@ -3699,12 +7220,12 @@
     </a:clrScheme>
     <a:fontScheme name="Office">
       <a:majorFont>
-        <a:latin typeface="Calibri Light" panose="020F0302020204030204"/>
+        <a:latin typeface="맑은 고딕" panose="020F0302020204030204"/>
         <a:ea typeface=""/>
         <a:cs typeface=""/>
-        <a:font script="Jpan" typeface="ＭＳ Ｐゴシック"/>
+        <a:font script="Jpan" typeface="游ゴシック Light"/>
         <a:font script="Hang" typeface="맑은 고딕"/>
-        <a:font script="Hans" typeface="宋体"/>
+        <a:font script="Hans" typeface="等线 Light"/>
         <a:font script="Hant" typeface="新細明體"/>
         <a:font script="Arab" typeface="Times New Roman"/>
         <a:font script="Hebr" typeface="Times New Roman"/>
@@ -3732,14 +7253,31 @@
         <a:font script="Viet" typeface="Times New Roman"/>
         <a:font script="Uigh" typeface="Microsoft Uighur"/>
         <a:font script="Geor" typeface="Sylfaen"/>
+        <a:font script="Armn" typeface="Arial"/>
+        <a:font script="Bugi" typeface="Leelawadee UI"/>
+        <a:font script="Bopo" typeface="Microsoft JhengHei"/>
+        <a:font script="Java" typeface="Javanese Text"/>
+        <a:font script="Lisu" typeface="Segoe UI"/>
+        <a:font script="Mymr" typeface="Myanmar Text"/>
+        <a:font script="Nkoo" typeface="Ebrima"/>
+        <a:font script="Olck" typeface="Nirmala UI"/>
+        <a:font script="Osma" typeface="Ebrima"/>
+        <a:font script="Phag" typeface="Phagspa"/>
+        <a:font script="Syrn" typeface="Estrangelo Edessa"/>
+        <a:font script="Syrj" typeface="Estrangelo Edessa"/>
+        <a:font script="Syre" typeface="Estrangelo Edessa"/>
+        <a:font script="Sora" typeface="Nirmala UI"/>
+        <a:font script="Tale" typeface="Microsoft Tai Le"/>
+        <a:font script="Talu" typeface="Microsoft New Tai Lue"/>
+        <a:font script="Tfng" typeface="Ebrima"/>
       </a:majorFont>
       <a:minorFont>
-        <a:latin typeface="Calibri" panose="020F0502020204030204"/>
+        <a:latin typeface="맑은 고딕" panose="020F0502020204030204"/>
         <a:ea typeface=""/>
         <a:cs typeface=""/>
-        <a:font script="Jpan" typeface="ＭＳ Ｐゴシック"/>
+        <a:font script="Jpan" typeface="游ゴシック"/>
         <a:font script="Hang" typeface="맑은 고딕"/>
-        <a:font script="Hans" typeface="宋体"/>
+        <a:font script="Hans" typeface="等线"/>
         <a:font script="Hant" typeface="新細明體"/>
         <a:font script="Arab" typeface="Arial"/>
         <a:font script="Hebr" typeface="Arial"/>
@@ -3767,6 +7305,318 @@
         <a:font script="Viet" typeface="Arial"/>
         <a:font script="Uigh" typeface="Microsoft Uighur"/>
         <a:font script="Geor" typeface="Sylfaen"/>
+        <a:font script="Armn" typeface="Arial"/>
+        <a:font script="Bugi" typeface="Leelawadee UI"/>
+        <a:font script="Bopo" typeface="Microsoft JhengHei"/>
+        <a:font script="Java" typeface="Javanese Text"/>
+        <a:font script="Lisu" typeface="Segoe UI"/>
+        <a:font script="Mymr" typeface="Myanmar Text"/>
+        <a:font script="Nkoo" typeface="Ebrima"/>
+        <a:font script="Olck" typeface="Nirmala UI"/>
+        <a:font script="Osma" typeface="Ebrima"/>
+        <a:font script="Phag" typeface="Phagspa"/>
+        <a:font script="Syrn" typeface="Estrangelo Edessa"/>
+        <a:font script="Syrj" typeface="Estrangelo Edessa"/>
+        <a:font script="Syre" typeface="Estrangelo Edessa"/>
+        <a:font script="Sora" typeface="Nirmala UI"/>
+        <a:font script="Tale" typeface="Microsoft Tai Le"/>
+        <a:font script="Talu" typeface="Microsoft New Tai Lue"/>
+        <a:font script="Tfng" typeface="Ebrima"/>
+      </a:minorFont>
+    </a:fontScheme>
+    <a:fmtScheme name="Office">
+      <a:fillStyleLst>
+        <a:solidFill>
+          <a:schemeClr val="phClr"/>
+        </a:solidFill>
+        <a:gradFill rotWithShape="1">
+          <a:gsLst>
+            <a:gs pos="0">
+              <a:schemeClr val="phClr">
+                <a:lumMod val="110000"/>
+                <a:satMod val="105000"/>
+                <a:tint val="67000"/>
+              </a:schemeClr>
+            </a:gs>
+            <a:gs pos="50000">
+              <a:schemeClr val="phClr">
+                <a:lumMod val="105000"/>
+                <a:satMod val="103000"/>
+                <a:tint val="73000"/>
+              </a:schemeClr>
+            </a:gs>
+            <a:gs pos="100000">
+              <a:schemeClr val="phClr">
+                <a:lumMod val="105000"/>
+                <a:satMod val="109000"/>
+                <a:tint val="81000"/>
+              </a:schemeClr>
+            </a:gs>
+          </a:gsLst>
+          <a:lin ang="5400000" scaled="0"/>
+        </a:gradFill>
+        <a:gradFill rotWithShape="1">
+          <a:gsLst>
+            <a:gs pos="0">
+              <a:schemeClr val="phClr">
+                <a:satMod val="103000"/>
+                <a:lumMod val="102000"/>
+                <a:tint val="94000"/>
+              </a:schemeClr>
+            </a:gs>
+            <a:gs pos="50000">
+              <a:schemeClr val="phClr">
+                <a:satMod val="110000"/>
+                <a:lumMod val="100000"/>
+                <a:shade val="100000"/>
+              </a:schemeClr>
+            </a:gs>
+            <a:gs pos="100000">
+              <a:schemeClr val="phClr">
+                <a:lumMod val="99000"/>
+                <a:satMod val="120000"/>
+                <a:shade val="78000"/>
+              </a:schemeClr>
+            </a:gs>
+          </a:gsLst>
+          <a:lin ang="5400000" scaled="0"/>
+        </a:gradFill>
+      </a:fillStyleLst>
+      <a:lnStyleLst>
+        <a:ln w="6350" cap="flat" cmpd="sng" algn="ctr">
+          <a:solidFill>
+            <a:schemeClr val="phClr"/>
+          </a:solidFill>
+          <a:prstDash val="solid"/>
+          <a:miter lim="800000"/>
+        </a:ln>
+        <a:ln w="12700" cap="flat" cmpd="sng" algn="ctr">
+          <a:solidFill>
+            <a:schemeClr val="phClr"/>
+          </a:solidFill>
+          <a:prstDash val="solid"/>
+          <a:miter lim="800000"/>
+        </a:ln>
+        <a:ln w="19050" cap="flat" cmpd="sng" algn="ctr">
+          <a:solidFill>
+            <a:schemeClr val="phClr"/>
+          </a:solidFill>
+          <a:prstDash val="solid"/>
+          <a:miter lim="800000"/>
+        </a:ln>
+      </a:lnStyleLst>
+      <a:effectStyleLst>
+        <a:effectStyle>
+          <a:effectLst/>
+        </a:effectStyle>
+        <a:effectStyle>
+          <a:effectLst/>
+        </a:effectStyle>
+        <a:effectStyle>
+          <a:effectLst>
+            <a:outerShdw blurRad="57150" dist="19050" dir="5400000" algn="ctr" rotWithShape="0">
+              <a:srgbClr val="000000">
+                <a:alpha val="63000"/>
+              </a:srgbClr>
+            </a:outerShdw>
+          </a:effectLst>
+        </a:effectStyle>
+      </a:effectStyleLst>
+      <a:bgFillStyleLst>
+        <a:solidFill>
+          <a:schemeClr val="phClr"/>
+        </a:solidFill>
+        <a:solidFill>
+          <a:schemeClr val="phClr">
+            <a:tint val="95000"/>
+            <a:satMod val="170000"/>
+          </a:schemeClr>
+        </a:solidFill>
+        <a:gradFill rotWithShape="1">
+          <a:gsLst>
+            <a:gs pos="0">
+              <a:schemeClr val="phClr">
+                <a:tint val="93000"/>
+                <a:satMod val="150000"/>
+                <a:shade val="98000"/>
+                <a:lumMod val="102000"/>
+              </a:schemeClr>
+            </a:gs>
+            <a:gs pos="50000">
+              <a:schemeClr val="phClr">
+                <a:tint val="98000"/>
+                <a:satMod val="130000"/>
+                <a:shade val="90000"/>
+                <a:lumMod val="103000"/>
+              </a:schemeClr>
+            </a:gs>
+            <a:gs pos="100000">
+              <a:schemeClr val="phClr">
+                <a:shade val="63000"/>
+                <a:satMod val="120000"/>
+              </a:schemeClr>
+            </a:gs>
+          </a:gsLst>
+          <a:lin ang="5400000" scaled="0"/>
+        </a:gradFill>
+      </a:bgFillStyleLst>
+    </a:fmtScheme>
+  </a:themeElements>
+  <a:objectDefaults/>
+  <a:extraClrSchemeLst/>
+  <a:extLst>
+    <a:ext uri="{05A4C25C-085E-4340-85A3-A5531E510DB2}">
+      <thm15:themeFamily xmlns:thm15="http://schemas.microsoft.com/office/thememl/2012/main" name="Office Theme" id="{62F939B6-93AF-4DB8-9C6B-D6C7DFDC589F}" vid="{4A3C46E8-61CC-4603-A589-7422A47A8E4A}"/>
+    </a:ext>
+  </a:extLst>
+</a:theme>
+</file>
+
+<file path=ppt/theme/theme2.xml><?xml version="1.0" encoding="utf-8"?>
+<a:theme xmlns:a="http://schemas.openxmlformats.org/drawingml/2006/main" name="Office 테마">
+  <a:themeElements>
+    <a:clrScheme name="Office">
+      <a:dk1>
+        <a:sysClr val="windowText" lastClr="000000"/>
+      </a:dk1>
+      <a:lt1>
+        <a:sysClr val="window" lastClr="FFFFFF"/>
+      </a:lt1>
+      <a:dk2>
+        <a:srgbClr val="44546A"/>
+      </a:dk2>
+      <a:lt2>
+        <a:srgbClr val="E7E6E6"/>
+      </a:lt2>
+      <a:accent1>
+        <a:srgbClr val="4472C4"/>
+      </a:accent1>
+      <a:accent2>
+        <a:srgbClr val="ED7D31"/>
+      </a:accent2>
+      <a:accent3>
+        <a:srgbClr val="A5A5A5"/>
+      </a:accent3>
+      <a:accent4>
+        <a:srgbClr val="FFC000"/>
+      </a:accent4>
+      <a:accent5>
+        <a:srgbClr val="5B9BD5"/>
+      </a:accent5>
+      <a:accent6>
+        <a:srgbClr val="70AD47"/>
+      </a:accent6>
+      <a:hlink>
+        <a:srgbClr val="0563C1"/>
+      </a:hlink>
+      <a:folHlink>
+        <a:srgbClr val="954F72"/>
+      </a:folHlink>
+    </a:clrScheme>
+    <a:fontScheme name="Office">
+      <a:majorFont>
+        <a:latin typeface="맑은 고딕" panose="020F0302020204030204"/>
+        <a:ea typeface=""/>
+        <a:cs typeface=""/>
+        <a:font script="Jpan" typeface="游ゴシック Light"/>
+        <a:font script="Hang" typeface="맑은 고딕"/>
+        <a:font script="Hans" typeface="等线 Light"/>
+        <a:font script="Hant" typeface="新細明體"/>
+        <a:font script="Arab" typeface="Times New Roman"/>
+        <a:font script="Hebr" typeface="Times New Roman"/>
+        <a:font script="Thai" typeface="Angsana New"/>
+        <a:font script="Ethi" typeface="Nyala"/>
+        <a:font script="Beng" typeface="Vrinda"/>
+        <a:font script="Gujr" typeface="Shruti"/>
+        <a:font script="Khmr" typeface="MoolBoran"/>
+        <a:font script="Knda" typeface="Tunga"/>
+        <a:font script="Guru" typeface="Raavi"/>
+        <a:font script="Cans" typeface="Euphemia"/>
+        <a:font script="Cher" typeface="Plantagenet Cherokee"/>
+        <a:font script="Yiii" typeface="Microsoft Yi Baiti"/>
+        <a:font script="Tibt" typeface="Microsoft Himalaya"/>
+        <a:font script="Thaa" typeface="MV Boli"/>
+        <a:font script="Deva" typeface="Mangal"/>
+        <a:font script="Telu" typeface="Gautami"/>
+        <a:font script="Taml" typeface="Latha"/>
+        <a:font script="Syrc" typeface="Estrangelo Edessa"/>
+        <a:font script="Orya" typeface="Kalinga"/>
+        <a:font script="Mlym" typeface="Kartika"/>
+        <a:font script="Laoo" typeface="DokChampa"/>
+        <a:font script="Sinh" typeface="Iskoola Pota"/>
+        <a:font script="Mong" typeface="Mongolian Baiti"/>
+        <a:font script="Viet" typeface="Times New Roman"/>
+        <a:font script="Uigh" typeface="Microsoft Uighur"/>
+        <a:font script="Geor" typeface="Sylfaen"/>
+        <a:font script="Armn" typeface="Arial"/>
+        <a:font script="Bugi" typeface="Leelawadee UI"/>
+        <a:font script="Bopo" typeface="Microsoft JhengHei"/>
+        <a:font script="Java" typeface="Javanese Text"/>
+        <a:font script="Lisu" typeface="Segoe UI"/>
+        <a:font script="Mymr" typeface="Myanmar Text"/>
+        <a:font script="Nkoo" typeface="Ebrima"/>
+        <a:font script="Olck" typeface="Nirmala UI"/>
+        <a:font script="Osma" typeface="Ebrima"/>
+        <a:font script="Phag" typeface="Phagspa"/>
+        <a:font script="Syrn" typeface="Estrangelo Edessa"/>
+        <a:font script="Syrj" typeface="Estrangelo Edessa"/>
+        <a:font script="Syre" typeface="Estrangelo Edessa"/>
+        <a:font script="Sora" typeface="Nirmala UI"/>
+        <a:font script="Tale" typeface="Microsoft Tai Le"/>
+        <a:font script="Talu" typeface="Microsoft New Tai Lue"/>
+        <a:font script="Tfng" typeface="Ebrima"/>
+      </a:majorFont>
+      <a:minorFont>
+        <a:latin typeface="맑은 고딕" panose="020F0502020204030204"/>
+        <a:ea typeface=""/>
+        <a:cs typeface=""/>
+        <a:font script="Jpan" typeface="游ゴシック"/>
+        <a:font script="Hang" typeface="맑은 고딕"/>
+        <a:font script="Hans" typeface="等线"/>
+        <a:font script="Hant" typeface="新細明體"/>
+        <a:font script="Arab" typeface="Arial"/>
+        <a:font script="Hebr" typeface="Arial"/>
+        <a:font script="Thai" typeface="Cordia New"/>
+        <a:font script="Ethi" typeface="Nyala"/>
+        <a:font script="Beng" typeface="Vrinda"/>
+        <a:font script="Gujr" typeface="Shruti"/>
+        <a:font script="Khmr" typeface="DaunPenh"/>
+        <a:font script="Knda" typeface="Tunga"/>
+        <a:font script="Guru" typeface="Raavi"/>
+        <a:font script="Cans" typeface="Euphemia"/>
+        <a:font script="Cher" typeface="Plantagenet Cherokee"/>
+        <a:font script="Yiii" typeface="Microsoft Yi Baiti"/>
+        <a:font script="Tibt" typeface="Microsoft Himalaya"/>
+        <a:font script="Thaa" typeface="MV Boli"/>
+        <a:font script="Deva" typeface="Mangal"/>
+        <a:font script="Telu" typeface="Gautami"/>
+        <a:font script="Taml" typeface="Latha"/>
+        <a:font script="Syrc" typeface="Estrangelo Edessa"/>
+        <a:font script="Orya" typeface="Kalinga"/>
+        <a:font script="Mlym" typeface="Kartika"/>
+        <a:font script="Laoo" typeface="DokChampa"/>
+        <a:font script="Sinh" typeface="Iskoola Pota"/>
+        <a:font script="Mong" typeface="Mongolian Baiti"/>
+        <a:font script="Viet" typeface="Arial"/>
+        <a:font script="Uigh" typeface="Microsoft Uighur"/>
+        <a:font script="Geor" typeface="Sylfaen"/>
+        <a:font script="Armn" typeface="Arial"/>
+        <a:font script="Bugi" typeface="Leelawadee UI"/>
+        <a:font script="Bopo" typeface="Microsoft JhengHei"/>
+        <a:font script="Java" typeface="Javanese Text"/>
+        <a:font script="Lisu" typeface="Segoe UI"/>
+        <a:font script="Mymr" typeface="Myanmar Text"/>
+        <a:font script="Nkoo" typeface="Ebrima"/>
+        <a:font script="Olck" typeface="Nirmala UI"/>
+        <a:font script="Osma" typeface="Ebrima"/>
+        <a:font script="Phag" typeface="Phagspa"/>
+        <a:font script="Syrn" typeface="Estrangelo Edessa"/>
+        <a:font script="Syrj" typeface="Estrangelo Edessa"/>
+        <a:font script="Syre" typeface="Estrangelo Edessa"/>
+        <a:font script="Sora" typeface="Nirmala UI"/>
+        <a:font script="Tale" typeface="Microsoft Tai Le"/>
+        <a:font script="Talu" typeface="Microsoft New Tai Lue"/>
+        <a:font script="Tfng" typeface="Ebrima"/>
       </a:minorFont>
     </a:fontScheme>
     <a:fmtScheme name="Office">
